--- a/Projects/Data Analyst/Presentation ACP.pptx
+++ b/Projects/Data Analyst/Presentation ACP.pptx
@@ -5,7 +5,7 @@
     <p:sldMasterId id="2147483673" r:id="rId1"/>
   </p:sldMasterIdLst>
   <p:notesMasterIdLst>
-    <p:notesMasterId r:id="rId13"/>
+    <p:notesMasterId r:id="rId21"/>
   </p:notesMasterIdLst>
   <p:sldIdLst>
     <p:sldId id="256" r:id="rId2"/>
@@ -18,43 +18,51 @@
     <p:sldId id="294" r:id="rId9"/>
     <p:sldId id="295" r:id="rId10"/>
     <p:sldId id="296" r:id="rId11"/>
-    <p:sldId id="299" r:id="rId12"/>
+    <p:sldId id="300" r:id="rId12"/>
+    <p:sldId id="301" r:id="rId13"/>
+    <p:sldId id="302" r:id="rId14"/>
+    <p:sldId id="303" r:id="rId15"/>
+    <p:sldId id="304" r:id="rId16"/>
+    <p:sldId id="305" r:id="rId17"/>
+    <p:sldId id="306" r:id="rId18"/>
+    <p:sldId id="307" r:id="rId19"/>
+    <p:sldId id="299" r:id="rId20"/>
   </p:sldIdLst>
   <p:sldSz cx="9144000" cy="5143500" type="screen16x9"/>
   <p:notesSz cx="6858000" cy="9144000"/>
   <p:embeddedFontLst>
     <p:embeddedFont>
       <p:font typeface="Inter" panose="020B0604020202020204" charset="0"/>
-      <p:regular r:id="rId14"/>
-      <p:bold r:id="rId15"/>
-      <p:italic r:id="rId16"/>
-      <p:boldItalic r:id="rId17"/>
+      <p:regular r:id="rId22"/>
+      <p:bold r:id="rId23"/>
+      <p:italic r:id="rId24"/>
+      <p:boldItalic r:id="rId25"/>
     </p:embeddedFont>
     <p:embeddedFont>
       <p:font typeface="Inter Medium" panose="020B0604020202020204" charset="0"/>
-      <p:regular r:id="rId18"/>
-      <p:bold r:id="rId19"/>
-      <p:italic r:id="rId20"/>
-      <p:boldItalic r:id="rId21"/>
+      <p:regular r:id="rId26"/>
+      <p:bold r:id="rId27"/>
+      <p:italic r:id="rId28"/>
+      <p:boldItalic r:id="rId29"/>
     </p:embeddedFont>
     <p:embeddedFont>
       <p:font typeface="Nunito Light" pitchFamily="2" charset="0"/>
-      <p:regular r:id="rId22"/>
-      <p:italic r:id="rId23"/>
+      <p:regular r:id="rId30"/>
+      <p:italic r:id="rId31"/>
     </p:embeddedFont>
     <p:embeddedFont>
       <p:font typeface="Open Sans" panose="020B0606030504020204" pitchFamily="34" charset="0"/>
-      <p:regular r:id="rId24"/>
-      <p:bold r:id="rId25"/>
-      <p:italic r:id="rId26"/>
-      <p:boldItalic r:id="rId27"/>
+      <p:regular r:id="rId32"/>
+      <p:bold r:id="rId33"/>
+      <p:italic r:id="rId34"/>
+      <p:boldItalic r:id="rId35"/>
     </p:embeddedFont>
     <p:embeddedFont>
       <p:font typeface="Roboto" panose="02000000000000000000" pitchFamily="2" charset="0"/>
-      <p:regular r:id="rId28"/>
-      <p:bold r:id="rId29"/>
-      <p:italic r:id="rId30"/>
-      <p:boldItalic r:id="rId31"/>
+      <p:regular r:id="rId36"/>
+      <p:bold r:id="rId37"/>
+      <p:italic r:id="rId38"/>
+      <p:boldItalic r:id="rId39"/>
     </p:embeddedFont>
   </p:embeddedFontLst>
   <p:defaultTextStyle>
@@ -286,6 +294,11 @@
       </a:defRPr>
     </a:lvl9pPr>
   </p:defaultTextStyle>
+  <p:extLst>
+    <p:ext uri="{EFAFB233-063F-42B5-8137-9DF3F51BA10A}">
+      <p15:sldGuideLst xmlns:p15="http://schemas.microsoft.com/office/powerpoint/2012/main"/>
+    </p:ext>
+  </p:extLst>
 </p:presentation>
 </file>
 
@@ -962,6 +975,1022 @@
 </file>
 
 <file path=ppt/notesSlides/notesSlide11.xml><?xml version="1.0" encoding="utf-8"?>
+<p:notes xmlns:a="http://schemas.openxmlformats.org/drawingml/2006/main" xmlns:r="http://schemas.openxmlformats.org/officeDocument/2006/relationships" xmlns:p="http://schemas.openxmlformats.org/presentationml/2006/main" showMasterSp="0" showMasterPhAnim="0">
+  <p:cSld>
+    <p:spTree>
+      <p:nvGrpSpPr>
+        <p:cNvPr id="1" name="Shape 133">
+          <a:extLst>
+            <a:ext uri="{FF2B5EF4-FFF2-40B4-BE49-F238E27FC236}">
+              <a16:creationId xmlns:a16="http://schemas.microsoft.com/office/drawing/2014/main" id="{DA392FE0-D1FA-77A4-53BC-58B611FE1A52}"/>
+            </a:ext>
+          </a:extLst>
+        </p:cNvPr>
+        <p:cNvGrpSpPr/>
+        <p:nvPr/>
+      </p:nvGrpSpPr>
+      <p:grpSpPr>
+        <a:xfrm>
+          <a:off x="0" y="0"/>
+          <a:ext cx="0" cy="0"/>
+          <a:chOff x="0" y="0"/>
+          <a:chExt cx="0" cy="0"/>
+        </a:xfrm>
+      </p:grpSpPr>
+      <p:sp>
+        <p:nvSpPr>
+          <p:cNvPr id="134" name="Google Shape;134;g348300ce307_0_0:notes">
+            <a:extLst>
+              <a:ext uri="{FF2B5EF4-FFF2-40B4-BE49-F238E27FC236}">
+                <a16:creationId xmlns:a16="http://schemas.microsoft.com/office/drawing/2014/main" id="{C26B10CA-7248-50C4-F81A-E5669C60F470}"/>
+              </a:ext>
+            </a:extLst>
+          </p:cNvPr>
+          <p:cNvSpPr>
+            <a:spLocks noGrp="1" noRot="1" noChangeAspect="1"/>
+          </p:cNvSpPr>
+          <p:nvPr>
+            <p:ph type="sldImg" idx="2"/>
+          </p:nvPr>
+        </p:nvSpPr>
+        <p:spPr>
+          <a:xfrm>
+            <a:off x="381000" y="685800"/>
+            <a:ext cx="6096000" cy="3429000"/>
+          </a:xfrm>
+          <a:custGeom>
+            <a:avLst/>
+            <a:gdLst/>
+            <a:ahLst/>
+            <a:cxnLst/>
+            <a:rect l="l" t="t" r="r" b="b"/>
+            <a:pathLst>
+              <a:path w="120000" h="120000" extrusionOk="0">
+                <a:moveTo>
+                  <a:pt x="0" y="0"/>
+                </a:moveTo>
+                <a:lnTo>
+                  <a:pt x="120000" y="0"/>
+                </a:lnTo>
+                <a:lnTo>
+                  <a:pt x="120000" y="120000"/>
+                </a:lnTo>
+                <a:lnTo>
+                  <a:pt x="0" y="120000"/>
+                </a:lnTo>
+                <a:close/>
+              </a:path>
+            </a:pathLst>
+          </a:custGeom>
+        </p:spPr>
+      </p:sp>
+      <p:sp>
+        <p:nvSpPr>
+          <p:cNvPr id="135" name="Google Shape;135;g348300ce307_0_0:notes">
+            <a:extLst>
+              <a:ext uri="{FF2B5EF4-FFF2-40B4-BE49-F238E27FC236}">
+                <a16:creationId xmlns:a16="http://schemas.microsoft.com/office/drawing/2014/main" id="{B75F2E6A-1A74-4D53-5676-6AD46AEDEF3F}"/>
+              </a:ext>
+            </a:extLst>
+          </p:cNvPr>
+          <p:cNvSpPr txBox="1">
+            <a:spLocks noGrp="1"/>
+          </p:cNvSpPr>
+          <p:nvPr>
+            <p:ph type="body" idx="1"/>
+          </p:nvPr>
+        </p:nvSpPr>
+        <p:spPr>
+          <a:xfrm>
+            <a:off x="685800" y="4343400"/>
+            <a:ext cx="5486400" cy="4114800"/>
+          </a:xfrm>
+          <a:prstGeom prst="rect">
+            <a:avLst/>
+          </a:prstGeom>
+        </p:spPr>
+        <p:txBody>
+          <a:bodyPr spcFirstLastPara="1" wrap="square" lIns="91425" tIns="91425" rIns="91425" bIns="91425" anchor="t" anchorCtr="0">
+            <a:noAutofit/>
+          </a:bodyPr>
+          <a:lstStyle/>
+          <a:p>
+            <a:pPr marL="0" lvl="0" indent="0" algn="l" rtl="0">
+              <a:spcBef>
+                <a:spcPts val="0"/>
+              </a:spcBef>
+              <a:spcAft>
+                <a:spcPts val="0"/>
+              </a:spcAft>
+              <a:buNone/>
+            </a:pPr>
+            <a:endParaRPr/>
+          </a:p>
+        </p:txBody>
+      </p:sp>
+    </p:spTree>
+    <p:extLst>
+      <p:ext uri="{BB962C8B-B14F-4D97-AF65-F5344CB8AC3E}">
+        <p14:creationId xmlns:p14="http://schemas.microsoft.com/office/powerpoint/2010/main" val="2570799973"/>
+      </p:ext>
+    </p:extLst>
+  </p:cSld>
+  <p:clrMapOvr>
+    <a:masterClrMapping/>
+  </p:clrMapOvr>
+</p:notes>
+</file>
+
+<file path=ppt/notesSlides/notesSlide12.xml><?xml version="1.0" encoding="utf-8"?>
+<p:notes xmlns:a="http://schemas.openxmlformats.org/drawingml/2006/main" xmlns:r="http://schemas.openxmlformats.org/officeDocument/2006/relationships" xmlns:p="http://schemas.openxmlformats.org/presentationml/2006/main" showMasterSp="0" showMasterPhAnim="0">
+  <p:cSld>
+    <p:spTree>
+      <p:nvGrpSpPr>
+        <p:cNvPr id="1" name="Shape 174">
+          <a:extLst>
+            <a:ext uri="{FF2B5EF4-FFF2-40B4-BE49-F238E27FC236}">
+              <a16:creationId xmlns:a16="http://schemas.microsoft.com/office/drawing/2014/main" id="{33E5EFBB-62FF-EDD5-F01B-6173C15D2534}"/>
+            </a:ext>
+          </a:extLst>
+        </p:cNvPr>
+        <p:cNvGrpSpPr/>
+        <p:nvPr/>
+      </p:nvGrpSpPr>
+      <p:grpSpPr>
+        <a:xfrm>
+          <a:off x="0" y="0"/>
+          <a:ext cx="0" cy="0"/>
+          <a:chOff x="0" y="0"/>
+          <a:chExt cx="0" cy="0"/>
+        </a:xfrm>
+      </p:grpSpPr>
+      <p:sp>
+        <p:nvSpPr>
+          <p:cNvPr id="175" name="Google Shape;175;g54dda1946d_6_322:notes">
+            <a:extLst>
+              <a:ext uri="{FF2B5EF4-FFF2-40B4-BE49-F238E27FC236}">
+                <a16:creationId xmlns:a16="http://schemas.microsoft.com/office/drawing/2014/main" id="{07BE7C45-3B78-004F-7A2B-FB239A5F4258}"/>
+              </a:ext>
+            </a:extLst>
+          </p:cNvPr>
+          <p:cNvSpPr>
+            <a:spLocks noGrp="1" noRot="1" noChangeAspect="1"/>
+          </p:cNvSpPr>
+          <p:nvPr>
+            <p:ph type="sldImg" idx="2"/>
+          </p:nvPr>
+        </p:nvSpPr>
+        <p:spPr>
+          <a:xfrm>
+            <a:off x="381000" y="685800"/>
+            <a:ext cx="6096000" cy="3429000"/>
+          </a:xfrm>
+          <a:custGeom>
+            <a:avLst/>
+            <a:gdLst/>
+            <a:ahLst/>
+            <a:cxnLst/>
+            <a:rect l="l" t="t" r="r" b="b"/>
+            <a:pathLst>
+              <a:path w="120000" h="120000" extrusionOk="0">
+                <a:moveTo>
+                  <a:pt x="0" y="0"/>
+                </a:moveTo>
+                <a:lnTo>
+                  <a:pt x="120000" y="0"/>
+                </a:lnTo>
+                <a:lnTo>
+                  <a:pt x="120000" y="120000"/>
+                </a:lnTo>
+                <a:lnTo>
+                  <a:pt x="0" y="120000"/>
+                </a:lnTo>
+                <a:close/>
+              </a:path>
+            </a:pathLst>
+          </a:custGeom>
+        </p:spPr>
+      </p:sp>
+      <p:sp>
+        <p:nvSpPr>
+          <p:cNvPr id="176" name="Google Shape;176;g54dda1946d_6_322:notes">
+            <a:extLst>
+              <a:ext uri="{FF2B5EF4-FFF2-40B4-BE49-F238E27FC236}">
+                <a16:creationId xmlns:a16="http://schemas.microsoft.com/office/drawing/2014/main" id="{22F64EED-C1E0-8EB2-7ACC-68C79EEE5693}"/>
+              </a:ext>
+            </a:extLst>
+          </p:cNvPr>
+          <p:cNvSpPr txBox="1">
+            <a:spLocks noGrp="1"/>
+          </p:cNvSpPr>
+          <p:nvPr>
+            <p:ph type="body" idx="1"/>
+          </p:nvPr>
+        </p:nvSpPr>
+        <p:spPr>
+          <a:xfrm>
+            <a:off x="685800" y="4343400"/>
+            <a:ext cx="5486400" cy="4114800"/>
+          </a:xfrm>
+          <a:prstGeom prst="rect">
+            <a:avLst/>
+          </a:prstGeom>
+        </p:spPr>
+        <p:txBody>
+          <a:bodyPr spcFirstLastPara="1" wrap="square" lIns="91425" tIns="91425" rIns="91425" bIns="91425" anchor="t" anchorCtr="0">
+            <a:noAutofit/>
+          </a:bodyPr>
+          <a:lstStyle/>
+          <a:p>
+            <a:pPr marL="0" lvl="0" indent="0" algn="l" rtl="0">
+              <a:spcBef>
+                <a:spcPts val="0"/>
+              </a:spcBef>
+              <a:spcAft>
+                <a:spcPts val="0"/>
+              </a:spcAft>
+              <a:buNone/>
+            </a:pPr>
+            <a:endParaRPr/>
+          </a:p>
+        </p:txBody>
+      </p:sp>
+    </p:spTree>
+    <p:extLst>
+      <p:ext uri="{BB962C8B-B14F-4D97-AF65-F5344CB8AC3E}">
+        <p14:creationId xmlns:p14="http://schemas.microsoft.com/office/powerpoint/2010/main" val="187755383"/>
+      </p:ext>
+    </p:extLst>
+  </p:cSld>
+  <p:clrMapOvr>
+    <a:masterClrMapping/>
+  </p:clrMapOvr>
+</p:notes>
+</file>
+
+<file path=ppt/notesSlides/notesSlide13.xml><?xml version="1.0" encoding="utf-8"?>
+<p:notes xmlns:a="http://schemas.openxmlformats.org/drawingml/2006/main" xmlns:r="http://schemas.openxmlformats.org/officeDocument/2006/relationships" xmlns:p="http://schemas.openxmlformats.org/presentationml/2006/main" showMasterSp="0" showMasterPhAnim="0">
+  <p:cSld>
+    <p:spTree>
+      <p:nvGrpSpPr>
+        <p:cNvPr id="1" name="Shape 133">
+          <a:extLst>
+            <a:ext uri="{FF2B5EF4-FFF2-40B4-BE49-F238E27FC236}">
+              <a16:creationId xmlns:a16="http://schemas.microsoft.com/office/drawing/2014/main" id="{EBCA9CC2-238F-4C43-7A12-680FE97CB4FB}"/>
+            </a:ext>
+          </a:extLst>
+        </p:cNvPr>
+        <p:cNvGrpSpPr/>
+        <p:nvPr/>
+      </p:nvGrpSpPr>
+      <p:grpSpPr>
+        <a:xfrm>
+          <a:off x="0" y="0"/>
+          <a:ext cx="0" cy="0"/>
+          <a:chOff x="0" y="0"/>
+          <a:chExt cx="0" cy="0"/>
+        </a:xfrm>
+      </p:grpSpPr>
+      <p:sp>
+        <p:nvSpPr>
+          <p:cNvPr id="134" name="Google Shape;134;g348300ce307_0_0:notes">
+            <a:extLst>
+              <a:ext uri="{FF2B5EF4-FFF2-40B4-BE49-F238E27FC236}">
+                <a16:creationId xmlns:a16="http://schemas.microsoft.com/office/drawing/2014/main" id="{B6A7BCD8-A449-03FE-792B-97541E2E30F4}"/>
+              </a:ext>
+            </a:extLst>
+          </p:cNvPr>
+          <p:cNvSpPr>
+            <a:spLocks noGrp="1" noRot="1" noChangeAspect="1"/>
+          </p:cNvSpPr>
+          <p:nvPr>
+            <p:ph type="sldImg" idx="2"/>
+          </p:nvPr>
+        </p:nvSpPr>
+        <p:spPr>
+          <a:xfrm>
+            <a:off x="381000" y="685800"/>
+            <a:ext cx="6096000" cy="3429000"/>
+          </a:xfrm>
+          <a:custGeom>
+            <a:avLst/>
+            <a:gdLst/>
+            <a:ahLst/>
+            <a:cxnLst/>
+            <a:rect l="l" t="t" r="r" b="b"/>
+            <a:pathLst>
+              <a:path w="120000" h="120000" extrusionOk="0">
+                <a:moveTo>
+                  <a:pt x="0" y="0"/>
+                </a:moveTo>
+                <a:lnTo>
+                  <a:pt x="120000" y="0"/>
+                </a:lnTo>
+                <a:lnTo>
+                  <a:pt x="120000" y="120000"/>
+                </a:lnTo>
+                <a:lnTo>
+                  <a:pt x="0" y="120000"/>
+                </a:lnTo>
+                <a:close/>
+              </a:path>
+            </a:pathLst>
+          </a:custGeom>
+        </p:spPr>
+      </p:sp>
+      <p:sp>
+        <p:nvSpPr>
+          <p:cNvPr id="135" name="Google Shape;135;g348300ce307_0_0:notes">
+            <a:extLst>
+              <a:ext uri="{FF2B5EF4-FFF2-40B4-BE49-F238E27FC236}">
+                <a16:creationId xmlns:a16="http://schemas.microsoft.com/office/drawing/2014/main" id="{928EC825-A01A-BE43-5515-FF9EA22BB601}"/>
+              </a:ext>
+            </a:extLst>
+          </p:cNvPr>
+          <p:cNvSpPr txBox="1">
+            <a:spLocks noGrp="1"/>
+          </p:cNvSpPr>
+          <p:nvPr>
+            <p:ph type="body" idx="1"/>
+          </p:nvPr>
+        </p:nvSpPr>
+        <p:spPr>
+          <a:xfrm>
+            <a:off x="685800" y="4343400"/>
+            <a:ext cx="5486400" cy="4114800"/>
+          </a:xfrm>
+          <a:prstGeom prst="rect">
+            <a:avLst/>
+          </a:prstGeom>
+        </p:spPr>
+        <p:txBody>
+          <a:bodyPr spcFirstLastPara="1" wrap="square" lIns="91425" tIns="91425" rIns="91425" bIns="91425" anchor="t" anchorCtr="0">
+            <a:noAutofit/>
+          </a:bodyPr>
+          <a:lstStyle/>
+          <a:p>
+            <a:pPr marL="0" lvl="0" indent="0" algn="l" rtl="0">
+              <a:spcBef>
+                <a:spcPts val="0"/>
+              </a:spcBef>
+              <a:spcAft>
+                <a:spcPts val="0"/>
+              </a:spcAft>
+              <a:buNone/>
+            </a:pPr>
+            <a:endParaRPr/>
+          </a:p>
+        </p:txBody>
+      </p:sp>
+    </p:spTree>
+    <p:extLst>
+      <p:ext uri="{BB962C8B-B14F-4D97-AF65-F5344CB8AC3E}">
+        <p14:creationId xmlns:p14="http://schemas.microsoft.com/office/powerpoint/2010/main" val="861606470"/>
+      </p:ext>
+    </p:extLst>
+  </p:cSld>
+  <p:clrMapOvr>
+    <a:masterClrMapping/>
+  </p:clrMapOvr>
+</p:notes>
+</file>
+
+<file path=ppt/notesSlides/notesSlide14.xml><?xml version="1.0" encoding="utf-8"?>
+<p:notes xmlns:a="http://schemas.openxmlformats.org/drawingml/2006/main" xmlns:r="http://schemas.openxmlformats.org/officeDocument/2006/relationships" xmlns:p="http://schemas.openxmlformats.org/presentationml/2006/main" showMasterSp="0" showMasterPhAnim="0">
+  <p:cSld>
+    <p:spTree>
+      <p:nvGrpSpPr>
+        <p:cNvPr id="1" name="Shape 174">
+          <a:extLst>
+            <a:ext uri="{FF2B5EF4-FFF2-40B4-BE49-F238E27FC236}">
+              <a16:creationId xmlns:a16="http://schemas.microsoft.com/office/drawing/2014/main" id="{A7288F24-5191-1DA8-79E3-FC4DEA1F08A2}"/>
+            </a:ext>
+          </a:extLst>
+        </p:cNvPr>
+        <p:cNvGrpSpPr/>
+        <p:nvPr/>
+      </p:nvGrpSpPr>
+      <p:grpSpPr>
+        <a:xfrm>
+          <a:off x="0" y="0"/>
+          <a:ext cx="0" cy="0"/>
+          <a:chOff x="0" y="0"/>
+          <a:chExt cx="0" cy="0"/>
+        </a:xfrm>
+      </p:grpSpPr>
+      <p:sp>
+        <p:nvSpPr>
+          <p:cNvPr id="175" name="Google Shape;175;g54dda1946d_6_322:notes">
+            <a:extLst>
+              <a:ext uri="{FF2B5EF4-FFF2-40B4-BE49-F238E27FC236}">
+                <a16:creationId xmlns:a16="http://schemas.microsoft.com/office/drawing/2014/main" id="{3741CB35-ED00-38AE-DA42-E350C654EF13}"/>
+              </a:ext>
+            </a:extLst>
+          </p:cNvPr>
+          <p:cNvSpPr>
+            <a:spLocks noGrp="1" noRot="1" noChangeAspect="1"/>
+          </p:cNvSpPr>
+          <p:nvPr>
+            <p:ph type="sldImg" idx="2"/>
+          </p:nvPr>
+        </p:nvSpPr>
+        <p:spPr>
+          <a:xfrm>
+            <a:off x="381000" y="685800"/>
+            <a:ext cx="6096000" cy="3429000"/>
+          </a:xfrm>
+          <a:custGeom>
+            <a:avLst/>
+            <a:gdLst/>
+            <a:ahLst/>
+            <a:cxnLst/>
+            <a:rect l="l" t="t" r="r" b="b"/>
+            <a:pathLst>
+              <a:path w="120000" h="120000" extrusionOk="0">
+                <a:moveTo>
+                  <a:pt x="0" y="0"/>
+                </a:moveTo>
+                <a:lnTo>
+                  <a:pt x="120000" y="0"/>
+                </a:lnTo>
+                <a:lnTo>
+                  <a:pt x="120000" y="120000"/>
+                </a:lnTo>
+                <a:lnTo>
+                  <a:pt x="0" y="120000"/>
+                </a:lnTo>
+                <a:close/>
+              </a:path>
+            </a:pathLst>
+          </a:custGeom>
+        </p:spPr>
+      </p:sp>
+      <p:sp>
+        <p:nvSpPr>
+          <p:cNvPr id="176" name="Google Shape;176;g54dda1946d_6_322:notes">
+            <a:extLst>
+              <a:ext uri="{FF2B5EF4-FFF2-40B4-BE49-F238E27FC236}">
+                <a16:creationId xmlns:a16="http://schemas.microsoft.com/office/drawing/2014/main" id="{42920881-8976-CB73-1CD9-47A59B13D942}"/>
+              </a:ext>
+            </a:extLst>
+          </p:cNvPr>
+          <p:cNvSpPr txBox="1">
+            <a:spLocks noGrp="1"/>
+          </p:cNvSpPr>
+          <p:nvPr>
+            <p:ph type="body" idx="1"/>
+          </p:nvPr>
+        </p:nvSpPr>
+        <p:spPr>
+          <a:xfrm>
+            <a:off x="685800" y="4343400"/>
+            <a:ext cx="5486400" cy="4114800"/>
+          </a:xfrm>
+          <a:prstGeom prst="rect">
+            <a:avLst/>
+          </a:prstGeom>
+        </p:spPr>
+        <p:txBody>
+          <a:bodyPr spcFirstLastPara="1" wrap="square" lIns="91425" tIns="91425" rIns="91425" bIns="91425" anchor="t" anchorCtr="0">
+            <a:noAutofit/>
+          </a:bodyPr>
+          <a:lstStyle/>
+          <a:p>
+            <a:pPr marL="0" lvl="0" indent="0" algn="l" rtl="0">
+              <a:spcBef>
+                <a:spcPts val="0"/>
+              </a:spcBef>
+              <a:spcAft>
+                <a:spcPts val="0"/>
+              </a:spcAft>
+              <a:buNone/>
+            </a:pPr>
+            <a:endParaRPr/>
+          </a:p>
+        </p:txBody>
+      </p:sp>
+    </p:spTree>
+    <p:extLst>
+      <p:ext uri="{BB962C8B-B14F-4D97-AF65-F5344CB8AC3E}">
+        <p14:creationId xmlns:p14="http://schemas.microsoft.com/office/powerpoint/2010/main" val="3409210101"/>
+      </p:ext>
+    </p:extLst>
+  </p:cSld>
+  <p:clrMapOvr>
+    <a:masterClrMapping/>
+  </p:clrMapOvr>
+</p:notes>
+</file>
+
+<file path=ppt/notesSlides/notesSlide15.xml><?xml version="1.0" encoding="utf-8"?>
+<p:notes xmlns:a="http://schemas.openxmlformats.org/drawingml/2006/main" xmlns:r="http://schemas.openxmlformats.org/officeDocument/2006/relationships" xmlns:p="http://schemas.openxmlformats.org/presentationml/2006/main" showMasterSp="0" showMasterPhAnim="0">
+  <p:cSld>
+    <p:spTree>
+      <p:nvGrpSpPr>
+        <p:cNvPr id="1" name="Shape 174">
+          <a:extLst>
+            <a:ext uri="{FF2B5EF4-FFF2-40B4-BE49-F238E27FC236}">
+              <a16:creationId xmlns:a16="http://schemas.microsoft.com/office/drawing/2014/main" id="{6D54CBC3-035B-9AAA-1EED-CDFD4951F5C7}"/>
+            </a:ext>
+          </a:extLst>
+        </p:cNvPr>
+        <p:cNvGrpSpPr/>
+        <p:nvPr/>
+      </p:nvGrpSpPr>
+      <p:grpSpPr>
+        <a:xfrm>
+          <a:off x="0" y="0"/>
+          <a:ext cx="0" cy="0"/>
+          <a:chOff x="0" y="0"/>
+          <a:chExt cx="0" cy="0"/>
+        </a:xfrm>
+      </p:grpSpPr>
+      <p:sp>
+        <p:nvSpPr>
+          <p:cNvPr id="175" name="Google Shape;175;g54dda1946d_6_322:notes">
+            <a:extLst>
+              <a:ext uri="{FF2B5EF4-FFF2-40B4-BE49-F238E27FC236}">
+                <a16:creationId xmlns:a16="http://schemas.microsoft.com/office/drawing/2014/main" id="{644FAA81-849F-C734-2FBB-E59BDEAB7F51}"/>
+              </a:ext>
+            </a:extLst>
+          </p:cNvPr>
+          <p:cNvSpPr>
+            <a:spLocks noGrp="1" noRot="1" noChangeAspect="1"/>
+          </p:cNvSpPr>
+          <p:nvPr>
+            <p:ph type="sldImg" idx="2"/>
+          </p:nvPr>
+        </p:nvSpPr>
+        <p:spPr>
+          <a:xfrm>
+            <a:off x="381000" y="685800"/>
+            <a:ext cx="6096000" cy="3429000"/>
+          </a:xfrm>
+          <a:custGeom>
+            <a:avLst/>
+            <a:gdLst/>
+            <a:ahLst/>
+            <a:cxnLst/>
+            <a:rect l="l" t="t" r="r" b="b"/>
+            <a:pathLst>
+              <a:path w="120000" h="120000" extrusionOk="0">
+                <a:moveTo>
+                  <a:pt x="0" y="0"/>
+                </a:moveTo>
+                <a:lnTo>
+                  <a:pt x="120000" y="0"/>
+                </a:lnTo>
+                <a:lnTo>
+                  <a:pt x="120000" y="120000"/>
+                </a:lnTo>
+                <a:lnTo>
+                  <a:pt x="0" y="120000"/>
+                </a:lnTo>
+                <a:close/>
+              </a:path>
+            </a:pathLst>
+          </a:custGeom>
+        </p:spPr>
+      </p:sp>
+      <p:sp>
+        <p:nvSpPr>
+          <p:cNvPr id="176" name="Google Shape;176;g54dda1946d_6_322:notes">
+            <a:extLst>
+              <a:ext uri="{FF2B5EF4-FFF2-40B4-BE49-F238E27FC236}">
+                <a16:creationId xmlns:a16="http://schemas.microsoft.com/office/drawing/2014/main" id="{87EE7DA0-4C17-B203-24E1-DD89534F7C4C}"/>
+              </a:ext>
+            </a:extLst>
+          </p:cNvPr>
+          <p:cNvSpPr txBox="1">
+            <a:spLocks noGrp="1"/>
+          </p:cNvSpPr>
+          <p:nvPr>
+            <p:ph type="body" idx="1"/>
+          </p:nvPr>
+        </p:nvSpPr>
+        <p:spPr>
+          <a:xfrm>
+            <a:off x="685800" y="4343400"/>
+            <a:ext cx="5486400" cy="4114800"/>
+          </a:xfrm>
+          <a:prstGeom prst="rect">
+            <a:avLst/>
+          </a:prstGeom>
+        </p:spPr>
+        <p:txBody>
+          <a:bodyPr spcFirstLastPara="1" wrap="square" lIns="91425" tIns="91425" rIns="91425" bIns="91425" anchor="t" anchorCtr="0">
+            <a:noAutofit/>
+          </a:bodyPr>
+          <a:lstStyle/>
+          <a:p>
+            <a:pPr marL="0" lvl="0" indent="0" algn="l" rtl="0">
+              <a:spcBef>
+                <a:spcPts val="0"/>
+              </a:spcBef>
+              <a:spcAft>
+                <a:spcPts val="0"/>
+              </a:spcAft>
+              <a:buNone/>
+            </a:pPr>
+            <a:endParaRPr/>
+          </a:p>
+        </p:txBody>
+      </p:sp>
+    </p:spTree>
+    <p:extLst>
+      <p:ext uri="{BB962C8B-B14F-4D97-AF65-F5344CB8AC3E}">
+        <p14:creationId xmlns:p14="http://schemas.microsoft.com/office/powerpoint/2010/main" val="2169958931"/>
+      </p:ext>
+    </p:extLst>
+  </p:cSld>
+  <p:clrMapOvr>
+    <a:masterClrMapping/>
+  </p:clrMapOvr>
+</p:notes>
+</file>
+
+<file path=ppt/notesSlides/notesSlide16.xml><?xml version="1.0" encoding="utf-8"?>
+<p:notes xmlns:a="http://schemas.openxmlformats.org/drawingml/2006/main" xmlns:r="http://schemas.openxmlformats.org/officeDocument/2006/relationships" xmlns:p="http://schemas.openxmlformats.org/presentationml/2006/main" showMasterSp="0" showMasterPhAnim="0">
+  <p:cSld>
+    <p:spTree>
+      <p:nvGrpSpPr>
+        <p:cNvPr id="1" name="Shape 174">
+          <a:extLst>
+            <a:ext uri="{FF2B5EF4-FFF2-40B4-BE49-F238E27FC236}">
+              <a16:creationId xmlns:a16="http://schemas.microsoft.com/office/drawing/2014/main" id="{96101497-E863-3C7B-B756-DF3DEE5EEBDF}"/>
+            </a:ext>
+          </a:extLst>
+        </p:cNvPr>
+        <p:cNvGrpSpPr/>
+        <p:nvPr/>
+      </p:nvGrpSpPr>
+      <p:grpSpPr>
+        <a:xfrm>
+          <a:off x="0" y="0"/>
+          <a:ext cx="0" cy="0"/>
+          <a:chOff x="0" y="0"/>
+          <a:chExt cx="0" cy="0"/>
+        </a:xfrm>
+      </p:grpSpPr>
+      <p:sp>
+        <p:nvSpPr>
+          <p:cNvPr id="175" name="Google Shape;175;g54dda1946d_6_322:notes">
+            <a:extLst>
+              <a:ext uri="{FF2B5EF4-FFF2-40B4-BE49-F238E27FC236}">
+                <a16:creationId xmlns:a16="http://schemas.microsoft.com/office/drawing/2014/main" id="{711A2217-540D-3012-20A8-59BCF3E521A4}"/>
+              </a:ext>
+            </a:extLst>
+          </p:cNvPr>
+          <p:cNvSpPr>
+            <a:spLocks noGrp="1" noRot="1" noChangeAspect="1"/>
+          </p:cNvSpPr>
+          <p:nvPr>
+            <p:ph type="sldImg" idx="2"/>
+          </p:nvPr>
+        </p:nvSpPr>
+        <p:spPr>
+          <a:xfrm>
+            <a:off x="381000" y="685800"/>
+            <a:ext cx="6096000" cy="3429000"/>
+          </a:xfrm>
+          <a:custGeom>
+            <a:avLst/>
+            <a:gdLst/>
+            <a:ahLst/>
+            <a:cxnLst/>
+            <a:rect l="l" t="t" r="r" b="b"/>
+            <a:pathLst>
+              <a:path w="120000" h="120000" extrusionOk="0">
+                <a:moveTo>
+                  <a:pt x="0" y="0"/>
+                </a:moveTo>
+                <a:lnTo>
+                  <a:pt x="120000" y="0"/>
+                </a:lnTo>
+                <a:lnTo>
+                  <a:pt x="120000" y="120000"/>
+                </a:lnTo>
+                <a:lnTo>
+                  <a:pt x="0" y="120000"/>
+                </a:lnTo>
+                <a:close/>
+              </a:path>
+            </a:pathLst>
+          </a:custGeom>
+        </p:spPr>
+      </p:sp>
+      <p:sp>
+        <p:nvSpPr>
+          <p:cNvPr id="176" name="Google Shape;176;g54dda1946d_6_322:notes">
+            <a:extLst>
+              <a:ext uri="{FF2B5EF4-FFF2-40B4-BE49-F238E27FC236}">
+                <a16:creationId xmlns:a16="http://schemas.microsoft.com/office/drawing/2014/main" id="{9006EB6A-5229-3354-D0DE-57CDBC8ADD44}"/>
+              </a:ext>
+            </a:extLst>
+          </p:cNvPr>
+          <p:cNvSpPr txBox="1">
+            <a:spLocks noGrp="1"/>
+          </p:cNvSpPr>
+          <p:nvPr>
+            <p:ph type="body" idx="1"/>
+          </p:nvPr>
+        </p:nvSpPr>
+        <p:spPr>
+          <a:xfrm>
+            <a:off x="685800" y="4343400"/>
+            <a:ext cx="5486400" cy="4114800"/>
+          </a:xfrm>
+          <a:prstGeom prst="rect">
+            <a:avLst/>
+          </a:prstGeom>
+        </p:spPr>
+        <p:txBody>
+          <a:bodyPr spcFirstLastPara="1" wrap="square" lIns="91425" tIns="91425" rIns="91425" bIns="91425" anchor="t" anchorCtr="0">
+            <a:noAutofit/>
+          </a:bodyPr>
+          <a:lstStyle/>
+          <a:p>
+            <a:pPr marL="0" lvl="0" indent="0" algn="l" rtl="0">
+              <a:spcBef>
+                <a:spcPts val="0"/>
+              </a:spcBef>
+              <a:spcAft>
+                <a:spcPts val="0"/>
+              </a:spcAft>
+              <a:buNone/>
+            </a:pPr>
+            <a:endParaRPr/>
+          </a:p>
+        </p:txBody>
+      </p:sp>
+    </p:spTree>
+    <p:extLst>
+      <p:ext uri="{BB962C8B-B14F-4D97-AF65-F5344CB8AC3E}">
+        <p14:creationId xmlns:p14="http://schemas.microsoft.com/office/powerpoint/2010/main" val="1698475883"/>
+      </p:ext>
+    </p:extLst>
+  </p:cSld>
+  <p:clrMapOvr>
+    <a:masterClrMapping/>
+  </p:clrMapOvr>
+</p:notes>
+</file>
+
+<file path=ppt/notesSlides/notesSlide17.xml><?xml version="1.0" encoding="utf-8"?>
+<p:notes xmlns:a="http://schemas.openxmlformats.org/drawingml/2006/main" xmlns:r="http://schemas.openxmlformats.org/officeDocument/2006/relationships" xmlns:p="http://schemas.openxmlformats.org/presentationml/2006/main" showMasterSp="0" showMasterPhAnim="0">
+  <p:cSld>
+    <p:spTree>
+      <p:nvGrpSpPr>
+        <p:cNvPr id="1" name="Shape 174">
+          <a:extLst>
+            <a:ext uri="{FF2B5EF4-FFF2-40B4-BE49-F238E27FC236}">
+              <a16:creationId xmlns:a16="http://schemas.microsoft.com/office/drawing/2014/main" id="{721ECD88-EAEE-C5E3-BB06-84E7692443A6}"/>
+            </a:ext>
+          </a:extLst>
+        </p:cNvPr>
+        <p:cNvGrpSpPr/>
+        <p:nvPr/>
+      </p:nvGrpSpPr>
+      <p:grpSpPr>
+        <a:xfrm>
+          <a:off x="0" y="0"/>
+          <a:ext cx="0" cy="0"/>
+          <a:chOff x="0" y="0"/>
+          <a:chExt cx="0" cy="0"/>
+        </a:xfrm>
+      </p:grpSpPr>
+      <p:sp>
+        <p:nvSpPr>
+          <p:cNvPr id="175" name="Google Shape;175;g54dda1946d_6_322:notes">
+            <a:extLst>
+              <a:ext uri="{FF2B5EF4-FFF2-40B4-BE49-F238E27FC236}">
+                <a16:creationId xmlns:a16="http://schemas.microsoft.com/office/drawing/2014/main" id="{80A66BBA-0D80-AC0B-3B7C-D3CD4ADB960A}"/>
+              </a:ext>
+            </a:extLst>
+          </p:cNvPr>
+          <p:cNvSpPr>
+            <a:spLocks noGrp="1" noRot="1" noChangeAspect="1"/>
+          </p:cNvSpPr>
+          <p:nvPr>
+            <p:ph type="sldImg" idx="2"/>
+          </p:nvPr>
+        </p:nvSpPr>
+        <p:spPr>
+          <a:xfrm>
+            <a:off x="381000" y="685800"/>
+            <a:ext cx="6096000" cy="3429000"/>
+          </a:xfrm>
+          <a:custGeom>
+            <a:avLst/>
+            <a:gdLst/>
+            <a:ahLst/>
+            <a:cxnLst/>
+            <a:rect l="l" t="t" r="r" b="b"/>
+            <a:pathLst>
+              <a:path w="120000" h="120000" extrusionOk="0">
+                <a:moveTo>
+                  <a:pt x="0" y="0"/>
+                </a:moveTo>
+                <a:lnTo>
+                  <a:pt x="120000" y="0"/>
+                </a:lnTo>
+                <a:lnTo>
+                  <a:pt x="120000" y="120000"/>
+                </a:lnTo>
+                <a:lnTo>
+                  <a:pt x="0" y="120000"/>
+                </a:lnTo>
+                <a:close/>
+              </a:path>
+            </a:pathLst>
+          </a:custGeom>
+        </p:spPr>
+      </p:sp>
+      <p:sp>
+        <p:nvSpPr>
+          <p:cNvPr id="176" name="Google Shape;176;g54dda1946d_6_322:notes">
+            <a:extLst>
+              <a:ext uri="{FF2B5EF4-FFF2-40B4-BE49-F238E27FC236}">
+                <a16:creationId xmlns:a16="http://schemas.microsoft.com/office/drawing/2014/main" id="{C5A94BA2-0F22-49CB-D7FB-52A1FCEFF4DD}"/>
+              </a:ext>
+            </a:extLst>
+          </p:cNvPr>
+          <p:cNvSpPr txBox="1">
+            <a:spLocks noGrp="1"/>
+          </p:cNvSpPr>
+          <p:nvPr>
+            <p:ph type="body" idx="1"/>
+          </p:nvPr>
+        </p:nvSpPr>
+        <p:spPr>
+          <a:xfrm>
+            <a:off x="685800" y="4343400"/>
+            <a:ext cx="5486400" cy="4114800"/>
+          </a:xfrm>
+          <a:prstGeom prst="rect">
+            <a:avLst/>
+          </a:prstGeom>
+        </p:spPr>
+        <p:txBody>
+          <a:bodyPr spcFirstLastPara="1" wrap="square" lIns="91425" tIns="91425" rIns="91425" bIns="91425" anchor="t" anchorCtr="0">
+            <a:noAutofit/>
+          </a:bodyPr>
+          <a:lstStyle/>
+          <a:p>
+            <a:pPr marL="0" lvl="0" indent="0" algn="l" rtl="0">
+              <a:spcBef>
+                <a:spcPts val="0"/>
+              </a:spcBef>
+              <a:spcAft>
+                <a:spcPts val="0"/>
+              </a:spcAft>
+              <a:buNone/>
+            </a:pPr>
+            <a:endParaRPr/>
+          </a:p>
+        </p:txBody>
+      </p:sp>
+    </p:spTree>
+    <p:extLst>
+      <p:ext uri="{BB962C8B-B14F-4D97-AF65-F5344CB8AC3E}">
+        <p14:creationId xmlns:p14="http://schemas.microsoft.com/office/powerpoint/2010/main" val="1095171320"/>
+      </p:ext>
+    </p:extLst>
+  </p:cSld>
+  <p:clrMapOvr>
+    <a:masterClrMapping/>
+  </p:clrMapOvr>
+</p:notes>
+</file>
+
+<file path=ppt/notesSlides/notesSlide18.xml><?xml version="1.0" encoding="utf-8"?>
+<p:notes xmlns:a="http://schemas.openxmlformats.org/drawingml/2006/main" xmlns:r="http://schemas.openxmlformats.org/officeDocument/2006/relationships" xmlns:p="http://schemas.openxmlformats.org/presentationml/2006/main" showMasterSp="0" showMasterPhAnim="0">
+  <p:cSld>
+    <p:spTree>
+      <p:nvGrpSpPr>
+        <p:cNvPr id="1" name="Shape 174">
+          <a:extLst>
+            <a:ext uri="{FF2B5EF4-FFF2-40B4-BE49-F238E27FC236}">
+              <a16:creationId xmlns:a16="http://schemas.microsoft.com/office/drawing/2014/main" id="{0015FD05-8E78-96F2-E8D8-EFADB503A554}"/>
+            </a:ext>
+          </a:extLst>
+        </p:cNvPr>
+        <p:cNvGrpSpPr/>
+        <p:nvPr/>
+      </p:nvGrpSpPr>
+      <p:grpSpPr>
+        <a:xfrm>
+          <a:off x="0" y="0"/>
+          <a:ext cx="0" cy="0"/>
+          <a:chOff x="0" y="0"/>
+          <a:chExt cx="0" cy="0"/>
+        </a:xfrm>
+      </p:grpSpPr>
+      <p:sp>
+        <p:nvSpPr>
+          <p:cNvPr id="175" name="Google Shape;175;g54dda1946d_6_322:notes">
+            <a:extLst>
+              <a:ext uri="{FF2B5EF4-FFF2-40B4-BE49-F238E27FC236}">
+                <a16:creationId xmlns:a16="http://schemas.microsoft.com/office/drawing/2014/main" id="{4AC836B3-6D14-1F70-9C8E-FAED6249D4BE}"/>
+              </a:ext>
+            </a:extLst>
+          </p:cNvPr>
+          <p:cNvSpPr>
+            <a:spLocks noGrp="1" noRot="1" noChangeAspect="1"/>
+          </p:cNvSpPr>
+          <p:nvPr>
+            <p:ph type="sldImg" idx="2"/>
+          </p:nvPr>
+        </p:nvSpPr>
+        <p:spPr>
+          <a:xfrm>
+            <a:off x="381000" y="685800"/>
+            <a:ext cx="6096000" cy="3429000"/>
+          </a:xfrm>
+          <a:custGeom>
+            <a:avLst/>
+            <a:gdLst/>
+            <a:ahLst/>
+            <a:cxnLst/>
+            <a:rect l="l" t="t" r="r" b="b"/>
+            <a:pathLst>
+              <a:path w="120000" h="120000" extrusionOk="0">
+                <a:moveTo>
+                  <a:pt x="0" y="0"/>
+                </a:moveTo>
+                <a:lnTo>
+                  <a:pt x="120000" y="0"/>
+                </a:lnTo>
+                <a:lnTo>
+                  <a:pt x="120000" y="120000"/>
+                </a:lnTo>
+                <a:lnTo>
+                  <a:pt x="0" y="120000"/>
+                </a:lnTo>
+                <a:close/>
+              </a:path>
+            </a:pathLst>
+          </a:custGeom>
+        </p:spPr>
+      </p:sp>
+      <p:sp>
+        <p:nvSpPr>
+          <p:cNvPr id="176" name="Google Shape;176;g54dda1946d_6_322:notes">
+            <a:extLst>
+              <a:ext uri="{FF2B5EF4-FFF2-40B4-BE49-F238E27FC236}">
+                <a16:creationId xmlns:a16="http://schemas.microsoft.com/office/drawing/2014/main" id="{4B94F040-C645-6C3A-86D1-9CDB6554752E}"/>
+              </a:ext>
+            </a:extLst>
+          </p:cNvPr>
+          <p:cNvSpPr txBox="1">
+            <a:spLocks noGrp="1"/>
+          </p:cNvSpPr>
+          <p:nvPr>
+            <p:ph type="body" idx="1"/>
+          </p:nvPr>
+        </p:nvSpPr>
+        <p:spPr>
+          <a:xfrm>
+            <a:off x="685800" y="4343400"/>
+            <a:ext cx="5486400" cy="4114800"/>
+          </a:xfrm>
+          <a:prstGeom prst="rect">
+            <a:avLst/>
+          </a:prstGeom>
+        </p:spPr>
+        <p:txBody>
+          <a:bodyPr spcFirstLastPara="1" wrap="square" lIns="91425" tIns="91425" rIns="91425" bIns="91425" anchor="t" anchorCtr="0">
+            <a:noAutofit/>
+          </a:bodyPr>
+          <a:lstStyle/>
+          <a:p>
+            <a:pPr marL="0" lvl="0" indent="0" algn="l" rtl="0">
+              <a:spcBef>
+                <a:spcPts val="0"/>
+              </a:spcBef>
+              <a:spcAft>
+                <a:spcPts val="0"/>
+              </a:spcAft>
+              <a:buNone/>
+            </a:pPr>
+            <a:endParaRPr/>
+          </a:p>
+        </p:txBody>
+      </p:sp>
+    </p:spTree>
+    <p:extLst>
+      <p:ext uri="{BB962C8B-B14F-4D97-AF65-F5344CB8AC3E}">
+        <p14:creationId xmlns:p14="http://schemas.microsoft.com/office/powerpoint/2010/main" val="2933171220"/>
+      </p:ext>
+    </p:extLst>
+  </p:cSld>
+  <p:clrMapOvr>
+    <a:masterClrMapping/>
+  </p:clrMapOvr>
+</p:notes>
+</file>
+
+<file path=ppt/notesSlides/notesSlide19.xml><?xml version="1.0" encoding="utf-8"?>
 <p:notes xmlns:a="http://schemas.openxmlformats.org/drawingml/2006/main" xmlns:r="http://schemas.openxmlformats.org/officeDocument/2006/relationships" xmlns:p="http://schemas.openxmlformats.org/presentationml/2006/main" showMasterSp="0" showMasterPhAnim="0">
   <p:cSld>
     <p:spTree>
@@ -8938,198 +9967,6 @@
       </p:grpSpPr>
       <p:sp>
         <p:nvSpPr>
-          <p:cNvPr id="179" name="Google Shape;179;p31">
-            <a:extLst>
-              <a:ext uri="{FF2B5EF4-FFF2-40B4-BE49-F238E27FC236}">
-                <a16:creationId xmlns:a16="http://schemas.microsoft.com/office/drawing/2014/main" id="{108C1CBC-D456-DD56-5C3E-96303B9CC605}"/>
-              </a:ext>
-            </a:extLst>
-          </p:cNvPr>
-          <p:cNvSpPr txBox="1"/>
-          <p:nvPr/>
-        </p:nvSpPr>
-        <p:spPr>
-          <a:xfrm>
-            <a:off x="1343325" y="4851000"/>
-            <a:ext cx="1225800" cy="292500"/>
-          </a:xfrm>
-          <a:prstGeom prst="rect">
-            <a:avLst/>
-          </a:prstGeom>
-          <a:noFill/>
-          <a:ln>
-            <a:noFill/>
-          </a:ln>
-        </p:spPr>
-        <p:txBody>
-          <a:bodyPr spcFirstLastPara="1" wrap="square" lIns="91425" tIns="91425" rIns="91425" bIns="91425" anchor="b" anchorCtr="0">
-            <a:noAutofit/>
-          </a:bodyPr>
-          <a:lstStyle/>
-          <a:p>
-            <a:pPr marL="0" lvl="0" indent="0" algn="l" rtl="0">
-              <a:spcBef>
-                <a:spcPts val="0"/>
-              </a:spcBef>
-              <a:spcAft>
-                <a:spcPts val="0"/>
-              </a:spcAft>
-              <a:buNone/>
-            </a:pPr>
-            <a:r>
-              <a:rPr lang="en" sz="700">
-                <a:solidFill>
-                  <a:schemeClr val="lt1"/>
-                </a:solidFill>
-                <a:latin typeface="Roboto"/>
-                <a:ea typeface="Roboto"/>
-                <a:cs typeface="Roboto"/>
-                <a:sym typeface="Roboto"/>
-              </a:rPr>
-              <a:t>Feature Name/Product</a:t>
-            </a:r>
-            <a:endParaRPr sz="700">
-              <a:solidFill>
-                <a:schemeClr val="lt1"/>
-              </a:solidFill>
-              <a:latin typeface="Roboto"/>
-              <a:ea typeface="Roboto"/>
-              <a:cs typeface="Roboto"/>
-              <a:sym typeface="Roboto"/>
-            </a:endParaRPr>
-          </a:p>
-        </p:txBody>
-      </p:sp>
-      <p:sp>
-        <p:nvSpPr>
-          <p:cNvPr id="180" name="Google Shape;180;p31">
-            <a:extLst>
-              <a:ext uri="{FF2B5EF4-FFF2-40B4-BE49-F238E27FC236}">
-                <a16:creationId xmlns:a16="http://schemas.microsoft.com/office/drawing/2014/main" id="{F980421A-7AA3-8947-6C79-F7DEF413D0D0}"/>
-              </a:ext>
-            </a:extLst>
-          </p:cNvPr>
-          <p:cNvSpPr txBox="1"/>
-          <p:nvPr/>
-        </p:nvSpPr>
-        <p:spPr>
-          <a:xfrm>
-            <a:off x="117900" y="4851000"/>
-            <a:ext cx="1225200" cy="292500"/>
-          </a:xfrm>
-          <a:prstGeom prst="rect">
-            <a:avLst/>
-          </a:prstGeom>
-          <a:noFill/>
-          <a:ln>
-            <a:noFill/>
-          </a:ln>
-        </p:spPr>
-        <p:txBody>
-          <a:bodyPr spcFirstLastPara="1" wrap="square" lIns="91425" tIns="91425" rIns="91425" bIns="91425" anchor="b" anchorCtr="0">
-            <a:noAutofit/>
-          </a:bodyPr>
-          <a:lstStyle/>
-          <a:p>
-            <a:pPr marL="0" lvl="0" indent="0" algn="l" rtl="0">
-              <a:spcBef>
-                <a:spcPts val="0"/>
-              </a:spcBef>
-              <a:spcAft>
-                <a:spcPts val="0"/>
-              </a:spcAft>
-              <a:buNone/>
-            </a:pPr>
-            <a:r>
-              <a:rPr lang="en" sz="700">
-                <a:solidFill>
-                  <a:schemeClr val="lt1"/>
-                </a:solidFill>
-                <a:latin typeface="Roboto"/>
-                <a:ea typeface="Roboto"/>
-                <a:cs typeface="Roboto"/>
-                <a:sym typeface="Roboto"/>
-              </a:rPr>
-              <a:t>DD/MM/YYYY</a:t>
-            </a:r>
-            <a:endParaRPr sz="700">
-              <a:solidFill>
-                <a:schemeClr val="lt1"/>
-              </a:solidFill>
-              <a:latin typeface="Roboto"/>
-              <a:ea typeface="Roboto"/>
-              <a:cs typeface="Roboto"/>
-              <a:sym typeface="Roboto"/>
-            </a:endParaRPr>
-          </a:p>
-        </p:txBody>
-      </p:sp>
-      <p:sp>
-        <p:nvSpPr>
-          <p:cNvPr id="181" name="Google Shape;181;p31">
-            <a:extLst>
-              <a:ext uri="{FF2B5EF4-FFF2-40B4-BE49-F238E27FC236}">
-                <a16:creationId xmlns:a16="http://schemas.microsoft.com/office/drawing/2014/main" id="{0D9780FD-6F93-CA89-AAE7-A0D4CFC669D5}"/>
-              </a:ext>
-            </a:extLst>
-          </p:cNvPr>
-          <p:cNvSpPr txBox="1"/>
-          <p:nvPr/>
-        </p:nvSpPr>
-        <p:spPr>
-          <a:xfrm>
-            <a:off x="7800300" y="4851000"/>
-            <a:ext cx="1225800" cy="292500"/>
-          </a:xfrm>
-          <a:prstGeom prst="rect">
-            <a:avLst/>
-          </a:prstGeom>
-          <a:noFill/>
-          <a:ln>
-            <a:noFill/>
-          </a:ln>
-        </p:spPr>
-        <p:txBody>
-          <a:bodyPr spcFirstLastPara="1" wrap="square" lIns="91425" tIns="91425" rIns="91425" bIns="91425" anchor="b" anchorCtr="0">
-            <a:noAutofit/>
-          </a:bodyPr>
-          <a:lstStyle/>
-          <a:p>
-            <a:pPr marL="0" lvl="0" indent="0" algn="r" rtl="0">
-              <a:spcBef>
-                <a:spcPts val="0"/>
-              </a:spcBef>
-              <a:spcAft>
-                <a:spcPts val="0"/>
-              </a:spcAft>
-              <a:buNone/>
-            </a:pPr>
-            <a:r>
-              <a:rPr lang="en" sz="700">
-                <a:solidFill>
-                  <a:schemeClr val="lt1"/>
-                </a:solidFill>
-                <a:latin typeface="Roboto"/>
-                <a:ea typeface="Roboto"/>
-                <a:cs typeface="Roboto"/>
-                <a:sym typeface="Roboto"/>
-              </a:rPr>
-              <a:t>Your Company Name</a:t>
-            </a:r>
-            <a:endParaRPr sz="700">
-              <a:solidFill>
-                <a:schemeClr val="lt1"/>
-              </a:solidFill>
-              <a:latin typeface="Roboto"/>
-              <a:ea typeface="Roboto"/>
-              <a:cs typeface="Roboto"/>
-              <a:sym typeface="Roboto"/>
-            </a:endParaRPr>
-          </a:p>
-        </p:txBody>
-      </p:sp>
-      <p:sp>
-        <p:nvSpPr>
           <p:cNvPr id="182" name="Google Shape;182;p31">
             <a:extLst>
               <a:ext uri="{FF2B5EF4-FFF2-40B4-BE49-F238E27FC236}">
@@ -9559,6 +10396,2671 @@
         <p:cNvPr id="1" name="Shape 136">
           <a:extLst>
             <a:ext uri="{FF2B5EF4-FFF2-40B4-BE49-F238E27FC236}">
+              <a16:creationId xmlns:a16="http://schemas.microsoft.com/office/drawing/2014/main" id="{7068FBA3-87E8-C084-1E61-2BE5C6D2C2D7}"/>
+            </a:ext>
+          </a:extLst>
+        </p:cNvPr>
+        <p:cNvGrpSpPr/>
+        <p:nvPr/>
+      </p:nvGrpSpPr>
+      <p:grpSpPr>
+        <a:xfrm>
+          <a:off x="0" y="0"/>
+          <a:ext cx="0" cy="0"/>
+          <a:chOff x="0" y="0"/>
+          <a:chExt cx="0" cy="0"/>
+        </a:xfrm>
+      </p:grpSpPr>
+      <p:sp>
+        <p:nvSpPr>
+          <p:cNvPr id="137" name="Google Shape;137;p28">
+            <a:extLst>
+              <a:ext uri="{FF2B5EF4-FFF2-40B4-BE49-F238E27FC236}">
+                <a16:creationId xmlns:a16="http://schemas.microsoft.com/office/drawing/2014/main" id="{DE2CFA2B-AE91-0074-A430-95F571646146}"/>
+              </a:ext>
+            </a:extLst>
+          </p:cNvPr>
+          <p:cNvSpPr txBox="1">
+            <a:spLocks noGrp="1"/>
+          </p:cNvSpPr>
+          <p:nvPr>
+            <p:ph type="ctrTitle"/>
+          </p:nvPr>
+        </p:nvSpPr>
+        <p:spPr>
+          <a:xfrm>
+            <a:off x="713224" y="1066800"/>
+            <a:ext cx="5519935" cy="1662300"/>
+          </a:xfrm>
+          <a:prstGeom prst="rect">
+            <a:avLst/>
+          </a:prstGeom>
+        </p:spPr>
+        <p:txBody>
+          <a:bodyPr spcFirstLastPara="1" wrap="square" lIns="91425" tIns="91425" rIns="91425" bIns="91425" anchor="b" anchorCtr="0">
+            <a:noAutofit/>
+          </a:bodyPr>
+          <a:lstStyle/>
+          <a:p>
+            <a:pPr marL="0" lvl="0" indent="0" algn="l" rtl="0">
+              <a:spcBef>
+                <a:spcPts val="0"/>
+              </a:spcBef>
+              <a:spcAft>
+                <a:spcPts val="0"/>
+              </a:spcAft>
+              <a:buNone/>
+            </a:pPr>
+            <a:r>
+              <a:rPr lang="en" dirty="0"/>
+              <a:t>Dataset 2:</a:t>
+            </a:r>
+            <a:br>
+              <a:rPr lang="en" dirty="0"/>
+            </a:br>
+            <a:r>
+              <a:rPr lang="en" dirty="0"/>
+              <a:t>Problématique</a:t>
+            </a:r>
+            <a:endParaRPr dirty="0"/>
+          </a:p>
+        </p:txBody>
+      </p:sp>
+    </p:spTree>
+    <p:extLst>
+      <p:ext uri="{BB962C8B-B14F-4D97-AF65-F5344CB8AC3E}">
+        <p14:creationId xmlns:p14="http://schemas.microsoft.com/office/powerpoint/2010/main" val="4086932083"/>
+      </p:ext>
+    </p:extLst>
+  </p:cSld>
+  <p:clrMapOvr>
+    <a:masterClrMapping/>
+  </p:clrMapOvr>
+</p:sld>
+</file>
+
+<file path=ppt/slides/slide12.xml><?xml version="1.0" encoding="utf-8"?>
+<p:sld xmlns:a="http://schemas.openxmlformats.org/drawingml/2006/main" xmlns:r="http://schemas.openxmlformats.org/officeDocument/2006/relationships" xmlns:p="http://schemas.openxmlformats.org/presentationml/2006/main">
+  <p:cSld>
+    <p:spTree>
+      <p:nvGrpSpPr>
+        <p:cNvPr id="1" name="Shape 177">
+          <a:extLst>
+            <a:ext uri="{FF2B5EF4-FFF2-40B4-BE49-F238E27FC236}">
+              <a16:creationId xmlns:a16="http://schemas.microsoft.com/office/drawing/2014/main" id="{2DA41C16-5839-A91F-9979-B30F7E37F860}"/>
+            </a:ext>
+          </a:extLst>
+        </p:cNvPr>
+        <p:cNvGrpSpPr/>
+        <p:nvPr/>
+      </p:nvGrpSpPr>
+      <p:grpSpPr>
+        <a:xfrm>
+          <a:off x="0" y="0"/>
+          <a:ext cx="0" cy="0"/>
+          <a:chOff x="0" y="0"/>
+          <a:chExt cx="0" cy="0"/>
+        </a:xfrm>
+      </p:grpSpPr>
+      <p:sp>
+        <p:nvSpPr>
+          <p:cNvPr id="182" name="Google Shape;182;p31">
+            <a:extLst>
+              <a:ext uri="{FF2B5EF4-FFF2-40B4-BE49-F238E27FC236}">
+                <a16:creationId xmlns:a16="http://schemas.microsoft.com/office/drawing/2014/main" id="{7009E8BA-4D32-DB5A-4F80-DC3D804C8DDC}"/>
+              </a:ext>
+            </a:extLst>
+          </p:cNvPr>
+          <p:cNvSpPr txBox="1">
+            <a:spLocks noGrp="1"/>
+          </p:cNvSpPr>
+          <p:nvPr>
+            <p:ph type="title"/>
+          </p:nvPr>
+        </p:nvSpPr>
+        <p:spPr>
+          <a:xfrm>
+            <a:off x="713225" y="448050"/>
+            <a:ext cx="3681300" cy="576000"/>
+          </a:xfrm>
+          <a:prstGeom prst="rect">
+            <a:avLst/>
+          </a:prstGeom>
+        </p:spPr>
+        <p:txBody>
+          <a:bodyPr spcFirstLastPara="1" wrap="square" lIns="91425" tIns="91425" rIns="91425" bIns="91425" anchor="t" anchorCtr="0">
+            <a:noAutofit/>
+          </a:bodyPr>
+          <a:lstStyle/>
+          <a:p>
+            <a:pPr marL="0" lvl="0" indent="0" algn="l" rtl="0">
+              <a:spcBef>
+                <a:spcPts val="0"/>
+              </a:spcBef>
+              <a:spcAft>
+                <a:spcPts val="0"/>
+              </a:spcAft>
+              <a:buNone/>
+            </a:pPr>
+            <a:r>
+              <a:rPr lang="en" dirty="0"/>
+              <a:t>Problématique :</a:t>
+            </a:r>
+            <a:endParaRPr dirty="0"/>
+          </a:p>
+        </p:txBody>
+      </p:sp>
+      <p:sp>
+        <p:nvSpPr>
+          <p:cNvPr id="183" name="Google Shape;183;p31">
+            <a:extLst>
+              <a:ext uri="{FF2B5EF4-FFF2-40B4-BE49-F238E27FC236}">
+                <a16:creationId xmlns:a16="http://schemas.microsoft.com/office/drawing/2014/main" id="{D5784183-9978-BEAB-41A0-CF275A76AA53}"/>
+              </a:ext>
+            </a:extLst>
+          </p:cNvPr>
+          <p:cNvSpPr txBox="1">
+            <a:spLocks noGrp="1"/>
+          </p:cNvSpPr>
+          <p:nvPr>
+            <p:ph type="subTitle" idx="1"/>
+          </p:nvPr>
+        </p:nvSpPr>
+        <p:spPr>
+          <a:xfrm>
+            <a:off x="199454" y="1326824"/>
+            <a:ext cx="4195070" cy="2750693"/>
+          </a:xfrm>
+          <a:prstGeom prst="rect">
+            <a:avLst/>
+          </a:prstGeom>
+        </p:spPr>
+        <p:txBody>
+          <a:bodyPr spcFirstLastPara="1" wrap="square" lIns="91425" tIns="91425" rIns="91425" bIns="91425" anchor="t" anchorCtr="0">
+            <a:noAutofit/>
+          </a:bodyPr>
+          <a:lstStyle/>
+          <a:p>
+            <a:r>
+              <a:rPr lang="fr-BE" sz="1400" dirty="0"/>
+              <a:t>On étudie un </a:t>
+            </a:r>
+            <a:r>
+              <a:rPr lang="fr-BE" sz="1400" dirty="0" err="1"/>
+              <a:t>dataset</a:t>
+            </a:r>
+            <a:r>
+              <a:rPr lang="fr-BE" sz="1400" dirty="0"/>
+              <a:t> médical lié au diabète, avec plusieurs variables comme </a:t>
+            </a:r>
+            <a:r>
+              <a:rPr lang="fr-BE" sz="1400" b="1" dirty="0"/>
+              <a:t>le taux de glucose, la pression artérielle, l’épaisseur de la peau, l’insuline</a:t>
+            </a:r>
+            <a:r>
+              <a:rPr lang="fr-BE" sz="1400" dirty="0"/>
+              <a:t>, etc. Ces mesures peuvent être redondantes ou corrélées, ce qui complique l’analyse directe.</a:t>
+            </a:r>
+          </a:p>
+          <a:p>
+            <a:endParaRPr lang="fr-BE" sz="1400" dirty="0"/>
+          </a:p>
+          <a:p>
+            <a:r>
+              <a:rPr lang="fr-BE" sz="1400" dirty="0"/>
+              <a:t>Ce </a:t>
+            </a:r>
+            <a:r>
+              <a:rPr lang="fr-BE" sz="1400" dirty="0" err="1"/>
+              <a:t>dataset</a:t>
+            </a:r>
+            <a:r>
+              <a:rPr lang="fr-BE" sz="1400" dirty="0"/>
+              <a:t> est intéressant car il combine </a:t>
+            </a:r>
+            <a:r>
+              <a:rPr lang="fr-BE" sz="1400" b="1" dirty="0"/>
+              <a:t>des facteurs biologiques, médicaux et héréditaires</a:t>
+            </a:r>
+            <a:r>
+              <a:rPr lang="fr-BE" sz="1400" dirty="0"/>
+              <a:t>. Cependant, certaines variables peuvent être corrélées entre elles.</a:t>
+            </a:r>
+          </a:p>
+        </p:txBody>
+      </p:sp>
+      <p:pic>
+        <p:nvPicPr>
+          <p:cNvPr id="4" name="Picture 3">
+            <a:extLst>
+              <a:ext uri="{FF2B5EF4-FFF2-40B4-BE49-F238E27FC236}">
+                <a16:creationId xmlns:a16="http://schemas.microsoft.com/office/drawing/2014/main" id="{95DF49B7-728F-9B09-EF57-436200B62900}"/>
+              </a:ext>
+            </a:extLst>
+          </p:cNvPr>
+          <p:cNvPicPr>
+            <a:picLocks noChangeAspect="1"/>
+          </p:cNvPicPr>
+          <p:nvPr/>
+        </p:nvPicPr>
+        <p:blipFill>
+          <a:blip r:embed="rId3"/>
+          <a:stretch>
+            <a:fillRect/>
+          </a:stretch>
+        </p:blipFill>
+        <p:spPr>
+          <a:xfrm>
+            <a:off x="4394524" y="954741"/>
+            <a:ext cx="4510676" cy="3122776"/>
+          </a:xfrm>
+          <a:prstGeom prst="rect">
+            <a:avLst/>
+          </a:prstGeom>
+        </p:spPr>
+      </p:pic>
+    </p:spTree>
+    <p:extLst>
+      <p:ext uri="{BB962C8B-B14F-4D97-AF65-F5344CB8AC3E}">
+        <p14:creationId xmlns:p14="http://schemas.microsoft.com/office/powerpoint/2010/main" val="210019197"/>
+      </p:ext>
+    </p:extLst>
+  </p:cSld>
+  <p:clrMapOvr>
+    <a:masterClrMapping/>
+  </p:clrMapOvr>
+</p:sld>
+</file>
+
+<file path=ppt/slides/slide13.xml><?xml version="1.0" encoding="utf-8"?>
+<p:sld xmlns:a="http://schemas.openxmlformats.org/drawingml/2006/main" xmlns:r="http://schemas.openxmlformats.org/officeDocument/2006/relationships" xmlns:p="http://schemas.openxmlformats.org/presentationml/2006/main">
+  <p:cSld>
+    <p:spTree>
+      <p:nvGrpSpPr>
+        <p:cNvPr id="1" name="Shape 136">
+          <a:extLst>
+            <a:ext uri="{FF2B5EF4-FFF2-40B4-BE49-F238E27FC236}">
+              <a16:creationId xmlns:a16="http://schemas.microsoft.com/office/drawing/2014/main" id="{A88DB2DB-BB93-C24D-FD0A-8CF9E9567D7C}"/>
+            </a:ext>
+          </a:extLst>
+        </p:cNvPr>
+        <p:cNvGrpSpPr/>
+        <p:nvPr/>
+      </p:nvGrpSpPr>
+      <p:grpSpPr>
+        <a:xfrm>
+          <a:off x="0" y="0"/>
+          <a:ext cx="0" cy="0"/>
+          <a:chOff x="0" y="0"/>
+          <a:chExt cx="0" cy="0"/>
+        </a:xfrm>
+      </p:grpSpPr>
+      <p:sp>
+        <p:nvSpPr>
+          <p:cNvPr id="137" name="Google Shape;137;p28">
+            <a:extLst>
+              <a:ext uri="{FF2B5EF4-FFF2-40B4-BE49-F238E27FC236}">
+                <a16:creationId xmlns:a16="http://schemas.microsoft.com/office/drawing/2014/main" id="{C3085E0F-4588-13CB-C2E6-5719D7DD484F}"/>
+              </a:ext>
+            </a:extLst>
+          </p:cNvPr>
+          <p:cNvSpPr txBox="1">
+            <a:spLocks noGrp="1"/>
+          </p:cNvSpPr>
+          <p:nvPr>
+            <p:ph type="ctrTitle"/>
+          </p:nvPr>
+        </p:nvSpPr>
+        <p:spPr>
+          <a:xfrm>
+            <a:off x="713224" y="1066800"/>
+            <a:ext cx="5481835" cy="1662300"/>
+          </a:xfrm>
+          <a:prstGeom prst="rect">
+            <a:avLst/>
+          </a:prstGeom>
+        </p:spPr>
+        <p:txBody>
+          <a:bodyPr spcFirstLastPara="1" wrap="square" lIns="91425" tIns="91425" rIns="91425" bIns="91425" anchor="b" anchorCtr="0">
+            <a:noAutofit/>
+          </a:bodyPr>
+          <a:lstStyle/>
+          <a:p>
+            <a:pPr marL="0" lvl="0" indent="0" algn="l" rtl="0">
+              <a:spcBef>
+                <a:spcPts val="0"/>
+              </a:spcBef>
+              <a:spcAft>
+                <a:spcPts val="0"/>
+              </a:spcAft>
+              <a:buNone/>
+            </a:pPr>
+            <a:r>
+              <a:rPr lang="en" dirty="0"/>
+              <a:t>Dataset 2:</a:t>
+            </a:r>
+            <a:br>
+              <a:rPr lang="en" dirty="0"/>
+            </a:br>
+            <a:r>
+              <a:rPr lang="en" dirty="0"/>
+              <a:t>Application</a:t>
+            </a:r>
+            <a:endParaRPr dirty="0"/>
+          </a:p>
+        </p:txBody>
+      </p:sp>
+    </p:spTree>
+    <p:extLst>
+      <p:ext uri="{BB962C8B-B14F-4D97-AF65-F5344CB8AC3E}">
+        <p14:creationId xmlns:p14="http://schemas.microsoft.com/office/powerpoint/2010/main" val="3580822992"/>
+      </p:ext>
+    </p:extLst>
+  </p:cSld>
+  <p:clrMapOvr>
+    <a:masterClrMapping/>
+  </p:clrMapOvr>
+</p:sld>
+</file>
+
+<file path=ppt/slides/slide14.xml><?xml version="1.0" encoding="utf-8"?>
+<p:sld xmlns:a="http://schemas.openxmlformats.org/drawingml/2006/main" xmlns:r="http://schemas.openxmlformats.org/officeDocument/2006/relationships" xmlns:p="http://schemas.openxmlformats.org/presentationml/2006/main">
+  <p:cSld>
+    <p:spTree>
+      <p:nvGrpSpPr>
+        <p:cNvPr id="1" name="Shape 177">
+          <a:extLst>
+            <a:ext uri="{FF2B5EF4-FFF2-40B4-BE49-F238E27FC236}">
+              <a16:creationId xmlns:a16="http://schemas.microsoft.com/office/drawing/2014/main" id="{712F1A5D-4A0B-05AD-1FF6-A5A4EA29F9B1}"/>
+            </a:ext>
+          </a:extLst>
+        </p:cNvPr>
+        <p:cNvGrpSpPr/>
+        <p:nvPr/>
+      </p:nvGrpSpPr>
+      <p:grpSpPr>
+        <a:xfrm>
+          <a:off x="0" y="0"/>
+          <a:ext cx="0" cy="0"/>
+          <a:chOff x="0" y="0"/>
+          <a:chExt cx="0" cy="0"/>
+        </a:xfrm>
+      </p:grpSpPr>
+      <p:sp>
+        <p:nvSpPr>
+          <p:cNvPr id="182" name="Google Shape;182;p31">
+            <a:extLst>
+              <a:ext uri="{FF2B5EF4-FFF2-40B4-BE49-F238E27FC236}">
+                <a16:creationId xmlns:a16="http://schemas.microsoft.com/office/drawing/2014/main" id="{ABFC87C0-B888-98C6-C738-0DE230E16CFB}"/>
+              </a:ext>
+            </a:extLst>
+          </p:cNvPr>
+          <p:cNvSpPr txBox="1">
+            <a:spLocks noGrp="1"/>
+          </p:cNvSpPr>
+          <p:nvPr>
+            <p:ph type="title"/>
+          </p:nvPr>
+        </p:nvSpPr>
+        <p:spPr>
+          <a:xfrm>
+            <a:off x="713225" y="448050"/>
+            <a:ext cx="3681300" cy="576000"/>
+          </a:xfrm>
+          <a:prstGeom prst="rect">
+            <a:avLst/>
+          </a:prstGeom>
+        </p:spPr>
+        <p:txBody>
+          <a:bodyPr spcFirstLastPara="1" wrap="square" lIns="91425" tIns="91425" rIns="91425" bIns="91425" anchor="t" anchorCtr="0">
+            <a:noAutofit/>
+          </a:bodyPr>
+          <a:lstStyle/>
+          <a:p>
+            <a:pPr marL="0" lvl="0" indent="0" algn="l" rtl="0">
+              <a:spcBef>
+                <a:spcPts val="0"/>
+              </a:spcBef>
+              <a:spcAft>
+                <a:spcPts val="0"/>
+              </a:spcAft>
+              <a:buNone/>
+            </a:pPr>
+            <a:r>
+              <a:rPr lang="en" b="1" dirty="0"/>
+              <a:t>Application :</a:t>
+            </a:r>
+            <a:endParaRPr b="1" dirty="0"/>
+          </a:p>
+        </p:txBody>
+      </p:sp>
+      <p:sp>
+        <p:nvSpPr>
+          <p:cNvPr id="2" name="Google Shape;182;p31">
+            <a:extLst>
+              <a:ext uri="{FF2B5EF4-FFF2-40B4-BE49-F238E27FC236}">
+                <a16:creationId xmlns:a16="http://schemas.microsoft.com/office/drawing/2014/main" id="{69A16390-5486-D215-F210-0388BBF3ABAC}"/>
+              </a:ext>
+            </a:extLst>
+          </p:cNvPr>
+          <p:cNvSpPr txBox="1">
+            <a:spLocks/>
+          </p:cNvSpPr>
+          <p:nvPr/>
+        </p:nvSpPr>
+        <p:spPr>
+          <a:xfrm>
+            <a:off x="312882" y="1024050"/>
+            <a:ext cx="3681300" cy="576000"/>
+          </a:xfrm>
+          <a:prstGeom prst="rect">
+            <a:avLst/>
+          </a:prstGeom>
+          <a:noFill/>
+          <a:ln>
+            <a:noFill/>
+          </a:ln>
+        </p:spPr>
+        <p:txBody>
+          <a:bodyPr spcFirstLastPara="1" wrap="square" lIns="91425" tIns="91425" rIns="91425" bIns="91425" anchor="t" anchorCtr="0">
+            <a:noAutofit/>
+          </a:bodyPr>
+          <a:lstStyle>
+            <a:defPPr marR="0" lvl="0" algn="l" rtl="0">
+              <a:lnSpc>
+                <a:spcPct val="100000"/>
+              </a:lnSpc>
+              <a:spcBef>
+                <a:spcPts val="0"/>
+              </a:spcBef>
+              <a:spcAft>
+                <a:spcPts val="0"/>
+              </a:spcAft>
+            </a:defPPr>
+            <a:lvl1pPr marR="0" lvl="0" algn="l" rtl="0">
+              <a:lnSpc>
+                <a:spcPct val="100000"/>
+              </a:lnSpc>
+              <a:spcBef>
+                <a:spcPts val="0"/>
+              </a:spcBef>
+              <a:spcAft>
+                <a:spcPts val="0"/>
+              </a:spcAft>
+              <a:buClr>
+                <a:schemeClr val="dk1"/>
+              </a:buClr>
+              <a:buSzPts val="2600"/>
+              <a:buFont typeface="Inter Medium"/>
+              <a:buNone/>
+              <a:defRPr sz="2600" b="0" i="0" u="none" strike="noStrike" cap="none">
+                <a:solidFill>
+                  <a:schemeClr val="dk1"/>
+                </a:solidFill>
+                <a:latin typeface="Inter Medium"/>
+                <a:ea typeface="Inter Medium"/>
+                <a:cs typeface="Inter Medium"/>
+                <a:sym typeface="Inter Medium"/>
+              </a:defRPr>
+            </a:lvl1pPr>
+            <a:lvl2pPr marR="0" lvl="1" algn="l" rtl="0">
+              <a:lnSpc>
+                <a:spcPct val="100000"/>
+              </a:lnSpc>
+              <a:spcBef>
+                <a:spcPts val="0"/>
+              </a:spcBef>
+              <a:spcAft>
+                <a:spcPts val="0"/>
+              </a:spcAft>
+              <a:buClr>
+                <a:schemeClr val="dk1"/>
+              </a:buClr>
+              <a:buSzPts val="2600"/>
+              <a:buFont typeface="Inter Medium"/>
+              <a:buNone/>
+              <a:defRPr sz="2600" b="0" i="0" u="none" strike="noStrike" cap="none">
+                <a:solidFill>
+                  <a:schemeClr val="dk1"/>
+                </a:solidFill>
+                <a:latin typeface="Inter Medium"/>
+                <a:ea typeface="Inter Medium"/>
+                <a:cs typeface="Inter Medium"/>
+                <a:sym typeface="Inter Medium"/>
+              </a:defRPr>
+            </a:lvl2pPr>
+            <a:lvl3pPr marR="0" lvl="2" algn="l" rtl="0">
+              <a:lnSpc>
+                <a:spcPct val="100000"/>
+              </a:lnSpc>
+              <a:spcBef>
+                <a:spcPts val="0"/>
+              </a:spcBef>
+              <a:spcAft>
+                <a:spcPts val="0"/>
+              </a:spcAft>
+              <a:buClr>
+                <a:schemeClr val="dk1"/>
+              </a:buClr>
+              <a:buSzPts val="2600"/>
+              <a:buFont typeface="Inter Medium"/>
+              <a:buNone/>
+              <a:defRPr sz="2600" b="0" i="0" u="none" strike="noStrike" cap="none">
+                <a:solidFill>
+                  <a:schemeClr val="dk1"/>
+                </a:solidFill>
+                <a:latin typeface="Inter Medium"/>
+                <a:ea typeface="Inter Medium"/>
+                <a:cs typeface="Inter Medium"/>
+                <a:sym typeface="Inter Medium"/>
+              </a:defRPr>
+            </a:lvl3pPr>
+            <a:lvl4pPr marR="0" lvl="3" algn="l" rtl="0">
+              <a:lnSpc>
+                <a:spcPct val="100000"/>
+              </a:lnSpc>
+              <a:spcBef>
+                <a:spcPts val="0"/>
+              </a:spcBef>
+              <a:spcAft>
+                <a:spcPts val="0"/>
+              </a:spcAft>
+              <a:buClr>
+                <a:schemeClr val="dk1"/>
+              </a:buClr>
+              <a:buSzPts val="2600"/>
+              <a:buFont typeface="Inter Medium"/>
+              <a:buNone/>
+              <a:defRPr sz="2600" b="0" i="0" u="none" strike="noStrike" cap="none">
+                <a:solidFill>
+                  <a:schemeClr val="dk1"/>
+                </a:solidFill>
+                <a:latin typeface="Inter Medium"/>
+                <a:ea typeface="Inter Medium"/>
+                <a:cs typeface="Inter Medium"/>
+                <a:sym typeface="Inter Medium"/>
+              </a:defRPr>
+            </a:lvl4pPr>
+            <a:lvl5pPr marR="0" lvl="4" algn="l" rtl="0">
+              <a:lnSpc>
+                <a:spcPct val="100000"/>
+              </a:lnSpc>
+              <a:spcBef>
+                <a:spcPts val="0"/>
+              </a:spcBef>
+              <a:spcAft>
+                <a:spcPts val="0"/>
+              </a:spcAft>
+              <a:buClr>
+                <a:schemeClr val="dk1"/>
+              </a:buClr>
+              <a:buSzPts val="2600"/>
+              <a:buFont typeface="Inter Medium"/>
+              <a:buNone/>
+              <a:defRPr sz="2600" b="0" i="0" u="none" strike="noStrike" cap="none">
+                <a:solidFill>
+                  <a:schemeClr val="dk1"/>
+                </a:solidFill>
+                <a:latin typeface="Inter Medium"/>
+                <a:ea typeface="Inter Medium"/>
+                <a:cs typeface="Inter Medium"/>
+                <a:sym typeface="Inter Medium"/>
+              </a:defRPr>
+            </a:lvl5pPr>
+            <a:lvl6pPr marR="0" lvl="5" algn="l" rtl="0">
+              <a:lnSpc>
+                <a:spcPct val="100000"/>
+              </a:lnSpc>
+              <a:spcBef>
+                <a:spcPts val="0"/>
+              </a:spcBef>
+              <a:spcAft>
+                <a:spcPts val="0"/>
+              </a:spcAft>
+              <a:buClr>
+                <a:schemeClr val="dk1"/>
+              </a:buClr>
+              <a:buSzPts val="2600"/>
+              <a:buFont typeface="Inter Medium"/>
+              <a:buNone/>
+              <a:defRPr sz="2600" b="0" i="0" u="none" strike="noStrike" cap="none">
+                <a:solidFill>
+                  <a:schemeClr val="dk1"/>
+                </a:solidFill>
+                <a:latin typeface="Inter Medium"/>
+                <a:ea typeface="Inter Medium"/>
+                <a:cs typeface="Inter Medium"/>
+                <a:sym typeface="Inter Medium"/>
+              </a:defRPr>
+            </a:lvl6pPr>
+            <a:lvl7pPr marR="0" lvl="6" algn="l" rtl="0">
+              <a:lnSpc>
+                <a:spcPct val="100000"/>
+              </a:lnSpc>
+              <a:spcBef>
+                <a:spcPts val="0"/>
+              </a:spcBef>
+              <a:spcAft>
+                <a:spcPts val="0"/>
+              </a:spcAft>
+              <a:buClr>
+                <a:schemeClr val="dk1"/>
+              </a:buClr>
+              <a:buSzPts val="2600"/>
+              <a:buFont typeface="Inter Medium"/>
+              <a:buNone/>
+              <a:defRPr sz="2600" b="0" i="0" u="none" strike="noStrike" cap="none">
+                <a:solidFill>
+                  <a:schemeClr val="dk1"/>
+                </a:solidFill>
+                <a:latin typeface="Inter Medium"/>
+                <a:ea typeface="Inter Medium"/>
+                <a:cs typeface="Inter Medium"/>
+                <a:sym typeface="Inter Medium"/>
+              </a:defRPr>
+            </a:lvl7pPr>
+            <a:lvl8pPr marR="0" lvl="7" algn="l" rtl="0">
+              <a:lnSpc>
+                <a:spcPct val="100000"/>
+              </a:lnSpc>
+              <a:spcBef>
+                <a:spcPts val="0"/>
+              </a:spcBef>
+              <a:spcAft>
+                <a:spcPts val="0"/>
+              </a:spcAft>
+              <a:buClr>
+                <a:schemeClr val="dk1"/>
+              </a:buClr>
+              <a:buSzPts val="2600"/>
+              <a:buFont typeface="Inter Medium"/>
+              <a:buNone/>
+              <a:defRPr sz="2600" b="0" i="0" u="none" strike="noStrike" cap="none">
+                <a:solidFill>
+                  <a:schemeClr val="dk1"/>
+                </a:solidFill>
+                <a:latin typeface="Inter Medium"/>
+                <a:ea typeface="Inter Medium"/>
+                <a:cs typeface="Inter Medium"/>
+                <a:sym typeface="Inter Medium"/>
+              </a:defRPr>
+            </a:lvl8pPr>
+            <a:lvl9pPr marR="0" lvl="8" algn="l" rtl="0">
+              <a:lnSpc>
+                <a:spcPct val="100000"/>
+              </a:lnSpc>
+              <a:spcBef>
+                <a:spcPts val="0"/>
+              </a:spcBef>
+              <a:spcAft>
+                <a:spcPts val="0"/>
+              </a:spcAft>
+              <a:buClr>
+                <a:schemeClr val="dk1"/>
+              </a:buClr>
+              <a:buSzPts val="2600"/>
+              <a:buFont typeface="Inter Medium"/>
+              <a:buNone/>
+              <a:defRPr sz="2600" b="0" i="0" u="none" strike="noStrike" cap="none">
+                <a:solidFill>
+                  <a:schemeClr val="dk1"/>
+                </a:solidFill>
+                <a:latin typeface="Inter Medium"/>
+                <a:ea typeface="Inter Medium"/>
+                <a:cs typeface="Inter Medium"/>
+                <a:sym typeface="Inter Medium"/>
+              </a:defRPr>
+            </a:lvl9pPr>
+          </a:lstStyle>
+          <a:p>
+            <a:r>
+              <a:rPr lang="fr-FR" sz="1600" b="1" dirty="0"/>
+              <a:t>Centralisation et réduction :</a:t>
+            </a:r>
+          </a:p>
+        </p:txBody>
+      </p:sp>
+      <p:sp>
+        <p:nvSpPr>
+          <p:cNvPr id="8" name="Google Shape;183;p31">
+            <a:extLst>
+              <a:ext uri="{FF2B5EF4-FFF2-40B4-BE49-F238E27FC236}">
+                <a16:creationId xmlns:a16="http://schemas.microsoft.com/office/drawing/2014/main" id="{D180C606-A7D0-93E8-C88D-28C6D3D86858}"/>
+              </a:ext>
+            </a:extLst>
+          </p:cNvPr>
+          <p:cNvSpPr txBox="1">
+            <a:spLocks noGrp="1"/>
+          </p:cNvSpPr>
+          <p:nvPr>
+            <p:ph type="subTitle" idx="1"/>
+          </p:nvPr>
+        </p:nvSpPr>
+        <p:spPr>
+          <a:xfrm>
+            <a:off x="182880" y="1372826"/>
+            <a:ext cx="8732520" cy="573011"/>
+          </a:xfrm>
+          <a:prstGeom prst="rect">
+            <a:avLst/>
+          </a:prstGeom>
+        </p:spPr>
+        <p:txBody>
+          <a:bodyPr spcFirstLastPara="1" wrap="square" lIns="91425" tIns="91425" rIns="91425" bIns="91425" anchor="t" anchorCtr="0">
+            <a:noAutofit/>
+          </a:bodyPr>
+          <a:lstStyle/>
+          <a:p>
+            <a:pPr marL="152400" indent="0">
+              <a:buNone/>
+            </a:pPr>
+            <a:r>
+              <a:rPr lang="fr-BE" sz="1400" dirty="0"/>
+              <a:t>On prend 2 variables aléatoires (par exemple taux de Glucose et taux d’</a:t>
+            </a:r>
+            <a:r>
+              <a:rPr lang="fr-BE" sz="1400" dirty="0" err="1"/>
+              <a:t>Insulin</a:t>
+            </a:r>
+            <a:r>
+              <a:rPr lang="fr-BE" sz="1400" dirty="0"/>
+              <a:t>) et on applique la centralisation et réduction des données.</a:t>
+            </a:r>
+          </a:p>
+        </p:txBody>
+      </p:sp>
+      <p:pic>
+        <p:nvPicPr>
+          <p:cNvPr id="9" name="Picture 8">
+            <a:extLst>
+              <a:ext uri="{FF2B5EF4-FFF2-40B4-BE49-F238E27FC236}">
+                <a16:creationId xmlns:a16="http://schemas.microsoft.com/office/drawing/2014/main" id="{DAB36EFA-CEB6-60BD-D760-27776EF3C567}"/>
+              </a:ext>
+            </a:extLst>
+          </p:cNvPr>
+          <p:cNvPicPr>
+            <a:picLocks noChangeAspect="1"/>
+          </p:cNvPicPr>
+          <p:nvPr/>
+        </p:nvPicPr>
+        <p:blipFill>
+          <a:blip r:embed="rId3"/>
+          <a:stretch>
+            <a:fillRect/>
+          </a:stretch>
+        </p:blipFill>
+        <p:spPr>
+          <a:xfrm>
+            <a:off x="730500" y="2065230"/>
+            <a:ext cx="3492473" cy="2620725"/>
+          </a:xfrm>
+          <a:prstGeom prst="rect">
+            <a:avLst/>
+          </a:prstGeom>
+        </p:spPr>
+      </p:pic>
+      <p:pic>
+        <p:nvPicPr>
+          <p:cNvPr id="11" name="Picture 10">
+            <a:extLst>
+              <a:ext uri="{FF2B5EF4-FFF2-40B4-BE49-F238E27FC236}">
+                <a16:creationId xmlns:a16="http://schemas.microsoft.com/office/drawing/2014/main" id="{A4A47128-2011-7738-2B15-B705CAC46EEE}"/>
+              </a:ext>
+            </a:extLst>
+          </p:cNvPr>
+          <p:cNvPicPr>
+            <a:picLocks noChangeAspect="1"/>
+          </p:cNvPicPr>
+          <p:nvPr/>
+        </p:nvPicPr>
+        <p:blipFill>
+          <a:blip r:embed="rId4"/>
+          <a:stretch>
+            <a:fillRect/>
+          </a:stretch>
+        </p:blipFill>
+        <p:spPr>
+          <a:xfrm>
+            <a:off x="4874686" y="2065230"/>
+            <a:ext cx="3538814" cy="2620725"/>
+          </a:xfrm>
+          <a:prstGeom prst="rect">
+            <a:avLst/>
+          </a:prstGeom>
+        </p:spPr>
+      </p:pic>
+    </p:spTree>
+    <p:extLst>
+      <p:ext uri="{BB962C8B-B14F-4D97-AF65-F5344CB8AC3E}">
+        <p14:creationId xmlns:p14="http://schemas.microsoft.com/office/powerpoint/2010/main" val="3256931575"/>
+      </p:ext>
+    </p:extLst>
+  </p:cSld>
+  <p:clrMapOvr>
+    <a:masterClrMapping/>
+  </p:clrMapOvr>
+</p:sld>
+</file>
+
+<file path=ppt/slides/slide15.xml><?xml version="1.0" encoding="utf-8"?>
+<p:sld xmlns:a="http://schemas.openxmlformats.org/drawingml/2006/main" xmlns:r="http://schemas.openxmlformats.org/officeDocument/2006/relationships" xmlns:p="http://schemas.openxmlformats.org/presentationml/2006/main">
+  <p:cSld>
+    <p:spTree>
+      <p:nvGrpSpPr>
+        <p:cNvPr id="1" name="Shape 177">
+          <a:extLst>
+            <a:ext uri="{FF2B5EF4-FFF2-40B4-BE49-F238E27FC236}">
+              <a16:creationId xmlns:a16="http://schemas.microsoft.com/office/drawing/2014/main" id="{ED3F5BCD-8ADB-4B06-6AAA-A14A3850AA0E}"/>
+            </a:ext>
+          </a:extLst>
+        </p:cNvPr>
+        <p:cNvGrpSpPr/>
+        <p:nvPr/>
+      </p:nvGrpSpPr>
+      <p:grpSpPr>
+        <a:xfrm>
+          <a:off x="0" y="0"/>
+          <a:ext cx="0" cy="0"/>
+          <a:chOff x="0" y="0"/>
+          <a:chExt cx="0" cy="0"/>
+        </a:xfrm>
+      </p:grpSpPr>
+      <p:sp>
+        <p:nvSpPr>
+          <p:cNvPr id="182" name="Google Shape;182;p31">
+            <a:extLst>
+              <a:ext uri="{FF2B5EF4-FFF2-40B4-BE49-F238E27FC236}">
+                <a16:creationId xmlns:a16="http://schemas.microsoft.com/office/drawing/2014/main" id="{D3E5A5DB-E942-440D-D77A-6515E827FDC9}"/>
+              </a:ext>
+            </a:extLst>
+          </p:cNvPr>
+          <p:cNvSpPr txBox="1">
+            <a:spLocks noGrp="1"/>
+          </p:cNvSpPr>
+          <p:nvPr>
+            <p:ph type="title"/>
+          </p:nvPr>
+        </p:nvSpPr>
+        <p:spPr>
+          <a:xfrm>
+            <a:off x="713225" y="448050"/>
+            <a:ext cx="3681300" cy="576000"/>
+          </a:xfrm>
+          <a:prstGeom prst="rect">
+            <a:avLst/>
+          </a:prstGeom>
+        </p:spPr>
+        <p:txBody>
+          <a:bodyPr spcFirstLastPara="1" wrap="square" lIns="91425" tIns="91425" rIns="91425" bIns="91425" anchor="t" anchorCtr="0">
+            <a:noAutofit/>
+          </a:bodyPr>
+          <a:lstStyle/>
+          <a:p>
+            <a:pPr marL="0" lvl="0" indent="0" algn="l" rtl="0">
+              <a:spcBef>
+                <a:spcPts val="0"/>
+              </a:spcBef>
+              <a:spcAft>
+                <a:spcPts val="0"/>
+              </a:spcAft>
+              <a:buNone/>
+            </a:pPr>
+            <a:r>
+              <a:rPr lang="en" b="1" dirty="0"/>
+              <a:t>Application :</a:t>
+            </a:r>
+            <a:endParaRPr b="1" dirty="0"/>
+          </a:p>
+        </p:txBody>
+      </p:sp>
+      <p:sp>
+        <p:nvSpPr>
+          <p:cNvPr id="2" name="Google Shape;182;p31">
+            <a:extLst>
+              <a:ext uri="{FF2B5EF4-FFF2-40B4-BE49-F238E27FC236}">
+                <a16:creationId xmlns:a16="http://schemas.microsoft.com/office/drawing/2014/main" id="{53ACADC7-9D15-BEEE-A777-A007999D83B8}"/>
+              </a:ext>
+            </a:extLst>
+          </p:cNvPr>
+          <p:cNvSpPr txBox="1">
+            <a:spLocks/>
+          </p:cNvSpPr>
+          <p:nvPr/>
+        </p:nvSpPr>
+        <p:spPr>
+          <a:xfrm>
+            <a:off x="305262" y="1248477"/>
+            <a:ext cx="3681300" cy="576000"/>
+          </a:xfrm>
+          <a:prstGeom prst="rect">
+            <a:avLst/>
+          </a:prstGeom>
+          <a:noFill/>
+          <a:ln>
+            <a:noFill/>
+          </a:ln>
+        </p:spPr>
+        <p:txBody>
+          <a:bodyPr spcFirstLastPara="1" wrap="square" lIns="91425" tIns="91425" rIns="91425" bIns="91425" anchor="t" anchorCtr="0">
+            <a:noAutofit/>
+          </a:bodyPr>
+          <a:lstStyle>
+            <a:defPPr marR="0" lvl="0" algn="l" rtl="0">
+              <a:lnSpc>
+                <a:spcPct val="100000"/>
+              </a:lnSpc>
+              <a:spcBef>
+                <a:spcPts val="0"/>
+              </a:spcBef>
+              <a:spcAft>
+                <a:spcPts val="0"/>
+              </a:spcAft>
+            </a:defPPr>
+            <a:lvl1pPr marR="0" lvl="0" algn="l" rtl="0">
+              <a:lnSpc>
+                <a:spcPct val="100000"/>
+              </a:lnSpc>
+              <a:spcBef>
+                <a:spcPts val="0"/>
+              </a:spcBef>
+              <a:spcAft>
+                <a:spcPts val="0"/>
+              </a:spcAft>
+              <a:buClr>
+                <a:schemeClr val="dk1"/>
+              </a:buClr>
+              <a:buSzPts val="2600"/>
+              <a:buFont typeface="Inter Medium"/>
+              <a:buNone/>
+              <a:defRPr sz="2600" b="0" i="0" u="none" strike="noStrike" cap="none">
+                <a:solidFill>
+                  <a:schemeClr val="dk1"/>
+                </a:solidFill>
+                <a:latin typeface="Inter Medium"/>
+                <a:ea typeface="Inter Medium"/>
+                <a:cs typeface="Inter Medium"/>
+                <a:sym typeface="Inter Medium"/>
+              </a:defRPr>
+            </a:lvl1pPr>
+            <a:lvl2pPr marR="0" lvl="1" algn="l" rtl="0">
+              <a:lnSpc>
+                <a:spcPct val="100000"/>
+              </a:lnSpc>
+              <a:spcBef>
+                <a:spcPts val="0"/>
+              </a:spcBef>
+              <a:spcAft>
+                <a:spcPts val="0"/>
+              </a:spcAft>
+              <a:buClr>
+                <a:schemeClr val="dk1"/>
+              </a:buClr>
+              <a:buSzPts val="2600"/>
+              <a:buFont typeface="Inter Medium"/>
+              <a:buNone/>
+              <a:defRPr sz="2600" b="0" i="0" u="none" strike="noStrike" cap="none">
+                <a:solidFill>
+                  <a:schemeClr val="dk1"/>
+                </a:solidFill>
+                <a:latin typeface="Inter Medium"/>
+                <a:ea typeface="Inter Medium"/>
+                <a:cs typeface="Inter Medium"/>
+                <a:sym typeface="Inter Medium"/>
+              </a:defRPr>
+            </a:lvl2pPr>
+            <a:lvl3pPr marR="0" lvl="2" algn="l" rtl="0">
+              <a:lnSpc>
+                <a:spcPct val="100000"/>
+              </a:lnSpc>
+              <a:spcBef>
+                <a:spcPts val="0"/>
+              </a:spcBef>
+              <a:spcAft>
+                <a:spcPts val="0"/>
+              </a:spcAft>
+              <a:buClr>
+                <a:schemeClr val="dk1"/>
+              </a:buClr>
+              <a:buSzPts val="2600"/>
+              <a:buFont typeface="Inter Medium"/>
+              <a:buNone/>
+              <a:defRPr sz="2600" b="0" i="0" u="none" strike="noStrike" cap="none">
+                <a:solidFill>
+                  <a:schemeClr val="dk1"/>
+                </a:solidFill>
+                <a:latin typeface="Inter Medium"/>
+                <a:ea typeface="Inter Medium"/>
+                <a:cs typeface="Inter Medium"/>
+                <a:sym typeface="Inter Medium"/>
+              </a:defRPr>
+            </a:lvl3pPr>
+            <a:lvl4pPr marR="0" lvl="3" algn="l" rtl="0">
+              <a:lnSpc>
+                <a:spcPct val="100000"/>
+              </a:lnSpc>
+              <a:spcBef>
+                <a:spcPts val="0"/>
+              </a:spcBef>
+              <a:spcAft>
+                <a:spcPts val="0"/>
+              </a:spcAft>
+              <a:buClr>
+                <a:schemeClr val="dk1"/>
+              </a:buClr>
+              <a:buSzPts val="2600"/>
+              <a:buFont typeface="Inter Medium"/>
+              <a:buNone/>
+              <a:defRPr sz="2600" b="0" i="0" u="none" strike="noStrike" cap="none">
+                <a:solidFill>
+                  <a:schemeClr val="dk1"/>
+                </a:solidFill>
+                <a:latin typeface="Inter Medium"/>
+                <a:ea typeface="Inter Medium"/>
+                <a:cs typeface="Inter Medium"/>
+                <a:sym typeface="Inter Medium"/>
+              </a:defRPr>
+            </a:lvl4pPr>
+            <a:lvl5pPr marR="0" lvl="4" algn="l" rtl="0">
+              <a:lnSpc>
+                <a:spcPct val="100000"/>
+              </a:lnSpc>
+              <a:spcBef>
+                <a:spcPts val="0"/>
+              </a:spcBef>
+              <a:spcAft>
+                <a:spcPts val="0"/>
+              </a:spcAft>
+              <a:buClr>
+                <a:schemeClr val="dk1"/>
+              </a:buClr>
+              <a:buSzPts val="2600"/>
+              <a:buFont typeface="Inter Medium"/>
+              <a:buNone/>
+              <a:defRPr sz="2600" b="0" i="0" u="none" strike="noStrike" cap="none">
+                <a:solidFill>
+                  <a:schemeClr val="dk1"/>
+                </a:solidFill>
+                <a:latin typeface="Inter Medium"/>
+                <a:ea typeface="Inter Medium"/>
+                <a:cs typeface="Inter Medium"/>
+                <a:sym typeface="Inter Medium"/>
+              </a:defRPr>
+            </a:lvl5pPr>
+            <a:lvl6pPr marR="0" lvl="5" algn="l" rtl="0">
+              <a:lnSpc>
+                <a:spcPct val="100000"/>
+              </a:lnSpc>
+              <a:spcBef>
+                <a:spcPts val="0"/>
+              </a:spcBef>
+              <a:spcAft>
+                <a:spcPts val="0"/>
+              </a:spcAft>
+              <a:buClr>
+                <a:schemeClr val="dk1"/>
+              </a:buClr>
+              <a:buSzPts val="2600"/>
+              <a:buFont typeface="Inter Medium"/>
+              <a:buNone/>
+              <a:defRPr sz="2600" b="0" i="0" u="none" strike="noStrike" cap="none">
+                <a:solidFill>
+                  <a:schemeClr val="dk1"/>
+                </a:solidFill>
+                <a:latin typeface="Inter Medium"/>
+                <a:ea typeface="Inter Medium"/>
+                <a:cs typeface="Inter Medium"/>
+                <a:sym typeface="Inter Medium"/>
+              </a:defRPr>
+            </a:lvl6pPr>
+            <a:lvl7pPr marR="0" lvl="6" algn="l" rtl="0">
+              <a:lnSpc>
+                <a:spcPct val="100000"/>
+              </a:lnSpc>
+              <a:spcBef>
+                <a:spcPts val="0"/>
+              </a:spcBef>
+              <a:spcAft>
+                <a:spcPts val="0"/>
+              </a:spcAft>
+              <a:buClr>
+                <a:schemeClr val="dk1"/>
+              </a:buClr>
+              <a:buSzPts val="2600"/>
+              <a:buFont typeface="Inter Medium"/>
+              <a:buNone/>
+              <a:defRPr sz="2600" b="0" i="0" u="none" strike="noStrike" cap="none">
+                <a:solidFill>
+                  <a:schemeClr val="dk1"/>
+                </a:solidFill>
+                <a:latin typeface="Inter Medium"/>
+                <a:ea typeface="Inter Medium"/>
+                <a:cs typeface="Inter Medium"/>
+                <a:sym typeface="Inter Medium"/>
+              </a:defRPr>
+            </a:lvl7pPr>
+            <a:lvl8pPr marR="0" lvl="7" algn="l" rtl="0">
+              <a:lnSpc>
+                <a:spcPct val="100000"/>
+              </a:lnSpc>
+              <a:spcBef>
+                <a:spcPts val="0"/>
+              </a:spcBef>
+              <a:spcAft>
+                <a:spcPts val="0"/>
+              </a:spcAft>
+              <a:buClr>
+                <a:schemeClr val="dk1"/>
+              </a:buClr>
+              <a:buSzPts val="2600"/>
+              <a:buFont typeface="Inter Medium"/>
+              <a:buNone/>
+              <a:defRPr sz="2600" b="0" i="0" u="none" strike="noStrike" cap="none">
+                <a:solidFill>
+                  <a:schemeClr val="dk1"/>
+                </a:solidFill>
+                <a:latin typeface="Inter Medium"/>
+                <a:ea typeface="Inter Medium"/>
+                <a:cs typeface="Inter Medium"/>
+                <a:sym typeface="Inter Medium"/>
+              </a:defRPr>
+            </a:lvl8pPr>
+            <a:lvl9pPr marR="0" lvl="8" algn="l" rtl="0">
+              <a:lnSpc>
+                <a:spcPct val="100000"/>
+              </a:lnSpc>
+              <a:spcBef>
+                <a:spcPts val="0"/>
+              </a:spcBef>
+              <a:spcAft>
+                <a:spcPts val="0"/>
+              </a:spcAft>
+              <a:buClr>
+                <a:schemeClr val="dk1"/>
+              </a:buClr>
+              <a:buSzPts val="2600"/>
+              <a:buFont typeface="Inter Medium"/>
+              <a:buNone/>
+              <a:defRPr sz="2600" b="0" i="0" u="none" strike="noStrike" cap="none">
+                <a:solidFill>
+                  <a:schemeClr val="dk1"/>
+                </a:solidFill>
+                <a:latin typeface="Inter Medium"/>
+                <a:ea typeface="Inter Medium"/>
+                <a:cs typeface="Inter Medium"/>
+                <a:sym typeface="Inter Medium"/>
+              </a:defRPr>
+            </a:lvl9pPr>
+          </a:lstStyle>
+          <a:p>
+            <a:r>
+              <a:rPr lang="fr-FR" sz="1600" b="1" dirty="0"/>
+              <a:t>Matrice de corrélation :</a:t>
+            </a:r>
+          </a:p>
+        </p:txBody>
+      </p:sp>
+      <p:sp>
+        <p:nvSpPr>
+          <p:cNvPr id="8" name="Google Shape;183;p31">
+            <a:extLst>
+              <a:ext uri="{FF2B5EF4-FFF2-40B4-BE49-F238E27FC236}">
+                <a16:creationId xmlns:a16="http://schemas.microsoft.com/office/drawing/2014/main" id="{B7BFD0B7-7C53-9C14-0DDC-F9ECB986B773}"/>
+              </a:ext>
+            </a:extLst>
+          </p:cNvPr>
+          <p:cNvSpPr txBox="1">
+            <a:spLocks noGrp="1"/>
+          </p:cNvSpPr>
+          <p:nvPr>
+            <p:ph type="subTitle" idx="1"/>
+          </p:nvPr>
+        </p:nvSpPr>
+        <p:spPr>
+          <a:xfrm>
+            <a:off x="219184" y="1922745"/>
+            <a:ext cx="4517121" cy="1891625"/>
+          </a:xfrm>
+          <a:prstGeom prst="rect">
+            <a:avLst/>
+          </a:prstGeom>
+        </p:spPr>
+        <p:txBody>
+          <a:bodyPr spcFirstLastPara="1" wrap="square" lIns="91425" tIns="91425" rIns="91425" bIns="91425" anchor="t" anchorCtr="0">
+            <a:noAutofit/>
+          </a:bodyPr>
+          <a:lstStyle/>
+          <a:p>
+            <a:r>
+              <a:rPr lang="fr-BE" sz="1800" dirty="0"/>
+              <a:t>La </a:t>
+            </a:r>
+            <a:r>
+              <a:rPr lang="fr-BE" sz="1800" b="1" dirty="0"/>
+              <a:t>matrice de corrélation</a:t>
+            </a:r>
+            <a:r>
+              <a:rPr lang="fr-BE" sz="1800" dirty="0"/>
+              <a:t> permet de voir quelles variables sont liées entre elles. Si certaines sont très corrélées, l’ACP pourra les regrouper pour simplifier les données.</a:t>
+            </a:r>
+          </a:p>
+        </p:txBody>
+      </p:sp>
+      <p:pic>
+        <p:nvPicPr>
+          <p:cNvPr id="5" name="Picture 4">
+            <a:extLst>
+              <a:ext uri="{FF2B5EF4-FFF2-40B4-BE49-F238E27FC236}">
+                <a16:creationId xmlns:a16="http://schemas.microsoft.com/office/drawing/2014/main" id="{7C13AB46-14E7-26D0-6BBD-2787CF218A5E}"/>
+              </a:ext>
+            </a:extLst>
+          </p:cNvPr>
+          <p:cNvPicPr>
+            <a:picLocks noChangeAspect="1"/>
+          </p:cNvPicPr>
+          <p:nvPr/>
+        </p:nvPicPr>
+        <p:blipFill>
+          <a:blip r:embed="rId3"/>
+          <a:srcRect l="13036" t="6000" r="23086" b="7639"/>
+          <a:stretch/>
+        </p:blipFill>
+        <p:spPr>
+          <a:xfrm>
+            <a:off x="5365377" y="1024050"/>
+            <a:ext cx="3149707" cy="3193760"/>
+          </a:xfrm>
+          <a:prstGeom prst="rect">
+            <a:avLst/>
+          </a:prstGeom>
+        </p:spPr>
+      </p:pic>
+    </p:spTree>
+    <p:extLst>
+      <p:ext uri="{BB962C8B-B14F-4D97-AF65-F5344CB8AC3E}">
+        <p14:creationId xmlns:p14="http://schemas.microsoft.com/office/powerpoint/2010/main" val="3137728634"/>
+      </p:ext>
+    </p:extLst>
+  </p:cSld>
+  <p:clrMapOvr>
+    <a:masterClrMapping/>
+  </p:clrMapOvr>
+</p:sld>
+</file>
+
+<file path=ppt/slides/slide16.xml><?xml version="1.0" encoding="utf-8"?>
+<p:sld xmlns:a="http://schemas.openxmlformats.org/drawingml/2006/main" xmlns:r="http://schemas.openxmlformats.org/officeDocument/2006/relationships" xmlns:p="http://schemas.openxmlformats.org/presentationml/2006/main">
+  <p:cSld>
+    <p:spTree>
+      <p:nvGrpSpPr>
+        <p:cNvPr id="1" name="Shape 177">
+          <a:extLst>
+            <a:ext uri="{FF2B5EF4-FFF2-40B4-BE49-F238E27FC236}">
+              <a16:creationId xmlns:a16="http://schemas.microsoft.com/office/drawing/2014/main" id="{26722C9E-987E-F07F-E84C-C5D296CCF0B6}"/>
+            </a:ext>
+          </a:extLst>
+        </p:cNvPr>
+        <p:cNvGrpSpPr/>
+        <p:nvPr/>
+      </p:nvGrpSpPr>
+      <p:grpSpPr>
+        <a:xfrm>
+          <a:off x="0" y="0"/>
+          <a:ext cx="0" cy="0"/>
+          <a:chOff x="0" y="0"/>
+          <a:chExt cx="0" cy="0"/>
+        </a:xfrm>
+      </p:grpSpPr>
+      <p:sp>
+        <p:nvSpPr>
+          <p:cNvPr id="182" name="Google Shape;182;p31">
+            <a:extLst>
+              <a:ext uri="{FF2B5EF4-FFF2-40B4-BE49-F238E27FC236}">
+                <a16:creationId xmlns:a16="http://schemas.microsoft.com/office/drawing/2014/main" id="{16CE9C31-40B8-3744-9414-83A8A6C166A4}"/>
+              </a:ext>
+            </a:extLst>
+          </p:cNvPr>
+          <p:cNvSpPr txBox="1">
+            <a:spLocks noGrp="1"/>
+          </p:cNvSpPr>
+          <p:nvPr>
+            <p:ph type="title"/>
+          </p:nvPr>
+        </p:nvSpPr>
+        <p:spPr>
+          <a:xfrm>
+            <a:off x="713225" y="448050"/>
+            <a:ext cx="3681300" cy="576000"/>
+          </a:xfrm>
+          <a:prstGeom prst="rect">
+            <a:avLst/>
+          </a:prstGeom>
+        </p:spPr>
+        <p:txBody>
+          <a:bodyPr spcFirstLastPara="1" wrap="square" lIns="91425" tIns="91425" rIns="91425" bIns="91425" anchor="t" anchorCtr="0">
+            <a:noAutofit/>
+          </a:bodyPr>
+          <a:lstStyle/>
+          <a:p>
+            <a:pPr marL="0" lvl="0" indent="0" algn="l" rtl="0">
+              <a:spcBef>
+                <a:spcPts val="0"/>
+              </a:spcBef>
+              <a:spcAft>
+                <a:spcPts val="0"/>
+              </a:spcAft>
+              <a:buNone/>
+            </a:pPr>
+            <a:r>
+              <a:rPr lang="en" b="1" dirty="0"/>
+              <a:t>Application :</a:t>
+            </a:r>
+            <a:endParaRPr b="1" dirty="0"/>
+          </a:p>
+        </p:txBody>
+      </p:sp>
+      <p:sp>
+        <p:nvSpPr>
+          <p:cNvPr id="2" name="Google Shape;182;p31">
+            <a:extLst>
+              <a:ext uri="{FF2B5EF4-FFF2-40B4-BE49-F238E27FC236}">
+                <a16:creationId xmlns:a16="http://schemas.microsoft.com/office/drawing/2014/main" id="{B46C2B12-CC9D-4E1D-4A8A-0F0A14E20AEE}"/>
+              </a:ext>
+            </a:extLst>
+          </p:cNvPr>
+          <p:cNvSpPr txBox="1">
+            <a:spLocks/>
+          </p:cNvSpPr>
+          <p:nvPr/>
+        </p:nvSpPr>
+        <p:spPr>
+          <a:xfrm>
+            <a:off x="312881" y="1328179"/>
+            <a:ext cx="3681300" cy="576000"/>
+          </a:xfrm>
+          <a:prstGeom prst="rect">
+            <a:avLst/>
+          </a:prstGeom>
+          <a:noFill/>
+          <a:ln>
+            <a:noFill/>
+          </a:ln>
+        </p:spPr>
+        <p:txBody>
+          <a:bodyPr spcFirstLastPara="1" wrap="square" lIns="91425" tIns="91425" rIns="91425" bIns="91425" anchor="t" anchorCtr="0">
+            <a:noAutofit/>
+          </a:bodyPr>
+          <a:lstStyle>
+            <a:defPPr marR="0" lvl="0" algn="l" rtl="0">
+              <a:lnSpc>
+                <a:spcPct val="100000"/>
+              </a:lnSpc>
+              <a:spcBef>
+                <a:spcPts val="0"/>
+              </a:spcBef>
+              <a:spcAft>
+                <a:spcPts val="0"/>
+              </a:spcAft>
+            </a:defPPr>
+            <a:lvl1pPr marR="0" lvl="0" algn="l" rtl="0">
+              <a:lnSpc>
+                <a:spcPct val="100000"/>
+              </a:lnSpc>
+              <a:spcBef>
+                <a:spcPts val="0"/>
+              </a:spcBef>
+              <a:spcAft>
+                <a:spcPts val="0"/>
+              </a:spcAft>
+              <a:buClr>
+                <a:schemeClr val="dk1"/>
+              </a:buClr>
+              <a:buSzPts val="2600"/>
+              <a:buFont typeface="Inter Medium"/>
+              <a:buNone/>
+              <a:defRPr sz="2600" b="0" i="0" u="none" strike="noStrike" cap="none">
+                <a:solidFill>
+                  <a:schemeClr val="dk1"/>
+                </a:solidFill>
+                <a:latin typeface="Inter Medium"/>
+                <a:ea typeface="Inter Medium"/>
+                <a:cs typeface="Inter Medium"/>
+                <a:sym typeface="Inter Medium"/>
+              </a:defRPr>
+            </a:lvl1pPr>
+            <a:lvl2pPr marR="0" lvl="1" algn="l" rtl="0">
+              <a:lnSpc>
+                <a:spcPct val="100000"/>
+              </a:lnSpc>
+              <a:spcBef>
+                <a:spcPts val="0"/>
+              </a:spcBef>
+              <a:spcAft>
+                <a:spcPts val="0"/>
+              </a:spcAft>
+              <a:buClr>
+                <a:schemeClr val="dk1"/>
+              </a:buClr>
+              <a:buSzPts val="2600"/>
+              <a:buFont typeface="Inter Medium"/>
+              <a:buNone/>
+              <a:defRPr sz="2600" b="0" i="0" u="none" strike="noStrike" cap="none">
+                <a:solidFill>
+                  <a:schemeClr val="dk1"/>
+                </a:solidFill>
+                <a:latin typeface="Inter Medium"/>
+                <a:ea typeface="Inter Medium"/>
+                <a:cs typeface="Inter Medium"/>
+                <a:sym typeface="Inter Medium"/>
+              </a:defRPr>
+            </a:lvl2pPr>
+            <a:lvl3pPr marR="0" lvl="2" algn="l" rtl="0">
+              <a:lnSpc>
+                <a:spcPct val="100000"/>
+              </a:lnSpc>
+              <a:spcBef>
+                <a:spcPts val="0"/>
+              </a:spcBef>
+              <a:spcAft>
+                <a:spcPts val="0"/>
+              </a:spcAft>
+              <a:buClr>
+                <a:schemeClr val="dk1"/>
+              </a:buClr>
+              <a:buSzPts val="2600"/>
+              <a:buFont typeface="Inter Medium"/>
+              <a:buNone/>
+              <a:defRPr sz="2600" b="0" i="0" u="none" strike="noStrike" cap="none">
+                <a:solidFill>
+                  <a:schemeClr val="dk1"/>
+                </a:solidFill>
+                <a:latin typeface="Inter Medium"/>
+                <a:ea typeface="Inter Medium"/>
+                <a:cs typeface="Inter Medium"/>
+                <a:sym typeface="Inter Medium"/>
+              </a:defRPr>
+            </a:lvl3pPr>
+            <a:lvl4pPr marR="0" lvl="3" algn="l" rtl="0">
+              <a:lnSpc>
+                <a:spcPct val="100000"/>
+              </a:lnSpc>
+              <a:spcBef>
+                <a:spcPts val="0"/>
+              </a:spcBef>
+              <a:spcAft>
+                <a:spcPts val="0"/>
+              </a:spcAft>
+              <a:buClr>
+                <a:schemeClr val="dk1"/>
+              </a:buClr>
+              <a:buSzPts val="2600"/>
+              <a:buFont typeface="Inter Medium"/>
+              <a:buNone/>
+              <a:defRPr sz="2600" b="0" i="0" u="none" strike="noStrike" cap="none">
+                <a:solidFill>
+                  <a:schemeClr val="dk1"/>
+                </a:solidFill>
+                <a:latin typeface="Inter Medium"/>
+                <a:ea typeface="Inter Medium"/>
+                <a:cs typeface="Inter Medium"/>
+                <a:sym typeface="Inter Medium"/>
+              </a:defRPr>
+            </a:lvl4pPr>
+            <a:lvl5pPr marR="0" lvl="4" algn="l" rtl="0">
+              <a:lnSpc>
+                <a:spcPct val="100000"/>
+              </a:lnSpc>
+              <a:spcBef>
+                <a:spcPts val="0"/>
+              </a:spcBef>
+              <a:spcAft>
+                <a:spcPts val="0"/>
+              </a:spcAft>
+              <a:buClr>
+                <a:schemeClr val="dk1"/>
+              </a:buClr>
+              <a:buSzPts val="2600"/>
+              <a:buFont typeface="Inter Medium"/>
+              <a:buNone/>
+              <a:defRPr sz="2600" b="0" i="0" u="none" strike="noStrike" cap="none">
+                <a:solidFill>
+                  <a:schemeClr val="dk1"/>
+                </a:solidFill>
+                <a:latin typeface="Inter Medium"/>
+                <a:ea typeface="Inter Medium"/>
+                <a:cs typeface="Inter Medium"/>
+                <a:sym typeface="Inter Medium"/>
+              </a:defRPr>
+            </a:lvl5pPr>
+            <a:lvl6pPr marR="0" lvl="5" algn="l" rtl="0">
+              <a:lnSpc>
+                <a:spcPct val="100000"/>
+              </a:lnSpc>
+              <a:spcBef>
+                <a:spcPts val="0"/>
+              </a:spcBef>
+              <a:spcAft>
+                <a:spcPts val="0"/>
+              </a:spcAft>
+              <a:buClr>
+                <a:schemeClr val="dk1"/>
+              </a:buClr>
+              <a:buSzPts val="2600"/>
+              <a:buFont typeface="Inter Medium"/>
+              <a:buNone/>
+              <a:defRPr sz="2600" b="0" i="0" u="none" strike="noStrike" cap="none">
+                <a:solidFill>
+                  <a:schemeClr val="dk1"/>
+                </a:solidFill>
+                <a:latin typeface="Inter Medium"/>
+                <a:ea typeface="Inter Medium"/>
+                <a:cs typeface="Inter Medium"/>
+                <a:sym typeface="Inter Medium"/>
+              </a:defRPr>
+            </a:lvl6pPr>
+            <a:lvl7pPr marR="0" lvl="6" algn="l" rtl="0">
+              <a:lnSpc>
+                <a:spcPct val="100000"/>
+              </a:lnSpc>
+              <a:spcBef>
+                <a:spcPts val="0"/>
+              </a:spcBef>
+              <a:spcAft>
+                <a:spcPts val="0"/>
+              </a:spcAft>
+              <a:buClr>
+                <a:schemeClr val="dk1"/>
+              </a:buClr>
+              <a:buSzPts val="2600"/>
+              <a:buFont typeface="Inter Medium"/>
+              <a:buNone/>
+              <a:defRPr sz="2600" b="0" i="0" u="none" strike="noStrike" cap="none">
+                <a:solidFill>
+                  <a:schemeClr val="dk1"/>
+                </a:solidFill>
+                <a:latin typeface="Inter Medium"/>
+                <a:ea typeface="Inter Medium"/>
+                <a:cs typeface="Inter Medium"/>
+                <a:sym typeface="Inter Medium"/>
+              </a:defRPr>
+            </a:lvl7pPr>
+            <a:lvl8pPr marR="0" lvl="7" algn="l" rtl="0">
+              <a:lnSpc>
+                <a:spcPct val="100000"/>
+              </a:lnSpc>
+              <a:spcBef>
+                <a:spcPts val="0"/>
+              </a:spcBef>
+              <a:spcAft>
+                <a:spcPts val="0"/>
+              </a:spcAft>
+              <a:buClr>
+                <a:schemeClr val="dk1"/>
+              </a:buClr>
+              <a:buSzPts val="2600"/>
+              <a:buFont typeface="Inter Medium"/>
+              <a:buNone/>
+              <a:defRPr sz="2600" b="0" i="0" u="none" strike="noStrike" cap="none">
+                <a:solidFill>
+                  <a:schemeClr val="dk1"/>
+                </a:solidFill>
+                <a:latin typeface="Inter Medium"/>
+                <a:ea typeface="Inter Medium"/>
+                <a:cs typeface="Inter Medium"/>
+                <a:sym typeface="Inter Medium"/>
+              </a:defRPr>
+            </a:lvl8pPr>
+            <a:lvl9pPr marR="0" lvl="8" algn="l" rtl="0">
+              <a:lnSpc>
+                <a:spcPct val="100000"/>
+              </a:lnSpc>
+              <a:spcBef>
+                <a:spcPts val="0"/>
+              </a:spcBef>
+              <a:spcAft>
+                <a:spcPts val="0"/>
+              </a:spcAft>
+              <a:buClr>
+                <a:schemeClr val="dk1"/>
+              </a:buClr>
+              <a:buSzPts val="2600"/>
+              <a:buFont typeface="Inter Medium"/>
+              <a:buNone/>
+              <a:defRPr sz="2600" b="0" i="0" u="none" strike="noStrike" cap="none">
+                <a:solidFill>
+                  <a:schemeClr val="dk1"/>
+                </a:solidFill>
+                <a:latin typeface="Inter Medium"/>
+                <a:ea typeface="Inter Medium"/>
+                <a:cs typeface="Inter Medium"/>
+                <a:sym typeface="Inter Medium"/>
+              </a:defRPr>
+            </a:lvl9pPr>
+          </a:lstStyle>
+          <a:p>
+            <a:r>
+              <a:rPr lang="fr-FR" sz="1600" b="1" dirty="0"/>
+              <a:t>Nuage de données :</a:t>
+            </a:r>
+          </a:p>
+        </p:txBody>
+      </p:sp>
+      <p:sp>
+        <p:nvSpPr>
+          <p:cNvPr id="8" name="Google Shape;183;p31">
+            <a:extLst>
+              <a:ext uri="{FF2B5EF4-FFF2-40B4-BE49-F238E27FC236}">
+                <a16:creationId xmlns:a16="http://schemas.microsoft.com/office/drawing/2014/main" id="{7955B1E8-619E-0264-D198-CB7118FD9A08}"/>
+              </a:ext>
+            </a:extLst>
+          </p:cNvPr>
+          <p:cNvSpPr txBox="1">
+            <a:spLocks noGrp="1"/>
+          </p:cNvSpPr>
+          <p:nvPr>
+            <p:ph type="subTitle" idx="1"/>
+          </p:nvPr>
+        </p:nvSpPr>
+        <p:spPr>
+          <a:xfrm>
+            <a:off x="54880" y="1922743"/>
+            <a:ext cx="4517121" cy="1891625"/>
+          </a:xfrm>
+          <a:prstGeom prst="rect">
+            <a:avLst/>
+          </a:prstGeom>
+        </p:spPr>
+        <p:txBody>
+          <a:bodyPr spcFirstLastPara="1" wrap="square" lIns="91425" tIns="91425" rIns="91425" bIns="91425" anchor="t" anchorCtr="0">
+            <a:noAutofit/>
+          </a:bodyPr>
+          <a:lstStyle/>
+          <a:p>
+            <a:r>
+              <a:rPr lang="fr-BE" sz="1600" dirty="0"/>
+              <a:t>Le </a:t>
+            </a:r>
+            <a:r>
+              <a:rPr lang="fr-BE" sz="1600" b="1" dirty="0"/>
+              <a:t>nuage de données</a:t>
+            </a:r>
+            <a:r>
+              <a:rPr lang="fr-BE" sz="1600" dirty="0"/>
+              <a:t> permet de visualiser la répartition des observations dans l’espace des variables. Après l’ACP, Il montre comment les patientes se groupent en fonction des principales composantes, facilitant l’interprétation des profils à risque.</a:t>
+            </a:r>
+          </a:p>
+        </p:txBody>
+      </p:sp>
+      <p:pic>
+        <p:nvPicPr>
+          <p:cNvPr id="4" name="Picture 3">
+            <a:extLst>
+              <a:ext uri="{FF2B5EF4-FFF2-40B4-BE49-F238E27FC236}">
+                <a16:creationId xmlns:a16="http://schemas.microsoft.com/office/drawing/2014/main" id="{1EC3EEAE-835A-9CCF-ED04-16E06B26912A}"/>
+              </a:ext>
+            </a:extLst>
+          </p:cNvPr>
+          <p:cNvPicPr>
+            <a:picLocks noChangeAspect="1"/>
+          </p:cNvPicPr>
+          <p:nvPr/>
+        </p:nvPicPr>
+        <p:blipFill>
+          <a:blip r:embed="rId3"/>
+          <a:srcRect l="3096" t="6149" r="8096" b="-476"/>
+          <a:stretch/>
+        </p:blipFill>
+        <p:spPr>
+          <a:xfrm>
+            <a:off x="4865534" y="999670"/>
+            <a:ext cx="3965585" cy="3144159"/>
+          </a:xfrm>
+          <a:prstGeom prst="rect">
+            <a:avLst/>
+          </a:prstGeom>
+        </p:spPr>
+      </p:pic>
+    </p:spTree>
+    <p:extLst>
+      <p:ext uri="{BB962C8B-B14F-4D97-AF65-F5344CB8AC3E}">
+        <p14:creationId xmlns:p14="http://schemas.microsoft.com/office/powerpoint/2010/main" val="2015146317"/>
+      </p:ext>
+    </p:extLst>
+  </p:cSld>
+  <p:clrMapOvr>
+    <a:masterClrMapping/>
+  </p:clrMapOvr>
+</p:sld>
+</file>
+
+<file path=ppt/slides/slide17.xml><?xml version="1.0" encoding="utf-8"?>
+<p:sld xmlns:a="http://schemas.openxmlformats.org/drawingml/2006/main" xmlns:r="http://schemas.openxmlformats.org/officeDocument/2006/relationships" xmlns:p="http://schemas.openxmlformats.org/presentationml/2006/main">
+  <p:cSld>
+    <p:spTree>
+      <p:nvGrpSpPr>
+        <p:cNvPr id="1" name="Shape 177">
+          <a:extLst>
+            <a:ext uri="{FF2B5EF4-FFF2-40B4-BE49-F238E27FC236}">
+              <a16:creationId xmlns:a16="http://schemas.microsoft.com/office/drawing/2014/main" id="{8E107377-7611-99A3-EF8A-8DA4073679FB}"/>
+            </a:ext>
+          </a:extLst>
+        </p:cNvPr>
+        <p:cNvGrpSpPr/>
+        <p:nvPr/>
+      </p:nvGrpSpPr>
+      <p:grpSpPr>
+        <a:xfrm>
+          <a:off x="0" y="0"/>
+          <a:ext cx="0" cy="0"/>
+          <a:chOff x="0" y="0"/>
+          <a:chExt cx="0" cy="0"/>
+        </a:xfrm>
+      </p:grpSpPr>
+      <p:sp>
+        <p:nvSpPr>
+          <p:cNvPr id="182" name="Google Shape;182;p31">
+            <a:extLst>
+              <a:ext uri="{FF2B5EF4-FFF2-40B4-BE49-F238E27FC236}">
+                <a16:creationId xmlns:a16="http://schemas.microsoft.com/office/drawing/2014/main" id="{4A571940-A137-49CE-22D7-88C552C7C4E2}"/>
+              </a:ext>
+            </a:extLst>
+          </p:cNvPr>
+          <p:cNvSpPr txBox="1">
+            <a:spLocks noGrp="1"/>
+          </p:cNvSpPr>
+          <p:nvPr>
+            <p:ph type="title"/>
+          </p:nvPr>
+        </p:nvSpPr>
+        <p:spPr>
+          <a:xfrm>
+            <a:off x="713225" y="448050"/>
+            <a:ext cx="3681300" cy="576000"/>
+          </a:xfrm>
+          <a:prstGeom prst="rect">
+            <a:avLst/>
+          </a:prstGeom>
+        </p:spPr>
+        <p:txBody>
+          <a:bodyPr spcFirstLastPara="1" wrap="square" lIns="91425" tIns="91425" rIns="91425" bIns="91425" anchor="t" anchorCtr="0">
+            <a:noAutofit/>
+          </a:bodyPr>
+          <a:lstStyle/>
+          <a:p>
+            <a:pPr marL="0" lvl="0" indent="0" algn="l" rtl="0">
+              <a:spcBef>
+                <a:spcPts val="0"/>
+              </a:spcBef>
+              <a:spcAft>
+                <a:spcPts val="0"/>
+              </a:spcAft>
+              <a:buNone/>
+            </a:pPr>
+            <a:r>
+              <a:rPr lang="en" b="1" dirty="0"/>
+              <a:t>Application :</a:t>
+            </a:r>
+            <a:endParaRPr b="1" dirty="0"/>
+          </a:p>
+        </p:txBody>
+      </p:sp>
+      <p:sp>
+        <p:nvSpPr>
+          <p:cNvPr id="2" name="Google Shape;182;p31">
+            <a:extLst>
+              <a:ext uri="{FF2B5EF4-FFF2-40B4-BE49-F238E27FC236}">
+                <a16:creationId xmlns:a16="http://schemas.microsoft.com/office/drawing/2014/main" id="{643F3EF1-66D3-14E4-7398-42D5F1A3DB14}"/>
+              </a:ext>
+            </a:extLst>
+          </p:cNvPr>
+          <p:cNvSpPr txBox="1">
+            <a:spLocks/>
+          </p:cNvSpPr>
+          <p:nvPr/>
+        </p:nvSpPr>
+        <p:spPr>
+          <a:xfrm>
+            <a:off x="309506" y="1263136"/>
+            <a:ext cx="3681300" cy="576000"/>
+          </a:xfrm>
+          <a:prstGeom prst="rect">
+            <a:avLst/>
+          </a:prstGeom>
+          <a:noFill/>
+          <a:ln>
+            <a:noFill/>
+          </a:ln>
+        </p:spPr>
+        <p:txBody>
+          <a:bodyPr spcFirstLastPara="1" wrap="square" lIns="91425" tIns="91425" rIns="91425" bIns="91425" anchor="t" anchorCtr="0">
+            <a:noAutofit/>
+          </a:bodyPr>
+          <a:lstStyle>
+            <a:defPPr marR="0" lvl="0" algn="l" rtl="0">
+              <a:lnSpc>
+                <a:spcPct val="100000"/>
+              </a:lnSpc>
+              <a:spcBef>
+                <a:spcPts val="0"/>
+              </a:spcBef>
+              <a:spcAft>
+                <a:spcPts val="0"/>
+              </a:spcAft>
+            </a:defPPr>
+            <a:lvl1pPr marR="0" lvl="0" algn="l" rtl="0">
+              <a:lnSpc>
+                <a:spcPct val="100000"/>
+              </a:lnSpc>
+              <a:spcBef>
+                <a:spcPts val="0"/>
+              </a:spcBef>
+              <a:spcAft>
+                <a:spcPts val="0"/>
+              </a:spcAft>
+              <a:buClr>
+                <a:schemeClr val="dk1"/>
+              </a:buClr>
+              <a:buSzPts val="2600"/>
+              <a:buFont typeface="Inter Medium"/>
+              <a:buNone/>
+              <a:defRPr sz="2600" b="0" i="0" u="none" strike="noStrike" cap="none">
+                <a:solidFill>
+                  <a:schemeClr val="dk1"/>
+                </a:solidFill>
+                <a:latin typeface="Inter Medium"/>
+                <a:ea typeface="Inter Medium"/>
+                <a:cs typeface="Inter Medium"/>
+                <a:sym typeface="Inter Medium"/>
+              </a:defRPr>
+            </a:lvl1pPr>
+            <a:lvl2pPr marR="0" lvl="1" algn="l" rtl="0">
+              <a:lnSpc>
+                <a:spcPct val="100000"/>
+              </a:lnSpc>
+              <a:spcBef>
+                <a:spcPts val="0"/>
+              </a:spcBef>
+              <a:spcAft>
+                <a:spcPts val="0"/>
+              </a:spcAft>
+              <a:buClr>
+                <a:schemeClr val="dk1"/>
+              </a:buClr>
+              <a:buSzPts val="2600"/>
+              <a:buFont typeface="Inter Medium"/>
+              <a:buNone/>
+              <a:defRPr sz="2600" b="0" i="0" u="none" strike="noStrike" cap="none">
+                <a:solidFill>
+                  <a:schemeClr val="dk1"/>
+                </a:solidFill>
+                <a:latin typeface="Inter Medium"/>
+                <a:ea typeface="Inter Medium"/>
+                <a:cs typeface="Inter Medium"/>
+                <a:sym typeface="Inter Medium"/>
+              </a:defRPr>
+            </a:lvl2pPr>
+            <a:lvl3pPr marR="0" lvl="2" algn="l" rtl="0">
+              <a:lnSpc>
+                <a:spcPct val="100000"/>
+              </a:lnSpc>
+              <a:spcBef>
+                <a:spcPts val="0"/>
+              </a:spcBef>
+              <a:spcAft>
+                <a:spcPts val="0"/>
+              </a:spcAft>
+              <a:buClr>
+                <a:schemeClr val="dk1"/>
+              </a:buClr>
+              <a:buSzPts val="2600"/>
+              <a:buFont typeface="Inter Medium"/>
+              <a:buNone/>
+              <a:defRPr sz="2600" b="0" i="0" u="none" strike="noStrike" cap="none">
+                <a:solidFill>
+                  <a:schemeClr val="dk1"/>
+                </a:solidFill>
+                <a:latin typeface="Inter Medium"/>
+                <a:ea typeface="Inter Medium"/>
+                <a:cs typeface="Inter Medium"/>
+                <a:sym typeface="Inter Medium"/>
+              </a:defRPr>
+            </a:lvl3pPr>
+            <a:lvl4pPr marR="0" lvl="3" algn="l" rtl="0">
+              <a:lnSpc>
+                <a:spcPct val="100000"/>
+              </a:lnSpc>
+              <a:spcBef>
+                <a:spcPts val="0"/>
+              </a:spcBef>
+              <a:spcAft>
+                <a:spcPts val="0"/>
+              </a:spcAft>
+              <a:buClr>
+                <a:schemeClr val="dk1"/>
+              </a:buClr>
+              <a:buSzPts val="2600"/>
+              <a:buFont typeface="Inter Medium"/>
+              <a:buNone/>
+              <a:defRPr sz="2600" b="0" i="0" u="none" strike="noStrike" cap="none">
+                <a:solidFill>
+                  <a:schemeClr val="dk1"/>
+                </a:solidFill>
+                <a:latin typeface="Inter Medium"/>
+                <a:ea typeface="Inter Medium"/>
+                <a:cs typeface="Inter Medium"/>
+                <a:sym typeface="Inter Medium"/>
+              </a:defRPr>
+            </a:lvl4pPr>
+            <a:lvl5pPr marR="0" lvl="4" algn="l" rtl="0">
+              <a:lnSpc>
+                <a:spcPct val="100000"/>
+              </a:lnSpc>
+              <a:spcBef>
+                <a:spcPts val="0"/>
+              </a:spcBef>
+              <a:spcAft>
+                <a:spcPts val="0"/>
+              </a:spcAft>
+              <a:buClr>
+                <a:schemeClr val="dk1"/>
+              </a:buClr>
+              <a:buSzPts val="2600"/>
+              <a:buFont typeface="Inter Medium"/>
+              <a:buNone/>
+              <a:defRPr sz="2600" b="0" i="0" u="none" strike="noStrike" cap="none">
+                <a:solidFill>
+                  <a:schemeClr val="dk1"/>
+                </a:solidFill>
+                <a:latin typeface="Inter Medium"/>
+                <a:ea typeface="Inter Medium"/>
+                <a:cs typeface="Inter Medium"/>
+                <a:sym typeface="Inter Medium"/>
+              </a:defRPr>
+            </a:lvl5pPr>
+            <a:lvl6pPr marR="0" lvl="5" algn="l" rtl="0">
+              <a:lnSpc>
+                <a:spcPct val="100000"/>
+              </a:lnSpc>
+              <a:spcBef>
+                <a:spcPts val="0"/>
+              </a:spcBef>
+              <a:spcAft>
+                <a:spcPts val="0"/>
+              </a:spcAft>
+              <a:buClr>
+                <a:schemeClr val="dk1"/>
+              </a:buClr>
+              <a:buSzPts val="2600"/>
+              <a:buFont typeface="Inter Medium"/>
+              <a:buNone/>
+              <a:defRPr sz="2600" b="0" i="0" u="none" strike="noStrike" cap="none">
+                <a:solidFill>
+                  <a:schemeClr val="dk1"/>
+                </a:solidFill>
+                <a:latin typeface="Inter Medium"/>
+                <a:ea typeface="Inter Medium"/>
+                <a:cs typeface="Inter Medium"/>
+                <a:sym typeface="Inter Medium"/>
+              </a:defRPr>
+            </a:lvl6pPr>
+            <a:lvl7pPr marR="0" lvl="6" algn="l" rtl="0">
+              <a:lnSpc>
+                <a:spcPct val="100000"/>
+              </a:lnSpc>
+              <a:spcBef>
+                <a:spcPts val="0"/>
+              </a:spcBef>
+              <a:spcAft>
+                <a:spcPts val="0"/>
+              </a:spcAft>
+              <a:buClr>
+                <a:schemeClr val="dk1"/>
+              </a:buClr>
+              <a:buSzPts val="2600"/>
+              <a:buFont typeface="Inter Medium"/>
+              <a:buNone/>
+              <a:defRPr sz="2600" b="0" i="0" u="none" strike="noStrike" cap="none">
+                <a:solidFill>
+                  <a:schemeClr val="dk1"/>
+                </a:solidFill>
+                <a:latin typeface="Inter Medium"/>
+                <a:ea typeface="Inter Medium"/>
+                <a:cs typeface="Inter Medium"/>
+                <a:sym typeface="Inter Medium"/>
+              </a:defRPr>
+            </a:lvl7pPr>
+            <a:lvl8pPr marR="0" lvl="7" algn="l" rtl="0">
+              <a:lnSpc>
+                <a:spcPct val="100000"/>
+              </a:lnSpc>
+              <a:spcBef>
+                <a:spcPts val="0"/>
+              </a:spcBef>
+              <a:spcAft>
+                <a:spcPts val="0"/>
+              </a:spcAft>
+              <a:buClr>
+                <a:schemeClr val="dk1"/>
+              </a:buClr>
+              <a:buSzPts val="2600"/>
+              <a:buFont typeface="Inter Medium"/>
+              <a:buNone/>
+              <a:defRPr sz="2600" b="0" i="0" u="none" strike="noStrike" cap="none">
+                <a:solidFill>
+                  <a:schemeClr val="dk1"/>
+                </a:solidFill>
+                <a:latin typeface="Inter Medium"/>
+                <a:ea typeface="Inter Medium"/>
+                <a:cs typeface="Inter Medium"/>
+                <a:sym typeface="Inter Medium"/>
+              </a:defRPr>
+            </a:lvl8pPr>
+            <a:lvl9pPr marR="0" lvl="8" algn="l" rtl="0">
+              <a:lnSpc>
+                <a:spcPct val="100000"/>
+              </a:lnSpc>
+              <a:spcBef>
+                <a:spcPts val="0"/>
+              </a:spcBef>
+              <a:spcAft>
+                <a:spcPts val="0"/>
+              </a:spcAft>
+              <a:buClr>
+                <a:schemeClr val="dk1"/>
+              </a:buClr>
+              <a:buSzPts val="2600"/>
+              <a:buFont typeface="Inter Medium"/>
+              <a:buNone/>
+              <a:defRPr sz="2600" b="0" i="0" u="none" strike="noStrike" cap="none">
+                <a:solidFill>
+                  <a:schemeClr val="dk1"/>
+                </a:solidFill>
+                <a:latin typeface="Inter Medium"/>
+                <a:ea typeface="Inter Medium"/>
+                <a:cs typeface="Inter Medium"/>
+                <a:sym typeface="Inter Medium"/>
+              </a:defRPr>
+            </a:lvl9pPr>
+          </a:lstStyle>
+          <a:p>
+            <a:r>
+              <a:rPr lang="fr-FR" sz="1600" b="1" dirty="0"/>
+              <a:t>Cercle de corrélation :</a:t>
+            </a:r>
+          </a:p>
+        </p:txBody>
+      </p:sp>
+      <p:sp>
+        <p:nvSpPr>
+          <p:cNvPr id="8" name="Google Shape;183;p31">
+            <a:extLst>
+              <a:ext uri="{FF2B5EF4-FFF2-40B4-BE49-F238E27FC236}">
+                <a16:creationId xmlns:a16="http://schemas.microsoft.com/office/drawing/2014/main" id="{0EA69C56-A210-771F-5BF1-5F7EC077204F}"/>
+              </a:ext>
+            </a:extLst>
+          </p:cNvPr>
+          <p:cNvSpPr txBox="1">
+            <a:spLocks noGrp="1"/>
+          </p:cNvSpPr>
+          <p:nvPr>
+            <p:ph type="subTitle" idx="1"/>
+          </p:nvPr>
+        </p:nvSpPr>
+        <p:spPr>
+          <a:xfrm>
+            <a:off x="126178" y="1778400"/>
+            <a:ext cx="3334127" cy="2657851"/>
+          </a:xfrm>
+          <a:prstGeom prst="rect">
+            <a:avLst/>
+          </a:prstGeom>
+        </p:spPr>
+        <p:txBody>
+          <a:bodyPr spcFirstLastPara="1" wrap="square" lIns="91425" tIns="91425" rIns="91425" bIns="91425" anchor="t" anchorCtr="0">
+            <a:noAutofit/>
+          </a:bodyPr>
+          <a:lstStyle/>
+          <a:p>
+            <a:r>
+              <a:rPr lang="fr-BE" sz="1400" dirty="0"/>
+              <a:t>Le </a:t>
+            </a:r>
+            <a:r>
+              <a:rPr lang="fr-BE" sz="1400" b="1" dirty="0"/>
+              <a:t>cercle de corrélation</a:t>
+            </a:r>
+            <a:r>
+              <a:rPr lang="fr-BE" sz="1400" dirty="0"/>
+              <a:t> représente les variables dans un espace réduit. Il permet de visualiser comment chaque variable contribue aux composantes principales et d'identifier les relations entre elles.</a:t>
+            </a:r>
+          </a:p>
+        </p:txBody>
+      </p:sp>
+      <p:pic>
+        <p:nvPicPr>
+          <p:cNvPr id="5" name="Picture 4">
+            <a:extLst>
+              <a:ext uri="{FF2B5EF4-FFF2-40B4-BE49-F238E27FC236}">
+                <a16:creationId xmlns:a16="http://schemas.microsoft.com/office/drawing/2014/main" id="{968D6DC7-9738-8E6E-0618-12AD8D6364C2}"/>
+              </a:ext>
+            </a:extLst>
+          </p:cNvPr>
+          <p:cNvPicPr>
+            <a:picLocks noChangeAspect="1"/>
+          </p:cNvPicPr>
+          <p:nvPr/>
+        </p:nvPicPr>
+        <p:blipFill>
+          <a:blip r:embed="rId3"/>
+          <a:stretch>
+            <a:fillRect/>
+          </a:stretch>
+        </p:blipFill>
+        <p:spPr>
+          <a:xfrm>
+            <a:off x="3590070" y="1367038"/>
+            <a:ext cx="2552534" cy="2571441"/>
+          </a:xfrm>
+          <a:prstGeom prst="rect">
+            <a:avLst/>
+          </a:prstGeom>
+        </p:spPr>
+      </p:pic>
+      <p:pic>
+        <p:nvPicPr>
+          <p:cNvPr id="9" name="Picture 8">
+            <a:extLst>
+              <a:ext uri="{FF2B5EF4-FFF2-40B4-BE49-F238E27FC236}">
+                <a16:creationId xmlns:a16="http://schemas.microsoft.com/office/drawing/2014/main" id="{BA8E008A-2DA9-5B19-CAC7-DDDB59BE53C7}"/>
+              </a:ext>
+            </a:extLst>
+          </p:cNvPr>
+          <p:cNvPicPr>
+            <a:picLocks noChangeAspect="1"/>
+          </p:cNvPicPr>
+          <p:nvPr/>
+        </p:nvPicPr>
+        <p:blipFill>
+          <a:blip r:embed="rId4"/>
+          <a:stretch>
+            <a:fillRect/>
+          </a:stretch>
+        </p:blipFill>
+        <p:spPr>
+          <a:xfrm>
+            <a:off x="6142604" y="1367038"/>
+            <a:ext cx="2697436" cy="2571441"/>
+          </a:xfrm>
+          <a:prstGeom prst="rect">
+            <a:avLst/>
+          </a:prstGeom>
+        </p:spPr>
+      </p:pic>
+    </p:spTree>
+    <p:extLst>
+      <p:ext uri="{BB962C8B-B14F-4D97-AF65-F5344CB8AC3E}">
+        <p14:creationId xmlns:p14="http://schemas.microsoft.com/office/powerpoint/2010/main" val="3522899627"/>
+      </p:ext>
+    </p:extLst>
+  </p:cSld>
+  <p:clrMapOvr>
+    <a:masterClrMapping/>
+  </p:clrMapOvr>
+</p:sld>
+</file>
+
+<file path=ppt/slides/slide18.xml><?xml version="1.0" encoding="utf-8"?>
+<p:sld xmlns:a="http://schemas.openxmlformats.org/drawingml/2006/main" xmlns:r="http://schemas.openxmlformats.org/officeDocument/2006/relationships" xmlns:p="http://schemas.openxmlformats.org/presentationml/2006/main">
+  <p:cSld>
+    <p:spTree>
+      <p:nvGrpSpPr>
+        <p:cNvPr id="1" name="Shape 177">
+          <a:extLst>
+            <a:ext uri="{FF2B5EF4-FFF2-40B4-BE49-F238E27FC236}">
+              <a16:creationId xmlns:a16="http://schemas.microsoft.com/office/drawing/2014/main" id="{5E9E871C-CE99-6840-7087-30A0A77590EB}"/>
+            </a:ext>
+          </a:extLst>
+        </p:cNvPr>
+        <p:cNvGrpSpPr/>
+        <p:nvPr/>
+      </p:nvGrpSpPr>
+      <p:grpSpPr>
+        <a:xfrm>
+          <a:off x="0" y="0"/>
+          <a:ext cx="0" cy="0"/>
+          <a:chOff x="0" y="0"/>
+          <a:chExt cx="0" cy="0"/>
+        </a:xfrm>
+      </p:grpSpPr>
+      <p:sp>
+        <p:nvSpPr>
+          <p:cNvPr id="182" name="Google Shape;182;p31">
+            <a:extLst>
+              <a:ext uri="{FF2B5EF4-FFF2-40B4-BE49-F238E27FC236}">
+                <a16:creationId xmlns:a16="http://schemas.microsoft.com/office/drawing/2014/main" id="{64E01DA0-5706-40C2-3A8E-0954FFC422B5}"/>
+              </a:ext>
+            </a:extLst>
+          </p:cNvPr>
+          <p:cNvSpPr txBox="1">
+            <a:spLocks noGrp="1"/>
+          </p:cNvSpPr>
+          <p:nvPr>
+            <p:ph type="title"/>
+          </p:nvPr>
+        </p:nvSpPr>
+        <p:spPr>
+          <a:xfrm>
+            <a:off x="713225" y="448050"/>
+            <a:ext cx="3681300" cy="576000"/>
+          </a:xfrm>
+          <a:prstGeom prst="rect">
+            <a:avLst/>
+          </a:prstGeom>
+        </p:spPr>
+        <p:txBody>
+          <a:bodyPr spcFirstLastPara="1" wrap="square" lIns="91425" tIns="91425" rIns="91425" bIns="91425" anchor="t" anchorCtr="0">
+            <a:noAutofit/>
+          </a:bodyPr>
+          <a:lstStyle/>
+          <a:p>
+            <a:pPr marL="0" lvl="0" indent="0" algn="l" rtl="0">
+              <a:spcBef>
+                <a:spcPts val="0"/>
+              </a:spcBef>
+              <a:spcAft>
+                <a:spcPts val="0"/>
+              </a:spcAft>
+              <a:buNone/>
+            </a:pPr>
+            <a:r>
+              <a:rPr lang="en" b="1" dirty="0"/>
+              <a:t>Application :</a:t>
+            </a:r>
+            <a:endParaRPr b="1" dirty="0"/>
+          </a:p>
+        </p:txBody>
+      </p:sp>
+      <p:sp>
+        <p:nvSpPr>
+          <p:cNvPr id="2" name="Google Shape;182;p31">
+            <a:extLst>
+              <a:ext uri="{FF2B5EF4-FFF2-40B4-BE49-F238E27FC236}">
+                <a16:creationId xmlns:a16="http://schemas.microsoft.com/office/drawing/2014/main" id="{5BD095FE-F150-43D1-6833-9C46E066A401}"/>
+              </a:ext>
+            </a:extLst>
+          </p:cNvPr>
+          <p:cNvSpPr txBox="1">
+            <a:spLocks/>
+          </p:cNvSpPr>
+          <p:nvPr/>
+        </p:nvSpPr>
+        <p:spPr>
+          <a:xfrm>
+            <a:off x="404322" y="1229790"/>
+            <a:ext cx="3681300" cy="576000"/>
+          </a:xfrm>
+          <a:prstGeom prst="rect">
+            <a:avLst/>
+          </a:prstGeom>
+          <a:noFill/>
+          <a:ln>
+            <a:noFill/>
+          </a:ln>
+        </p:spPr>
+        <p:txBody>
+          <a:bodyPr spcFirstLastPara="1" wrap="square" lIns="91425" tIns="91425" rIns="91425" bIns="91425" anchor="t" anchorCtr="0">
+            <a:noAutofit/>
+          </a:bodyPr>
+          <a:lstStyle>
+            <a:defPPr marR="0" lvl="0" algn="l" rtl="0">
+              <a:lnSpc>
+                <a:spcPct val="100000"/>
+              </a:lnSpc>
+              <a:spcBef>
+                <a:spcPts val="0"/>
+              </a:spcBef>
+              <a:spcAft>
+                <a:spcPts val="0"/>
+              </a:spcAft>
+            </a:defPPr>
+            <a:lvl1pPr marR="0" lvl="0" algn="l" rtl="0">
+              <a:lnSpc>
+                <a:spcPct val="100000"/>
+              </a:lnSpc>
+              <a:spcBef>
+                <a:spcPts val="0"/>
+              </a:spcBef>
+              <a:spcAft>
+                <a:spcPts val="0"/>
+              </a:spcAft>
+              <a:buClr>
+                <a:schemeClr val="dk1"/>
+              </a:buClr>
+              <a:buSzPts val="2600"/>
+              <a:buFont typeface="Inter Medium"/>
+              <a:buNone/>
+              <a:defRPr sz="2600" b="0" i="0" u="none" strike="noStrike" cap="none">
+                <a:solidFill>
+                  <a:schemeClr val="dk1"/>
+                </a:solidFill>
+                <a:latin typeface="Inter Medium"/>
+                <a:ea typeface="Inter Medium"/>
+                <a:cs typeface="Inter Medium"/>
+                <a:sym typeface="Inter Medium"/>
+              </a:defRPr>
+            </a:lvl1pPr>
+            <a:lvl2pPr marR="0" lvl="1" algn="l" rtl="0">
+              <a:lnSpc>
+                <a:spcPct val="100000"/>
+              </a:lnSpc>
+              <a:spcBef>
+                <a:spcPts val="0"/>
+              </a:spcBef>
+              <a:spcAft>
+                <a:spcPts val="0"/>
+              </a:spcAft>
+              <a:buClr>
+                <a:schemeClr val="dk1"/>
+              </a:buClr>
+              <a:buSzPts val="2600"/>
+              <a:buFont typeface="Inter Medium"/>
+              <a:buNone/>
+              <a:defRPr sz="2600" b="0" i="0" u="none" strike="noStrike" cap="none">
+                <a:solidFill>
+                  <a:schemeClr val="dk1"/>
+                </a:solidFill>
+                <a:latin typeface="Inter Medium"/>
+                <a:ea typeface="Inter Medium"/>
+                <a:cs typeface="Inter Medium"/>
+                <a:sym typeface="Inter Medium"/>
+              </a:defRPr>
+            </a:lvl2pPr>
+            <a:lvl3pPr marR="0" lvl="2" algn="l" rtl="0">
+              <a:lnSpc>
+                <a:spcPct val="100000"/>
+              </a:lnSpc>
+              <a:spcBef>
+                <a:spcPts val="0"/>
+              </a:spcBef>
+              <a:spcAft>
+                <a:spcPts val="0"/>
+              </a:spcAft>
+              <a:buClr>
+                <a:schemeClr val="dk1"/>
+              </a:buClr>
+              <a:buSzPts val="2600"/>
+              <a:buFont typeface="Inter Medium"/>
+              <a:buNone/>
+              <a:defRPr sz="2600" b="0" i="0" u="none" strike="noStrike" cap="none">
+                <a:solidFill>
+                  <a:schemeClr val="dk1"/>
+                </a:solidFill>
+                <a:latin typeface="Inter Medium"/>
+                <a:ea typeface="Inter Medium"/>
+                <a:cs typeface="Inter Medium"/>
+                <a:sym typeface="Inter Medium"/>
+              </a:defRPr>
+            </a:lvl3pPr>
+            <a:lvl4pPr marR="0" lvl="3" algn="l" rtl="0">
+              <a:lnSpc>
+                <a:spcPct val="100000"/>
+              </a:lnSpc>
+              <a:spcBef>
+                <a:spcPts val="0"/>
+              </a:spcBef>
+              <a:spcAft>
+                <a:spcPts val="0"/>
+              </a:spcAft>
+              <a:buClr>
+                <a:schemeClr val="dk1"/>
+              </a:buClr>
+              <a:buSzPts val="2600"/>
+              <a:buFont typeface="Inter Medium"/>
+              <a:buNone/>
+              <a:defRPr sz="2600" b="0" i="0" u="none" strike="noStrike" cap="none">
+                <a:solidFill>
+                  <a:schemeClr val="dk1"/>
+                </a:solidFill>
+                <a:latin typeface="Inter Medium"/>
+                <a:ea typeface="Inter Medium"/>
+                <a:cs typeface="Inter Medium"/>
+                <a:sym typeface="Inter Medium"/>
+              </a:defRPr>
+            </a:lvl4pPr>
+            <a:lvl5pPr marR="0" lvl="4" algn="l" rtl="0">
+              <a:lnSpc>
+                <a:spcPct val="100000"/>
+              </a:lnSpc>
+              <a:spcBef>
+                <a:spcPts val="0"/>
+              </a:spcBef>
+              <a:spcAft>
+                <a:spcPts val="0"/>
+              </a:spcAft>
+              <a:buClr>
+                <a:schemeClr val="dk1"/>
+              </a:buClr>
+              <a:buSzPts val="2600"/>
+              <a:buFont typeface="Inter Medium"/>
+              <a:buNone/>
+              <a:defRPr sz="2600" b="0" i="0" u="none" strike="noStrike" cap="none">
+                <a:solidFill>
+                  <a:schemeClr val="dk1"/>
+                </a:solidFill>
+                <a:latin typeface="Inter Medium"/>
+                <a:ea typeface="Inter Medium"/>
+                <a:cs typeface="Inter Medium"/>
+                <a:sym typeface="Inter Medium"/>
+              </a:defRPr>
+            </a:lvl5pPr>
+            <a:lvl6pPr marR="0" lvl="5" algn="l" rtl="0">
+              <a:lnSpc>
+                <a:spcPct val="100000"/>
+              </a:lnSpc>
+              <a:spcBef>
+                <a:spcPts val="0"/>
+              </a:spcBef>
+              <a:spcAft>
+                <a:spcPts val="0"/>
+              </a:spcAft>
+              <a:buClr>
+                <a:schemeClr val="dk1"/>
+              </a:buClr>
+              <a:buSzPts val="2600"/>
+              <a:buFont typeface="Inter Medium"/>
+              <a:buNone/>
+              <a:defRPr sz="2600" b="0" i="0" u="none" strike="noStrike" cap="none">
+                <a:solidFill>
+                  <a:schemeClr val="dk1"/>
+                </a:solidFill>
+                <a:latin typeface="Inter Medium"/>
+                <a:ea typeface="Inter Medium"/>
+                <a:cs typeface="Inter Medium"/>
+                <a:sym typeface="Inter Medium"/>
+              </a:defRPr>
+            </a:lvl6pPr>
+            <a:lvl7pPr marR="0" lvl="6" algn="l" rtl="0">
+              <a:lnSpc>
+                <a:spcPct val="100000"/>
+              </a:lnSpc>
+              <a:spcBef>
+                <a:spcPts val="0"/>
+              </a:spcBef>
+              <a:spcAft>
+                <a:spcPts val="0"/>
+              </a:spcAft>
+              <a:buClr>
+                <a:schemeClr val="dk1"/>
+              </a:buClr>
+              <a:buSzPts val="2600"/>
+              <a:buFont typeface="Inter Medium"/>
+              <a:buNone/>
+              <a:defRPr sz="2600" b="0" i="0" u="none" strike="noStrike" cap="none">
+                <a:solidFill>
+                  <a:schemeClr val="dk1"/>
+                </a:solidFill>
+                <a:latin typeface="Inter Medium"/>
+                <a:ea typeface="Inter Medium"/>
+                <a:cs typeface="Inter Medium"/>
+                <a:sym typeface="Inter Medium"/>
+              </a:defRPr>
+            </a:lvl7pPr>
+            <a:lvl8pPr marR="0" lvl="7" algn="l" rtl="0">
+              <a:lnSpc>
+                <a:spcPct val="100000"/>
+              </a:lnSpc>
+              <a:spcBef>
+                <a:spcPts val="0"/>
+              </a:spcBef>
+              <a:spcAft>
+                <a:spcPts val="0"/>
+              </a:spcAft>
+              <a:buClr>
+                <a:schemeClr val="dk1"/>
+              </a:buClr>
+              <a:buSzPts val="2600"/>
+              <a:buFont typeface="Inter Medium"/>
+              <a:buNone/>
+              <a:defRPr sz="2600" b="0" i="0" u="none" strike="noStrike" cap="none">
+                <a:solidFill>
+                  <a:schemeClr val="dk1"/>
+                </a:solidFill>
+                <a:latin typeface="Inter Medium"/>
+                <a:ea typeface="Inter Medium"/>
+                <a:cs typeface="Inter Medium"/>
+                <a:sym typeface="Inter Medium"/>
+              </a:defRPr>
+            </a:lvl8pPr>
+            <a:lvl9pPr marR="0" lvl="8" algn="l" rtl="0">
+              <a:lnSpc>
+                <a:spcPct val="100000"/>
+              </a:lnSpc>
+              <a:spcBef>
+                <a:spcPts val="0"/>
+              </a:spcBef>
+              <a:spcAft>
+                <a:spcPts val="0"/>
+              </a:spcAft>
+              <a:buClr>
+                <a:schemeClr val="dk1"/>
+              </a:buClr>
+              <a:buSzPts val="2600"/>
+              <a:buFont typeface="Inter Medium"/>
+              <a:buNone/>
+              <a:defRPr sz="2600" b="0" i="0" u="none" strike="noStrike" cap="none">
+                <a:solidFill>
+                  <a:schemeClr val="dk1"/>
+                </a:solidFill>
+                <a:latin typeface="Inter Medium"/>
+                <a:ea typeface="Inter Medium"/>
+                <a:cs typeface="Inter Medium"/>
+                <a:sym typeface="Inter Medium"/>
+              </a:defRPr>
+            </a:lvl9pPr>
+          </a:lstStyle>
+          <a:p>
+            <a:r>
+              <a:rPr lang="fr-FR" sz="1600" b="1" dirty="0"/>
+              <a:t>Qualité de représentation :</a:t>
+            </a:r>
+          </a:p>
+        </p:txBody>
+      </p:sp>
+      <p:sp>
+        <p:nvSpPr>
+          <p:cNvPr id="8" name="Google Shape;183;p31">
+            <a:extLst>
+              <a:ext uri="{FF2B5EF4-FFF2-40B4-BE49-F238E27FC236}">
+                <a16:creationId xmlns:a16="http://schemas.microsoft.com/office/drawing/2014/main" id="{690F1F15-4834-A46A-FC5D-BF4C66523269}"/>
+              </a:ext>
+            </a:extLst>
+          </p:cNvPr>
+          <p:cNvSpPr txBox="1">
+            <a:spLocks noGrp="1"/>
+          </p:cNvSpPr>
+          <p:nvPr>
+            <p:ph type="subTitle" idx="1"/>
+          </p:nvPr>
+        </p:nvSpPr>
+        <p:spPr>
+          <a:xfrm>
+            <a:off x="261910" y="1805790"/>
+            <a:ext cx="5088760" cy="2657851"/>
+          </a:xfrm>
+          <a:prstGeom prst="rect">
+            <a:avLst/>
+          </a:prstGeom>
+        </p:spPr>
+        <p:txBody>
+          <a:bodyPr spcFirstLastPara="1" wrap="square" lIns="91425" tIns="91425" rIns="91425" bIns="91425" anchor="t" anchorCtr="0">
+            <a:noAutofit/>
+          </a:bodyPr>
+          <a:lstStyle/>
+          <a:p>
+            <a:r>
+              <a:rPr lang="fr-BE" sz="1800" dirty="0"/>
+              <a:t>Le </a:t>
+            </a:r>
+            <a:r>
+              <a:rPr lang="fr-BE" sz="1800" b="1" dirty="0"/>
+              <a:t>tableau de qualité de représentation</a:t>
+            </a:r>
+            <a:r>
+              <a:rPr lang="fr-BE" sz="1800" dirty="0"/>
+              <a:t> évalue l'importance de chaque variable dans les composantes principales. Il aide à comprendre combien chaque variable contribue à la variance expliquée et à la projection des données(dans cet exemple, on prend seulement 10 observations).</a:t>
+            </a:r>
+          </a:p>
+        </p:txBody>
+      </p:sp>
+      <p:pic>
+        <p:nvPicPr>
+          <p:cNvPr id="4" name="Picture 3">
+            <a:extLst>
+              <a:ext uri="{FF2B5EF4-FFF2-40B4-BE49-F238E27FC236}">
+                <a16:creationId xmlns:a16="http://schemas.microsoft.com/office/drawing/2014/main" id="{94BB2E41-9636-40B5-3C19-5E97804AED2A}"/>
+              </a:ext>
+            </a:extLst>
+          </p:cNvPr>
+          <p:cNvPicPr>
+            <a:picLocks noChangeAspect="1"/>
+          </p:cNvPicPr>
+          <p:nvPr/>
+        </p:nvPicPr>
+        <p:blipFill>
+          <a:blip r:embed="rId3"/>
+          <a:srcRect b="43114"/>
+          <a:stretch/>
+        </p:blipFill>
+        <p:spPr>
+          <a:xfrm>
+            <a:off x="6750117" y="448050"/>
+            <a:ext cx="1400605" cy="4087907"/>
+          </a:xfrm>
+          <a:prstGeom prst="rect">
+            <a:avLst/>
+          </a:prstGeom>
+        </p:spPr>
+      </p:pic>
+    </p:spTree>
+    <p:extLst>
+      <p:ext uri="{BB962C8B-B14F-4D97-AF65-F5344CB8AC3E}">
+        <p14:creationId xmlns:p14="http://schemas.microsoft.com/office/powerpoint/2010/main" val="2531775850"/>
+      </p:ext>
+    </p:extLst>
+  </p:cSld>
+  <p:clrMapOvr>
+    <a:masterClrMapping/>
+  </p:clrMapOvr>
+</p:sld>
+</file>
+
+<file path=ppt/slides/slide19.xml><?xml version="1.0" encoding="utf-8"?>
+<p:sld xmlns:a="http://schemas.openxmlformats.org/drawingml/2006/main" xmlns:r="http://schemas.openxmlformats.org/officeDocument/2006/relationships" xmlns:p="http://schemas.openxmlformats.org/presentationml/2006/main">
+  <p:cSld>
+    <p:spTree>
+      <p:nvGrpSpPr>
+        <p:cNvPr id="1" name="Shape 136">
+          <a:extLst>
+            <a:ext uri="{FF2B5EF4-FFF2-40B4-BE49-F238E27FC236}">
               <a16:creationId xmlns:a16="http://schemas.microsoft.com/office/drawing/2014/main" id="{275713C3-1075-5DCB-4417-D13D657A81BB}"/>
             </a:ext>
           </a:extLst>
@@ -9983,180 +13485,6 @@
       </p:grpSpPr>
       <p:sp>
         <p:nvSpPr>
-          <p:cNvPr id="158" name="Google Shape;158;p30"/>
-          <p:cNvSpPr txBox="1"/>
-          <p:nvPr/>
-        </p:nvSpPr>
-        <p:spPr>
-          <a:xfrm>
-            <a:off x="1343325" y="4851000"/>
-            <a:ext cx="1225800" cy="292500"/>
-          </a:xfrm>
-          <a:prstGeom prst="rect">
-            <a:avLst/>
-          </a:prstGeom>
-          <a:noFill/>
-          <a:ln>
-            <a:noFill/>
-          </a:ln>
-        </p:spPr>
-        <p:txBody>
-          <a:bodyPr spcFirstLastPara="1" wrap="square" lIns="91425" tIns="91425" rIns="91425" bIns="91425" anchor="b" anchorCtr="0">
-            <a:noAutofit/>
-          </a:bodyPr>
-          <a:lstStyle/>
-          <a:p>
-            <a:pPr marL="0" lvl="0" indent="0" algn="l" rtl="0">
-              <a:spcBef>
-                <a:spcPts val="0"/>
-              </a:spcBef>
-              <a:spcAft>
-                <a:spcPts val="0"/>
-              </a:spcAft>
-              <a:buNone/>
-            </a:pPr>
-            <a:r>
-              <a:rPr lang="en" sz="700">
-                <a:solidFill>
-                  <a:schemeClr val="lt1"/>
-                </a:solidFill>
-                <a:latin typeface="Roboto"/>
-                <a:ea typeface="Roboto"/>
-                <a:cs typeface="Roboto"/>
-                <a:sym typeface="Roboto"/>
-              </a:rPr>
-              <a:t>Feature Name/Product</a:t>
-            </a:r>
-            <a:endParaRPr sz="700">
-              <a:solidFill>
-                <a:schemeClr val="lt1"/>
-              </a:solidFill>
-              <a:latin typeface="Roboto"/>
-              <a:ea typeface="Roboto"/>
-              <a:cs typeface="Roboto"/>
-              <a:sym typeface="Roboto"/>
-            </a:endParaRPr>
-          </a:p>
-        </p:txBody>
-      </p:sp>
-      <p:sp>
-        <p:nvSpPr>
-          <p:cNvPr id="159" name="Google Shape;159;p30"/>
-          <p:cNvSpPr txBox="1"/>
-          <p:nvPr/>
-        </p:nvSpPr>
-        <p:spPr>
-          <a:xfrm>
-            <a:off x="117900" y="4851000"/>
-            <a:ext cx="1225200" cy="292500"/>
-          </a:xfrm>
-          <a:prstGeom prst="rect">
-            <a:avLst/>
-          </a:prstGeom>
-          <a:noFill/>
-          <a:ln>
-            <a:noFill/>
-          </a:ln>
-        </p:spPr>
-        <p:txBody>
-          <a:bodyPr spcFirstLastPara="1" wrap="square" lIns="91425" tIns="91425" rIns="91425" bIns="91425" anchor="b" anchorCtr="0">
-            <a:noAutofit/>
-          </a:bodyPr>
-          <a:lstStyle/>
-          <a:p>
-            <a:pPr marL="0" lvl="0" indent="0" algn="l" rtl="0">
-              <a:spcBef>
-                <a:spcPts val="0"/>
-              </a:spcBef>
-              <a:spcAft>
-                <a:spcPts val="0"/>
-              </a:spcAft>
-              <a:buNone/>
-            </a:pPr>
-            <a:r>
-              <a:rPr lang="en" sz="700">
-                <a:solidFill>
-                  <a:schemeClr val="lt1"/>
-                </a:solidFill>
-                <a:latin typeface="Roboto"/>
-                <a:ea typeface="Roboto"/>
-                <a:cs typeface="Roboto"/>
-                <a:sym typeface="Roboto"/>
-              </a:rPr>
-              <a:t>DD/MM/YYYY</a:t>
-            </a:r>
-            <a:endParaRPr sz="700">
-              <a:solidFill>
-                <a:schemeClr val="lt1"/>
-              </a:solidFill>
-              <a:latin typeface="Roboto"/>
-              <a:ea typeface="Roboto"/>
-              <a:cs typeface="Roboto"/>
-              <a:sym typeface="Roboto"/>
-            </a:endParaRPr>
-          </a:p>
-        </p:txBody>
-      </p:sp>
-      <p:sp>
-        <p:nvSpPr>
-          <p:cNvPr id="160" name="Google Shape;160;p30"/>
-          <p:cNvSpPr txBox="1"/>
-          <p:nvPr/>
-        </p:nvSpPr>
-        <p:spPr>
-          <a:xfrm>
-            <a:off x="7800300" y="4851000"/>
-            <a:ext cx="1225800" cy="292500"/>
-          </a:xfrm>
-          <a:prstGeom prst="rect">
-            <a:avLst/>
-          </a:prstGeom>
-          <a:noFill/>
-          <a:ln>
-            <a:noFill/>
-          </a:ln>
-        </p:spPr>
-        <p:txBody>
-          <a:bodyPr spcFirstLastPara="1" wrap="square" lIns="91425" tIns="91425" rIns="91425" bIns="91425" anchor="b" anchorCtr="0">
-            <a:noAutofit/>
-          </a:bodyPr>
-          <a:lstStyle/>
-          <a:p>
-            <a:pPr marL="0" lvl="0" indent="0" algn="r" rtl="0">
-              <a:spcBef>
-                <a:spcPts val="0"/>
-              </a:spcBef>
-              <a:spcAft>
-                <a:spcPts val="0"/>
-              </a:spcAft>
-              <a:buNone/>
-            </a:pPr>
-            <a:r>
-              <a:rPr lang="en" sz="700">
-                <a:solidFill>
-                  <a:schemeClr val="lt1"/>
-                </a:solidFill>
-                <a:latin typeface="Roboto"/>
-                <a:ea typeface="Roboto"/>
-                <a:cs typeface="Roboto"/>
-                <a:sym typeface="Roboto"/>
-              </a:rPr>
-              <a:t>Your Company Name</a:t>
-            </a:r>
-            <a:endParaRPr sz="700">
-              <a:solidFill>
-                <a:schemeClr val="lt1"/>
-              </a:solidFill>
-              <a:latin typeface="Roboto"/>
-              <a:ea typeface="Roboto"/>
-              <a:cs typeface="Roboto"/>
-              <a:sym typeface="Roboto"/>
-            </a:endParaRPr>
-          </a:p>
-        </p:txBody>
-      </p:sp>
-      <p:sp>
-        <p:nvSpPr>
           <p:cNvPr id="161" name="Google Shape;161;p30"/>
           <p:cNvSpPr txBox="1">
             <a:spLocks noGrp="1"/>
@@ -10190,10 +13518,10 @@
               <a:buNone/>
             </a:pPr>
             <a:r>
-              <a:rPr lang="fr-FR" dirty="0"/>
+              <a:rPr lang="fr-FR" b="1" dirty="0"/>
               <a:t>SOMMAIRE</a:t>
             </a:r>
-            <a:endParaRPr dirty="0"/>
+            <a:endParaRPr b="1" dirty="0"/>
           </a:p>
         </p:txBody>
       </p:sp>
@@ -10567,11 +13895,7 @@
             </a:r>
             <a:r>
               <a:rPr lang="fr-FR" b="1" dirty="0"/>
-              <a:t> 1 : </a:t>
-            </a:r>
-            <a:r>
-              <a:rPr lang="fr-FR" dirty="0"/>
-              <a:t>Voitures</a:t>
+              <a:t> 1 : Voitures</a:t>
             </a:r>
           </a:p>
         </p:txBody>
@@ -11168,8 +14492,8 @@
         </p:nvSpPr>
         <p:spPr>
           <a:xfrm>
-            <a:off x="307519" y="2815336"/>
-            <a:ext cx="2702100" cy="677100"/>
+            <a:off x="233700" y="2817518"/>
+            <a:ext cx="3666087" cy="677100"/>
           </a:xfrm>
           <a:prstGeom prst="rect">
             <a:avLst/>
@@ -11438,11 +14762,7 @@
             </a:r>
             <a:r>
               <a:rPr lang="fr-FR" b="1" dirty="0"/>
-              <a:t> 2 : </a:t>
-            </a:r>
-            <a:r>
-              <a:rPr lang="fr-FR" dirty="0"/>
-              <a:t>???</a:t>
+              <a:t> 2 : Les patients diabétiques</a:t>
             </a:r>
           </a:p>
         </p:txBody>
@@ -11469,7 +14789,7 @@
         </p:blipFill>
         <p:spPr>
           <a:xfrm>
-            <a:off x="4901611" y="356283"/>
+            <a:off x="4901611" y="302182"/>
             <a:ext cx="3858669" cy="2143705"/>
           </a:xfrm>
           <a:prstGeom prst="rect">
@@ -11479,10 +14799,10 @@
       </p:pic>
       <p:pic>
         <p:nvPicPr>
-          <p:cNvPr id="28" name="Picture 27">
+          <p:cNvPr id="4" name="Picture 3">
             <a:extLst>
               <a:ext uri="{FF2B5EF4-FFF2-40B4-BE49-F238E27FC236}">
-                <a16:creationId xmlns:a16="http://schemas.microsoft.com/office/drawing/2014/main" id="{BD260B5E-132C-BA96-DAA7-2D536FBE8802}"/>
+                <a16:creationId xmlns:a16="http://schemas.microsoft.com/office/drawing/2014/main" id="{F5C2C4D0-89CB-4CD4-4F44-27A2AE68AA77}"/>
               </a:ext>
             </a:extLst>
           </p:cNvPr>
@@ -11492,90 +14812,21 @@
           <p:nvPr/>
         </p:nvPicPr>
         <p:blipFill>
-          <a:blip r:embed="rId3"/>
+          <a:blip r:embed="rId4"/>
           <a:stretch>
             <a:fillRect/>
           </a:stretch>
         </p:blipFill>
         <p:spPr>
           <a:xfrm>
-            <a:off x="4901611" y="2589286"/>
-            <a:ext cx="3858669" cy="2143705"/>
+            <a:off x="4901611" y="2524003"/>
+            <a:ext cx="3858669" cy="2248880"/>
           </a:xfrm>
           <a:prstGeom prst="rect">
             <a:avLst/>
           </a:prstGeom>
         </p:spPr>
       </p:pic>
-      <p:sp>
-        <p:nvSpPr>
-          <p:cNvPr id="29" name="TextBox 28">
-            <a:extLst>
-              <a:ext uri="{FF2B5EF4-FFF2-40B4-BE49-F238E27FC236}">
-                <a16:creationId xmlns:a16="http://schemas.microsoft.com/office/drawing/2014/main" id="{B7236D07-55F9-FA1F-6BDA-DD566C0B9E39}"/>
-              </a:ext>
-            </a:extLst>
-          </p:cNvPr>
-          <p:cNvSpPr txBox="1"/>
-          <p:nvPr/>
-        </p:nvSpPr>
-        <p:spPr>
-          <a:xfrm>
-            <a:off x="3829034" y="3661138"/>
-            <a:ext cx="1035861" cy="253916"/>
-          </a:xfrm>
-          <a:prstGeom prst="rect">
-            <a:avLst/>
-          </a:prstGeom>
-          <a:noFill/>
-        </p:spPr>
-        <p:txBody>
-          <a:bodyPr wrap="none" rtlCol="0">
-            <a:spAutoFit/>
-          </a:bodyPr>
-          <a:lstStyle/>
-          <a:p>
-            <a:r>
-              <a:rPr lang="fr-FR" sz="1050" dirty="0">
-                <a:solidFill>
-                  <a:srgbClr val="FF0000"/>
-                </a:solidFill>
-              </a:rPr>
-              <a:t>Image </a:t>
-            </a:r>
-            <a:r>
-              <a:rPr lang="fr-FR" sz="1050" dirty="0" err="1">
-                <a:solidFill>
-                  <a:srgbClr val="FF0000"/>
-                </a:solidFill>
-              </a:rPr>
-              <a:t>here</a:t>
-            </a:r>
-            <a:r>
-              <a:rPr lang="fr-FR" sz="1050" dirty="0">
-                <a:solidFill>
-                  <a:srgbClr val="FF0000"/>
-                </a:solidFill>
-              </a:rPr>
-              <a:t> </a:t>
-            </a:r>
-            <a:r>
-              <a:rPr lang="fr-FR" sz="1050" dirty="0">
-                <a:solidFill>
-                  <a:srgbClr val="FF0000"/>
-                </a:solidFill>
-                <a:sym typeface="Wingdings" panose="05000000000000000000" pitchFamily="2" charset="2"/>
-              </a:rPr>
-              <a:t></a:t>
-            </a:r>
-            <a:endParaRPr lang="fr-FR" sz="1050" dirty="0">
-              <a:solidFill>
-                <a:srgbClr val="FF0000"/>
-              </a:solidFill>
-            </a:endParaRPr>
-          </a:p>
-        </p:txBody>
-      </p:sp>
     </p:spTree>
   </p:cSld>
   <p:clrMapOvr>
@@ -11700,180 +14951,6 @@
           <a:chExt cx="0" cy="0"/>
         </a:xfrm>
       </p:grpSpPr>
-      <p:sp>
-        <p:nvSpPr>
-          <p:cNvPr id="179" name="Google Shape;179;p31"/>
-          <p:cNvSpPr txBox="1"/>
-          <p:nvPr/>
-        </p:nvSpPr>
-        <p:spPr>
-          <a:xfrm>
-            <a:off x="1343325" y="4851000"/>
-            <a:ext cx="1225800" cy="292500"/>
-          </a:xfrm>
-          <a:prstGeom prst="rect">
-            <a:avLst/>
-          </a:prstGeom>
-          <a:noFill/>
-          <a:ln>
-            <a:noFill/>
-          </a:ln>
-        </p:spPr>
-        <p:txBody>
-          <a:bodyPr spcFirstLastPara="1" wrap="square" lIns="91425" tIns="91425" rIns="91425" bIns="91425" anchor="b" anchorCtr="0">
-            <a:noAutofit/>
-          </a:bodyPr>
-          <a:lstStyle/>
-          <a:p>
-            <a:pPr marL="0" lvl="0" indent="0" algn="l" rtl="0">
-              <a:spcBef>
-                <a:spcPts val="0"/>
-              </a:spcBef>
-              <a:spcAft>
-                <a:spcPts val="0"/>
-              </a:spcAft>
-              <a:buNone/>
-            </a:pPr>
-            <a:r>
-              <a:rPr lang="en" sz="700">
-                <a:solidFill>
-                  <a:schemeClr val="lt1"/>
-                </a:solidFill>
-                <a:latin typeface="Roboto"/>
-                <a:ea typeface="Roboto"/>
-                <a:cs typeface="Roboto"/>
-                <a:sym typeface="Roboto"/>
-              </a:rPr>
-              <a:t>Feature Name/Product</a:t>
-            </a:r>
-            <a:endParaRPr sz="700">
-              <a:solidFill>
-                <a:schemeClr val="lt1"/>
-              </a:solidFill>
-              <a:latin typeface="Roboto"/>
-              <a:ea typeface="Roboto"/>
-              <a:cs typeface="Roboto"/>
-              <a:sym typeface="Roboto"/>
-            </a:endParaRPr>
-          </a:p>
-        </p:txBody>
-      </p:sp>
-      <p:sp>
-        <p:nvSpPr>
-          <p:cNvPr id="180" name="Google Shape;180;p31"/>
-          <p:cNvSpPr txBox="1"/>
-          <p:nvPr/>
-        </p:nvSpPr>
-        <p:spPr>
-          <a:xfrm>
-            <a:off x="117900" y="4851000"/>
-            <a:ext cx="1225200" cy="292500"/>
-          </a:xfrm>
-          <a:prstGeom prst="rect">
-            <a:avLst/>
-          </a:prstGeom>
-          <a:noFill/>
-          <a:ln>
-            <a:noFill/>
-          </a:ln>
-        </p:spPr>
-        <p:txBody>
-          <a:bodyPr spcFirstLastPara="1" wrap="square" lIns="91425" tIns="91425" rIns="91425" bIns="91425" anchor="b" anchorCtr="0">
-            <a:noAutofit/>
-          </a:bodyPr>
-          <a:lstStyle/>
-          <a:p>
-            <a:pPr marL="0" lvl="0" indent="0" algn="l" rtl="0">
-              <a:spcBef>
-                <a:spcPts val="0"/>
-              </a:spcBef>
-              <a:spcAft>
-                <a:spcPts val="0"/>
-              </a:spcAft>
-              <a:buNone/>
-            </a:pPr>
-            <a:r>
-              <a:rPr lang="en" sz="700">
-                <a:solidFill>
-                  <a:schemeClr val="lt1"/>
-                </a:solidFill>
-                <a:latin typeface="Roboto"/>
-                <a:ea typeface="Roboto"/>
-                <a:cs typeface="Roboto"/>
-                <a:sym typeface="Roboto"/>
-              </a:rPr>
-              <a:t>DD/MM/YYYY</a:t>
-            </a:r>
-            <a:endParaRPr sz="700">
-              <a:solidFill>
-                <a:schemeClr val="lt1"/>
-              </a:solidFill>
-              <a:latin typeface="Roboto"/>
-              <a:ea typeface="Roboto"/>
-              <a:cs typeface="Roboto"/>
-              <a:sym typeface="Roboto"/>
-            </a:endParaRPr>
-          </a:p>
-        </p:txBody>
-      </p:sp>
-      <p:sp>
-        <p:nvSpPr>
-          <p:cNvPr id="181" name="Google Shape;181;p31"/>
-          <p:cNvSpPr txBox="1"/>
-          <p:nvPr/>
-        </p:nvSpPr>
-        <p:spPr>
-          <a:xfrm>
-            <a:off x="7800300" y="4851000"/>
-            <a:ext cx="1225800" cy="292500"/>
-          </a:xfrm>
-          <a:prstGeom prst="rect">
-            <a:avLst/>
-          </a:prstGeom>
-          <a:noFill/>
-          <a:ln>
-            <a:noFill/>
-          </a:ln>
-        </p:spPr>
-        <p:txBody>
-          <a:bodyPr spcFirstLastPara="1" wrap="square" lIns="91425" tIns="91425" rIns="91425" bIns="91425" anchor="b" anchorCtr="0">
-            <a:noAutofit/>
-          </a:bodyPr>
-          <a:lstStyle/>
-          <a:p>
-            <a:pPr marL="0" lvl="0" indent="0" algn="r" rtl="0">
-              <a:spcBef>
-                <a:spcPts val="0"/>
-              </a:spcBef>
-              <a:spcAft>
-                <a:spcPts val="0"/>
-              </a:spcAft>
-              <a:buNone/>
-            </a:pPr>
-            <a:r>
-              <a:rPr lang="en" sz="700">
-                <a:solidFill>
-                  <a:schemeClr val="lt1"/>
-                </a:solidFill>
-                <a:latin typeface="Roboto"/>
-                <a:ea typeface="Roboto"/>
-                <a:cs typeface="Roboto"/>
-                <a:sym typeface="Roboto"/>
-              </a:rPr>
-              <a:t>Your Company Name</a:t>
-            </a:r>
-            <a:endParaRPr sz="700">
-              <a:solidFill>
-                <a:schemeClr val="lt1"/>
-              </a:solidFill>
-              <a:latin typeface="Roboto"/>
-              <a:ea typeface="Roboto"/>
-              <a:cs typeface="Roboto"/>
-              <a:sym typeface="Roboto"/>
-            </a:endParaRPr>
-          </a:p>
-        </p:txBody>
-      </p:sp>
       <p:sp>
         <p:nvSpPr>
           <p:cNvPr id="182" name="Google Shape;182;p31"/>
@@ -12127,198 +15204,6 @@
       </p:grpSpPr>
       <p:sp>
         <p:nvSpPr>
-          <p:cNvPr id="179" name="Google Shape;179;p31">
-            <a:extLst>
-              <a:ext uri="{FF2B5EF4-FFF2-40B4-BE49-F238E27FC236}">
-                <a16:creationId xmlns:a16="http://schemas.microsoft.com/office/drawing/2014/main" id="{E99CC4FB-C754-6098-E2AD-0E87EDDC64DD}"/>
-              </a:ext>
-            </a:extLst>
-          </p:cNvPr>
-          <p:cNvSpPr txBox="1"/>
-          <p:nvPr/>
-        </p:nvSpPr>
-        <p:spPr>
-          <a:xfrm>
-            <a:off x="1343325" y="4851000"/>
-            <a:ext cx="1225800" cy="292500"/>
-          </a:xfrm>
-          <a:prstGeom prst="rect">
-            <a:avLst/>
-          </a:prstGeom>
-          <a:noFill/>
-          <a:ln>
-            <a:noFill/>
-          </a:ln>
-        </p:spPr>
-        <p:txBody>
-          <a:bodyPr spcFirstLastPara="1" wrap="square" lIns="91425" tIns="91425" rIns="91425" bIns="91425" anchor="b" anchorCtr="0">
-            <a:noAutofit/>
-          </a:bodyPr>
-          <a:lstStyle/>
-          <a:p>
-            <a:pPr marL="0" lvl="0" indent="0" algn="l" rtl="0">
-              <a:spcBef>
-                <a:spcPts val="0"/>
-              </a:spcBef>
-              <a:spcAft>
-                <a:spcPts val="0"/>
-              </a:spcAft>
-              <a:buNone/>
-            </a:pPr>
-            <a:r>
-              <a:rPr lang="en" sz="700">
-                <a:solidFill>
-                  <a:schemeClr val="lt1"/>
-                </a:solidFill>
-                <a:latin typeface="Roboto"/>
-                <a:ea typeface="Roboto"/>
-                <a:cs typeface="Roboto"/>
-                <a:sym typeface="Roboto"/>
-              </a:rPr>
-              <a:t>Feature Name/Product</a:t>
-            </a:r>
-            <a:endParaRPr sz="700">
-              <a:solidFill>
-                <a:schemeClr val="lt1"/>
-              </a:solidFill>
-              <a:latin typeface="Roboto"/>
-              <a:ea typeface="Roboto"/>
-              <a:cs typeface="Roboto"/>
-              <a:sym typeface="Roboto"/>
-            </a:endParaRPr>
-          </a:p>
-        </p:txBody>
-      </p:sp>
-      <p:sp>
-        <p:nvSpPr>
-          <p:cNvPr id="180" name="Google Shape;180;p31">
-            <a:extLst>
-              <a:ext uri="{FF2B5EF4-FFF2-40B4-BE49-F238E27FC236}">
-                <a16:creationId xmlns:a16="http://schemas.microsoft.com/office/drawing/2014/main" id="{5CF4C89E-8081-C4C8-496A-4263892114C3}"/>
-              </a:ext>
-            </a:extLst>
-          </p:cNvPr>
-          <p:cNvSpPr txBox="1"/>
-          <p:nvPr/>
-        </p:nvSpPr>
-        <p:spPr>
-          <a:xfrm>
-            <a:off x="117900" y="4851000"/>
-            <a:ext cx="1225200" cy="292500"/>
-          </a:xfrm>
-          <a:prstGeom prst="rect">
-            <a:avLst/>
-          </a:prstGeom>
-          <a:noFill/>
-          <a:ln>
-            <a:noFill/>
-          </a:ln>
-        </p:spPr>
-        <p:txBody>
-          <a:bodyPr spcFirstLastPara="1" wrap="square" lIns="91425" tIns="91425" rIns="91425" bIns="91425" anchor="b" anchorCtr="0">
-            <a:noAutofit/>
-          </a:bodyPr>
-          <a:lstStyle/>
-          <a:p>
-            <a:pPr marL="0" lvl="0" indent="0" algn="l" rtl="0">
-              <a:spcBef>
-                <a:spcPts val="0"/>
-              </a:spcBef>
-              <a:spcAft>
-                <a:spcPts val="0"/>
-              </a:spcAft>
-              <a:buNone/>
-            </a:pPr>
-            <a:r>
-              <a:rPr lang="en" sz="700">
-                <a:solidFill>
-                  <a:schemeClr val="lt1"/>
-                </a:solidFill>
-                <a:latin typeface="Roboto"/>
-                <a:ea typeface="Roboto"/>
-                <a:cs typeface="Roboto"/>
-                <a:sym typeface="Roboto"/>
-              </a:rPr>
-              <a:t>DD/MM/YYYY</a:t>
-            </a:r>
-            <a:endParaRPr sz="700">
-              <a:solidFill>
-                <a:schemeClr val="lt1"/>
-              </a:solidFill>
-              <a:latin typeface="Roboto"/>
-              <a:ea typeface="Roboto"/>
-              <a:cs typeface="Roboto"/>
-              <a:sym typeface="Roboto"/>
-            </a:endParaRPr>
-          </a:p>
-        </p:txBody>
-      </p:sp>
-      <p:sp>
-        <p:nvSpPr>
-          <p:cNvPr id="181" name="Google Shape;181;p31">
-            <a:extLst>
-              <a:ext uri="{FF2B5EF4-FFF2-40B4-BE49-F238E27FC236}">
-                <a16:creationId xmlns:a16="http://schemas.microsoft.com/office/drawing/2014/main" id="{821A703F-2EE7-EADB-C473-77D1013B4DBB}"/>
-              </a:ext>
-            </a:extLst>
-          </p:cNvPr>
-          <p:cNvSpPr txBox="1"/>
-          <p:nvPr/>
-        </p:nvSpPr>
-        <p:spPr>
-          <a:xfrm>
-            <a:off x="7800300" y="4851000"/>
-            <a:ext cx="1225800" cy="292500"/>
-          </a:xfrm>
-          <a:prstGeom prst="rect">
-            <a:avLst/>
-          </a:prstGeom>
-          <a:noFill/>
-          <a:ln>
-            <a:noFill/>
-          </a:ln>
-        </p:spPr>
-        <p:txBody>
-          <a:bodyPr spcFirstLastPara="1" wrap="square" lIns="91425" tIns="91425" rIns="91425" bIns="91425" anchor="b" anchorCtr="0">
-            <a:noAutofit/>
-          </a:bodyPr>
-          <a:lstStyle/>
-          <a:p>
-            <a:pPr marL="0" lvl="0" indent="0" algn="r" rtl="0">
-              <a:spcBef>
-                <a:spcPts val="0"/>
-              </a:spcBef>
-              <a:spcAft>
-                <a:spcPts val="0"/>
-              </a:spcAft>
-              <a:buNone/>
-            </a:pPr>
-            <a:r>
-              <a:rPr lang="en" sz="700">
-                <a:solidFill>
-                  <a:schemeClr val="lt1"/>
-                </a:solidFill>
-                <a:latin typeface="Roboto"/>
-                <a:ea typeface="Roboto"/>
-                <a:cs typeface="Roboto"/>
-                <a:sym typeface="Roboto"/>
-              </a:rPr>
-              <a:t>Your Company Name</a:t>
-            </a:r>
-            <a:endParaRPr sz="700">
-              <a:solidFill>
-                <a:schemeClr val="lt1"/>
-              </a:solidFill>
-              <a:latin typeface="Roboto"/>
-              <a:ea typeface="Roboto"/>
-              <a:cs typeface="Roboto"/>
-              <a:sym typeface="Roboto"/>
-            </a:endParaRPr>
-          </a:p>
-        </p:txBody>
-      </p:sp>
-      <p:sp>
-        <p:nvSpPr>
           <p:cNvPr id="182" name="Google Shape;182;p31">
             <a:extLst>
               <a:ext uri="{FF2B5EF4-FFF2-40B4-BE49-F238E27FC236}">
@@ -12747,7 +15632,7 @@
             </a:pPr>
             <a:r>
               <a:rPr lang="fr-BE" sz="1400" dirty="0"/>
-              <a:t>On prend 2 variables aléatoires (par exemple nombre de cycles et puissance d’une voiture) et on applique la centralisation et réduction des données</a:t>
+              <a:t>On prend 2 variables aléatoires (par exemple nombre de cycles et puissance d’une voiture) et on applique la centralisation et réduction des données.</a:t>
             </a:r>
           </a:p>
         </p:txBody>
@@ -12788,198 +15673,6 @@
           <a:chExt cx="0" cy="0"/>
         </a:xfrm>
       </p:grpSpPr>
-      <p:sp>
-        <p:nvSpPr>
-          <p:cNvPr id="179" name="Google Shape;179;p31">
-            <a:extLst>
-              <a:ext uri="{FF2B5EF4-FFF2-40B4-BE49-F238E27FC236}">
-                <a16:creationId xmlns:a16="http://schemas.microsoft.com/office/drawing/2014/main" id="{7D33499B-259A-0EFF-2497-F460CD0F7C40}"/>
-              </a:ext>
-            </a:extLst>
-          </p:cNvPr>
-          <p:cNvSpPr txBox="1"/>
-          <p:nvPr/>
-        </p:nvSpPr>
-        <p:spPr>
-          <a:xfrm>
-            <a:off x="1343325" y="4851000"/>
-            <a:ext cx="1225800" cy="292500"/>
-          </a:xfrm>
-          <a:prstGeom prst="rect">
-            <a:avLst/>
-          </a:prstGeom>
-          <a:noFill/>
-          <a:ln>
-            <a:noFill/>
-          </a:ln>
-        </p:spPr>
-        <p:txBody>
-          <a:bodyPr spcFirstLastPara="1" wrap="square" lIns="91425" tIns="91425" rIns="91425" bIns="91425" anchor="b" anchorCtr="0">
-            <a:noAutofit/>
-          </a:bodyPr>
-          <a:lstStyle/>
-          <a:p>
-            <a:pPr marL="0" lvl="0" indent="0" algn="l" rtl="0">
-              <a:spcBef>
-                <a:spcPts val="0"/>
-              </a:spcBef>
-              <a:spcAft>
-                <a:spcPts val="0"/>
-              </a:spcAft>
-              <a:buNone/>
-            </a:pPr>
-            <a:r>
-              <a:rPr lang="en" sz="700">
-                <a:solidFill>
-                  <a:schemeClr val="lt1"/>
-                </a:solidFill>
-                <a:latin typeface="Roboto"/>
-                <a:ea typeface="Roboto"/>
-                <a:cs typeface="Roboto"/>
-                <a:sym typeface="Roboto"/>
-              </a:rPr>
-              <a:t>Feature Name/Product</a:t>
-            </a:r>
-            <a:endParaRPr sz="700">
-              <a:solidFill>
-                <a:schemeClr val="lt1"/>
-              </a:solidFill>
-              <a:latin typeface="Roboto"/>
-              <a:ea typeface="Roboto"/>
-              <a:cs typeface="Roboto"/>
-              <a:sym typeface="Roboto"/>
-            </a:endParaRPr>
-          </a:p>
-        </p:txBody>
-      </p:sp>
-      <p:sp>
-        <p:nvSpPr>
-          <p:cNvPr id="180" name="Google Shape;180;p31">
-            <a:extLst>
-              <a:ext uri="{FF2B5EF4-FFF2-40B4-BE49-F238E27FC236}">
-                <a16:creationId xmlns:a16="http://schemas.microsoft.com/office/drawing/2014/main" id="{738B1BCF-4810-3EFA-4242-26838C394F4E}"/>
-              </a:ext>
-            </a:extLst>
-          </p:cNvPr>
-          <p:cNvSpPr txBox="1"/>
-          <p:nvPr/>
-        </p:nvSpPr>
-        <p:spPr>
-          <a:xfrm>
-            <a:off x="117900" y="4851000"/>
-            <a:ext cx="1225200" cy="292500"/>
-          </a:xfrm>
-          <a:prstGeom prst="rect">
-            <a:avLst/>
-          </a:prstGeom>
-          <a:noFill/>
-          <a:ln>
-            <a:noFill/>
-          </a:ln>
-        </p:spPr>
-        <p:txBody>
-          <a:bodyPr spcFirstLastPara="1" wrap="square" lIns="91425" tIns="91425" rIns="91425" bIns="91425" anchor="b" anchorCtr="0">
-            <a:noAutofit/>
-          </a:bodyPr>
-          <a:lstStyle/>
-          <a:p>
-            <a:pPr marL="0" lvl="0" indent="0" algn="l" rtl="0">
-              <a:spcBef>
-                <a:spcPts val="0"/>
-              </a:spcBef>
-              <a:spcAft>
-                <a:spcPts val="0"/>
-              </a:spcAft>
-              <a:buNone/>
-            </a:pPr>
-            <a:r>
-              <a:rPr lang="en" sz="700">
-                <a:solidFill>
-                  <a:schemeClr val="lt1"/>
-                </a:solidFill>
-                <a:latin typeface="Roboto"/>
-                <a:ea typeface="Roboto"/>
-                <a:cs typeface="Roboto"/>
-                <a:sym typeface="Roboto"/>
-              </a:rPr>
-              <a:t>DD/MM/YYYY</a:t>
-            </a:r>
-            <a:endParaRPr sz="700">
-              <a:solidFill>
-                <a:schemeClr val="lt1"/>
-              </a:solidFill>
-              <a:latin typeface="Roboto"/>
-              <a:ea typeface="Roboto"/>
-              <a:cs typeface="Roboto"/>
-              <a:sym typeface="Roboto"/>
-            </a:endParaRPr>
-          </a:p>
-        </p:txBody>
-      </p:sp>
-      <p:sp>
-        <p:nvSpPr>
-          <p:cNvPr id="181" name="Google Shape;181;p31">
-            <a:extLst>
-              <a:ext uri="{FF2B5EF4-FFF2-40B4-BE49-F238E27FC236}">
-                <a16:creationId xmlns:a16="http://schemas.microsoft.com/office/drawing/2014/main" id="{C4FCBA54-6F8B-AF89-1A25-584A51A6537E}"/>
-              </a:ext>
-            </a:extLst>
-          </p:cNvPr>
-          <p:cNvSpPr txBox="1"/>
-          <p:nvPr/>
-        </p:nvSpPr>
-        <p:spPr>
-          <a:xfrm>
-            <a:off x="7800300" y="4851000"/>
-            <a:ext cx="1225800" cy="292500"/>
-          </a:xfrm>
-          <a:prstGeom prst="rect">
-            <a:avLst/>
-          </a:prstGeom>
-          <a:noFill/>
-          <a:ln>
-            <a:noFill/>
-          </a:ln>
-        </p:spPr>
-        <p:txBody>
-          <a:bodyPr spcFirstLastPara="1" wrap="square" lIns="91425" tIns="91425" rIns="91425" bIns="91425" anchor="b" anchorCtr="0">
-            <a:noAutofit/>
-          </a:bodyPr>
-          <a:lstStyle/>
-          <a:p>
-            <a:pPr marL="0" lvl="0" indent="0" algn="r" rtl="0">
-              <a:spcBef>
-                <a:spcPts val="0"/>
-              </a:spcBef>
-              <a:spcAft>
-                <a:spcPts val="0"/>
-              </a:spcAft>
-              <a:buNone/>
-            </a:pPr>
-            <a:r>
-              <a:rPr lang="en" sz="700">
-                <a:solidFill>
-                  <a:schemeClr val="lt1"/>
-                </a:solidFill>
-                <a:latin typeface="Roboto"/>
-                <a:ea typeface="Roboto"/>
-                <a:cs typeface="Roboto"/>
-                <a:sym typeface="Roboto"/>
-              </a:rPr>
-              <a:t>Your Company Name</a:t>
-            </a:r>
-            <a:endParaRPr sz="700">
-              <a:solidFill>
-                <a:schemeClr val="lt1"/>
-              </a:solidFill>
-              <a:latin typeface="Roboto"/>
-              <a:ea typeface="Roboto"/>
-              <a:cs typeface="Roboto"/>
-              <a:sym typeface="Roboto"/>
-            </a:endParaRPr>
-          </a:p>
-        </p:txBody>
-      </p:sp>
       <p:sp>
         <p:nvSpPr>
           <p:cNvPr id="182" name="Google Shape;182;p31">
@@ -13427,198 +16120,6 @@
       </p:grpSpPr>
       <p:sp>
         <p:nvSpPr>
-          <p:cNvPr id="179" name="Google Shape;179;p31">
-            <a:extLst>
-              <a:ext uri="{FF2B5EF4-FFF2-40B4-BE49-F238E27FC236}">
-                <a16:creationId xmlns:a16="http://schemas.microsoft.com/office/drawing/2014/main" id="{A86C68A5-FC6E-FA49-C3F0-7C3D986F8168}"/>
-              </a:ext>
-            </a:extLst>
-          </p:cNvPr>
-          <p:cNvSpPr txBox="1"/>
-          <p:nvPr/>
-        </p:nvSpPr>
-        <p:spPr>
-          <a:xfrm>
-            <a:off x="1343325" y="4851000"/>
-            <a:ext cx="1225800" cy="292500"/>
-          </a:xfrm>
-          <a:prstGeom prst="rect">
-            <a:avLst/>
-          </a:prstGeom>
-          <a:noFill/>
-          <a:ln>
-            <a:noFill/>
-          </a:ln>
-        </p:spPr>
-        <p:txBody>
-          <a:bodyPr spcFirstLastPara="1" wrap="square" lIns="91425" tIns="91425" rIns="91425" bIns="91425" anchor="b" anchorCtr="0">
-            <a:noAutofit/>
-          </a:bodyPr>
-          <a:lstStyle/>
-          <a:p>
-            <a:pPr marL="0" lvl="0" indent="0" algn="l" rtl="0">
-              <a:spcBef>
-                <a:spcPts val="0"/>
-              </a:spcBef>
-              <a:spcAft>
-                <a:spcPts val="0"/>
-              </a:spcAft>
-              <a:buNone/>
-            </a:pPr>
-            <a:r>
-              <a:rPr lang="en" sz="700">
-                <a:solidFill>
-                  <a:schemeClr val="lt1"/>
-                </a:solidFill>
-                <a:latin typeface="Roboto"/>
-                <a:ea typeface="Roboto"/>
-                <a:cs typeface="Roboto"/>
-                <a:sym typeface="Roboto"/>
-              </a:rPr>
-              <a:t>Feature Name/Product</a:t>
-            </a:r>
-            <a:endParaRPr sz="700">
-              <a:solidFill>
-                <a:schemeClr val="lt1"/>
-              </a:solidFill>
-              <a:latin typeface="Roboto"/>
-              <a:ea typeface="Roboto"/>
-              <a:cs typeface="Roboto"/>
-              <a:sym typeface="Roboto"/>
-            </a:endParaRPr>
-          </a:p>
-        </p:txBody>
-      </p:sp>
-      <p:sp>
-        <p:nvSpPr>
-          <p:cNvPr id="180" name="Google Shape;180;p31">
-            <a:extLst>
-              <a:ext uri="{FF2B5EF4-FFF2-40B4-BE49-F238E27FC236}">
-                <a16:creationId xmlns:a16="http://schemas.microsoft.com/office/drawing/2014/main" id="{CBFB8A92-8E33-4437-A7D6-BD8619DA334C}"/>
-              </a:ext>
-            </a:extLst>
-          </p:cNvPr>
-          <p:cNvSpPr txBox="1"/>
-          <p:nvPr/>
-        </p:nvSpPr>
-        <p:spPr>
-          <a:xfrm>
-            <a:off x="117900" y="4851000"/>
-            <a:ext cx="1225200" cy="292500"/>
-          </a:xfrm>
-          <a:prstGeom prst="rect">
-            <a:avLst/>
-          </a:prstGeom>
-          <a:noFill/>
-          <a:ln>
-            <a:noFill/>
-          </a:ln>
-        </p:spPr>
-        <p:txBody>
-          <a:bodyPr spcFirstLastPara="1" wrap="square" lIns="91425" tIns="91425" rIns="91425" bIns="91425" anchor="b" anchorCtr="0">
-            <a:noAutofit/>
-          </a:bodyPr>
-          <a:lstStyle/>
-          <a:p>
-            <a:pPr marL="0" lvl="0" indent="0" algn="l" rtl="0">
-              <a:spcBef>
-                <a:spcPts val="0"/>
-              </a:spcBef>
-              <a:spcAft>
-                <a:spcPts val="0"/>
-              </a:spcAft>
-              <a:buNone/>
-            </a:pPr>
-            <a:r>
-              <a:rPr lang="en" sz="700">
-                <a:solidFill>
-                  <a:schemeClr val="lt1"/>
-                </a:solidFill>
-                <a:latin typeface="Roboto"/>
-                <a:ea typeface="Roboto"/>
-                <a:cs typeface="Roboto"/>
-                <a:sym typeface="Roboto"/>
-              </a:rPr>
-              <a:t>DD/MM/YYYY</a:t>
-            </a:r>
-            <a:endParaRPr sz="700">
-              <a:solidFill>
-                <a:schemeClr val="lt1"/>
-              </a:solidFill>
-              <a:latin typeface="Roboto"/>
-              <a:ea typeface="Roboto"/>
-              <a:cs typeface="Roboto"/>
-              <a:sym typeface="Roboto"/>
-            </a:endParaRPr>
-          </a:p>
-        </p:txBody>
-      </p:sp>
-      <p:sp>
-        <p:nvSpPr>
-          <p:cNvPr id="181" name="Google Shape;181;p31">
-            <a:extLst>
-              <a:ext uri="{FF2B5EF4-FFF2-40B4-BE49-F238E27FC236}">
-                <a16:creationId xmlns:a16="http://schemas.microsoft.com/office/drawing/2014/main" id="{54DA6B07-444C-9D6B-AD7A-4C94FB6A484F}"/>
-              </a:ext>
-            </a:extLst>
-          </p:cNvPr>
-          <p:cNvSpPr txBox="1"/>
-          <p:nvPr/>
-        </p:nvSpPr>
-        <p:spPr>
-          <a:xfrm>
-            <a:off x="7800300" y="4851000"/>
-            <a:ext cx="1225800" cy="292500"/>
-          </a:xfrm>
-          <a:prstGeom prst="rect">
-            <a:avLst/>
-          </a:prstGeom>
-          <a:noFill/>
-          <a:ln>
-            <a:noFill/>
-          </a:ln>
-        </p:spPr>
-        <p:txBody>
-          <a:bodyPr spcFirstLastPara="1" wrap="square" lIns="91425" tIns="91425" rIns="91425" bIns="91425" anchor="b" anchorCtr="0">
-            <a:noAutofit/>
-          </a:bodyPr>
-          <a:lstStyle/>
-          <a:p>
-            <a:pPr marL="0" lvl="0" indent="0" algn="r" rtl="0">
-              <a:spcBef>
-                <a:spcPts val="0"/>
-              </a:spcBef>
-              <a:spcAft>
-                <a:spcPts val="0"/>
-              </a:spcAft>
-              <a:buNone/>
-            </a:pPr>
-            <a:r>
-              <a:rPr lang="en" sz="700">
-                <a:solidFill>
-                  <a:schemeClr val="lt1"/>
-                </a:solidFill>
-                <a:latin typeface="Roboto"/>
-                <a:ea typeface="Roboto"/>
-                <a:cs typeface="Roboto"/>
-                <a:sym typeface="Roboto"/>
-              </a:rPr>
-              <a:t>Your Company Name</a:t>
-            </a:r>
-            <a:endParaRPr sz="700">
-              <a:solidFill>
-                <a:schemeClr val="lt1"/>
-              </a:solidFill>
-              <a:latin typeface="Roboto"/>
-              <a:ea typeface="Roboto"/>
-              <a:cs typeface="Roboto"/>
-              <a:sym typeface="Roboto"/>
-            </a:endParaRPr>
-          </a:p>
-        </p:txBody>
-      </p:sp>
-      <p:sp>
-        <p:nvSpPr>
           <p:cNvPr id="182" name="Google Shape;182;p31">
             <a:extLst>
               <a:ext uri="{FF2B5EF4-FFF2-40B4-BE49-F238E27FC236}">
@@ -14062,198 +16563,6 @@
           <a:chExt cx="0" cy="0"/>
         </a:xfrm>
       </p:grpSpPr>
-      <p:sp>
-        <p:nvSpPr>
-          <p:cNvPr id="179" name="Google Shape;179;p31">
-            <a:extLst>
-              <a:ext uri="{FF2B5EF4-FFF2-40B4-BE49-F238E27FC236}">
-                <a16:creationId xmlns:a16="http://schemas.microsoft.com/office/drawing/2014/main" id="{77E0BB8D-67B2-39EE-5151-87DDD1CF6549}"/>
-              </a:ext>
-            </a:extLst>
-          </p:cNvPr>
-          <p:cNvSpPr txBox="1"/>
-          <p:nvPr/>
-        </p:nvSpPr>
-        <p:spPr>
-          <a:xfrm>
-            <a:off x="1343325" y="4851000"/>
-            <a:ext cx="1225800" cy="292500"/>
-          </a:xfrm>
-          <a:prstGeom prst="rect">
-            <a:avLst/>
-          </a:prstGeom>
-          <a:noFill/>
-          <a:ln>
-            <a:noFill/>
-          </a:ln>
-        </p:spPr>
-        <p:txBody>
-          <a:bodyPr spcFirstLastPara="1" wrap="square" lIns="91425" tIns="91425" rIns="91425" bIns="91425" anchor="b" anchorCtr="0">
-            <a:noAutofit/>
-          </a:bodyPr>
-          <a:lstStyle/>
-          <a:p>
-            <a:pPr marL="0" lvl="0" indent="0" algn="l" rtl="0">
-              <a:spcBef>
-                <a:spcPts val="0"/>
-              </a:spcBef>
-              <a:spcAft>
-                <a:spcPts val="0"/>
-              </a:spcAft>
-              <a:buNone/>
-            </a:pPr>
-            <a:r>
-              <a:rPr lang="en" sz="700">
-                <a:solidFill>
-                  <a:schemeClr val="lt1"/>
-                </a:solidFill>
-                <a:latin typeface="Roboto"/>
-                <a:ea typeface="Roboto"/>
-                <a:cs typeface="Roboto"/>
-                <a:sym typeface="Roboto"/>
-              </a:rPr>
-              <a:t>Feature Name/Product</a:t>
-            </a:r>
-            <a:endParaRPr sz="700">
-              <a:solidFill>
-                <a:schemeClr val="lt1"/>
-              </a:solidFill>
-              <a:latin typeface="Roboto"/>
-              <a:ea typeface="Roboto"/>
-              <a:cs typeface="Roboto"/>
-              <a:sym typeface="Roboto"/>
-            </a:endParaRPr>
-          </a:p>
-        </p:txBody>
-      </p:sp>
-      <p:sp>
-        <p:nvSpPr>
-          <p:cNvPr id="180" name="Google Shape;180;p31">
-            <a:extLst>
-              <a:ext uri="{FF2B5EF4-FFF2-40B4-BE49-F238E27FC236}">
-                <a16:creationId xmlns:a16="http://schemas.microsoft.com/office/drawing/2014/main" id="{281B52EE-CCFD-E075-61F7-9BF8B5D42E9E}"/>
-              </a:ext>
-            </a:extLst>
-          </p:cNvPr>
-          <p:cNvSpPr txBox="1"/>
-          <p:nvPr/>
-        </p:nvSpPr>
-        <p:spPr>
-          <a:xfrm>
-            <a:off x="117900" y="4851000"/>
-            <a:ext cx="1225200" cy="292500"/>
-          </a:xfrm>
-          <a:prstGeom prst="rect">
-            <a:avLst/>
-          </a:prstGeom>
-          <a:noFill/>
-          <a:ln>
-            <a:noFill/>
-          </a:ln>
-        </p:spPr>
-        <p:txBody>
-          <a:bodyPr spcFirstLastPara="1" wrap="square" lIns="91425" tIns="91425" rIns="91425" bIns="91425" anchor="b" anchorCtr="0">
-            <a:noAutofit/>
-          </a:bodyPr>
-          <a:lstStyle/>
-          <a:p>
-            <a:pPr marL="0" lvl="0" indent="0" algn="l" rtl="0">
-              <a:spcBef>
-                <a:spcPts val="0"/>
-              </a:spcBef>
-              <a:spcAft>
-                <a:spcPts val="0"/>
-              </a:spcAft>
-              <a:buNone/>
-            </a:pPr>
-            <a:r>
-              <a:rPr lang="en" sz="700">
-                <a:solidFill>
-                  <a:schemeClr val="lt1"/>
-                </a:solidFill>
-                <a:latin typeface="Roboto"/>
-                <a:ea typeface="Roboto"/>
-                <a:cs typeface="Roboto"/>
-                <a:sym typeface="Roboto"/>
-              </a:rPr>
-              <a:t>DD/MM/YYYY</a:t>
-            </a:r>
-            <a:endParaRPr sz="700">
-              <a:solidFill>
-                <a:schemeClr val="lt1"/>
-              </a:solidFill>
-              <a:latin typeface="Roboto"/>
-              <a:ea typeface="Roboto"/>
-              <a:cs typeface="Roboto"/>
-              <a:sym typeface="Roboto"/>
-            </a:endParaRPr>
-          </a:p>
-        </p:txBody>
-      </p:sp>
-      <p:sp>
-        <p:nvSpPr>
-          <p:cNvPr id="181" name="Google Shape;181;p31">
-            <a:extLst>
-              <a:ext uri="{FF2B5EF4-FFF2-40B4-BE49-F238E27FC236}">
-                <a16:creationId xmlns:a16="http://schemas.microsoft.com/office/drawing/2014/main" id="{A569E2DA-9351-3B4B-50D0-B53FA950B8E3}"/>
-              </a:ext>
-            </a:extLst>
-          </p:cNvPr>
-          <p:cNvSpPr txBox="1"/>
-          <p:nvPr/>
-        </p:nvSpPr>
-        <p:spPr>
-          <a:xfrm>
-            <a:off x="7800300" y="4851000"/>
-            <a:ext cx="1225800" cy="292500"/>
-          </a:xfrm>
-          <a:prstGeom prst="rect">
-            <a:avLst/>
-          </a:prstGeom>
-          <a:noFill/>
-          <a:ln>
-            <a:noFill/>
-          </a:ln>
-        </p:spPr>
-        <p:txBody>
-          <a:bodyPr spcFirstLastPara="1" wrap="square" lIns="91425" tIns="91425" rIns="91425" bIns="91425" anchor="b" anchorCtr="0">
-            <a:noAutofit/>
-          </a:bodyPr>
-          <a:lstStyle/>
-          <a:p>
-            <a:pPr marL="0" lvl="0" indent="0" algn="r" rtl="0">
-              <a:spcBef>
-                <a:spcPts val="0"/>
-              </a:spcBef>
-              <a:spcAft>
-                <a:spcPts val="0"/>
-              </a:spcAft>
-              <a:buNone/>
-            </a:pPr>
-            <a:r>
-              <a:rPr lang="en" sz="700">
-                <a:solidFill>
-                  <a:schemeClr val="lt1"/>
-                </a:solidFill>
-                <a:latin typeface="Roboto"/>
-                <a:ea typeface="Roboto"/>
-                <a:cs typeface="Roboto"/>
-                <a:sym typeface="Roboto"/>
-              </a:rPr>
-              <a:t>Your Company Name</a:t>
-            </a:r>
-            <a:endParaRPr sz="700">
-              <a:solidFill>
-                <a:schemeClr val="lt1"/>
-              </a:solidFill>
-              <a:latin typeface="Roboto"/>
-              <a:ea typeface="Roboto"/>
-              <a:cs typeface="Roboto"/>
-              <a:sym typeface="Roboto"/>
-            </a:endParaRPr>
-          </a:p>
-        </p:txBody>
-      </p:sp>
       <p:sp>
         <p:nvSpPr>
           <p:cNvPr id="182" name="Google Shape;182;p31">
